--- a/Documentation/My documentation/Predzashita_Gailevich.pptx
+++ b/Documentation/My documentation/Predzashita_Gailevich.pptx
@@ -7,22 +7,20 @@
   <p:sldIdLst>
     <p:sldId id="270" r:id="rId2"/>
     <p:sldId id="257" r:id="rId3"/>
-    <p:sldId id="258" r:id="rId4"/>
-    <p:sldId id="259" r:id="rId5"/>
+    <p:sldId id="261" r:id="rId4"/>
+    <p:sldId id="258" r:id="rId5"/>
     <p:sldId id="276" r:id="rId6"/>
     <p:sldId id="271" r:id="rId7"/>
-    <p:sldId id="261" r:id="rId8"/>
-    <p:sldId id="268" r:id="rId9"/>
-    <p:sldId id="262" r:id="rId10"/>
-    <p:sldId id="267" r:id="rId11"/>
-    <p:sldId id="273" r:id="rId12"/>
-    <p:sldId id="274" r:id="rId13"/>
-    <p:sldId id="263" r:id="rId14"/>
-    <p:sldId id="264" r:id="rId15"/>
-    <p:sldId id="275" r:id="rId16"/>
-    <p:sldId id="265" r:id="rId17"/>
-    <p:sldId id="266" r:id="rId18"/>
-    <p:sldId id="272" r:id="rId19"/>
+    <p:sldId id="268" r:id="rId8"/>
+    <p:sldId id="262" r:id="rId9"/>
+    <p:sldId id="267" r:id="rId10"/>
+    <p:sldId id="273" r:id="rId11"/>
+    <p:sldId id="263" r:id="rId12"/>
+    <p:sldId id="264" r:id="rId13"/>
+    <p:sldId id="275" r:id="rId14"/>
+    <p:sldId id="265" r:id="rId15"/>
+    <p:sldId id="266" r:id="rId16"/>
+    <p:sldId id="272" r:id="rId17"/>
   </p:sldIdLst>
   <p:sldSz cx="9144000" cy="6858000" type="screen4x3"/>
   <p:notesSz cx="6858000" cy="9144000"/>
@@ -319,7 +317,7 @@
           <a:p>
             <a:fld id="{6E62D75B-C3F4-4E3C-ADB7-33E3808D6CE4}" type="datetimeFigureOut">
               <a:rPr lang="ru-RU" smtClean="0"/>
-              <a:t>24.04.2024</a:t>
+              <a:t>25.04.2024</a:t>
             </a:fld>
             <a:endParaRPr lang="ru-RU"/>
           </a:p>
@@ -487,7 +485,7 @@
           <a:p>
             <a:fld id="{6E62D75B-C3F4-4E3C-ADB7-33E3808D6CE4}" type="datetimeFigureOut">
               <a:rPr lang="ru-RU" smtClean="0"/>
-              <a:t>24.04.2024</a:t>
+              <a:t>25.04.2024</a:t>
             </a:fld>
             <a:endParaRPr lang="ru-RU"/>
           </a:p>
@@ -665,7 +663,7 @@
           <a:p>
             <a:fld id="{6E62D75B-C3F4-4E3C-ADB7-33E3808D6CE4}" type="datetimeFigureOut">
               <a:rPr lang="ru-RU" smtClean="0"/>
-              <a:t>24.04.2024</a:t>
+              <a:t>25.04.2024</a:t>
             </a:fld>
             <a:endParaRPr lang="ru-RU"/>
           </a:p>
@@ -833,7 +831,7 @@
           <a:p>
             <a:fld id="{6E62D75B-C3F4-4E3C-ADB7-33E3808D6CE4}" type="datetimeFigureOut">
               <a:rPr lang="ru-RU" smtClean="0"/>
-              <a:t>24.04.2024</a:t>
+              <a:t>25.04.2024</a:t>
             </a:fld>
             <a:endParaRPr lang="ru-RU"/>
           </a:p>
@@ -1078,7 +1076,7 @@
           <a:p>
             <a:fld id="{6E62D75B-C3F4-4E3C-ADB7-33E3808D6CE4}" type="datetimeFigureOut">
               <a:rPr lang="ru-RU" smtClean="0"/>
-              <a:t>24.04.2024</a:t>
+              <a:t>25.04.2024</a:t>
             </a:fld>
             <a:endParaRPr lang="ru-RU"/>
           </a:p>
@@ -1363,7 +1361,7 @@
           <a:p>
             <a:fld id="{6E62D75B-C3F4-4E3C-ADB7-33E3808D6CE4}" type="datetimeFigureOut">
               <a:rPr lang="ru-RU" smtClean="0"/>
-              <a:t>24.04.2024</a:t>
+              <a:t>25.04.2024</a:t>
             </a:fld>
             <a:endParaRPr lang="ru-RU"/>
           </a:p>
@@ -1782,7 +1780,7 @@
           <a:p>
             <a:fld id="{6E62D75B-C3F4-4E3C-ADB7-33E3808D6CE4}" type="datetimeFigureOut">
               <a:rPr lang="ru-RU" smtClean="0"/>
-              <a:t>24.04.2024</a:t>
+              <a:t>25.04.2024</a:t>
             </a:fld>
             <a:endParaRPr lang="ru-RU"/>
           </a:p>
@@ -1899,7 +1897,7 @@
           <a:p>
             <a:fld id="{6E62D75B-C3F4-4E3C-ADB7-33E3808D6CE4}" type="datetimeFigureOut">
               <a:rPr lang="ru-RU" smtClean="0"/>
-              <a:t>24.04.2024</a:t>
+              <a:t>25.04.2024</a:t>
             </a:fld>
             <a:endParaRPr lang="ru-RU"/>
           </a:p>
@@ -1994,7 +1992,7 @@
           <a:p>
             <a:fld id="{6E62D75B-C3F4-4E3C-ADB7-33E3808D6CE4}" type="datetimeFigureOut">
               <a:rPr lang="ru-RU" smtClean="0"/>
-              <a:t>24.04.2024</a:t>
+              <a:t>25.04.2024</a:t>
             </a:fld>
             <a:endParaRPr lang="ru-RU"/>
           </a:p>
@@ -2269,7 +2267,7 @@
           <a:p>
             <a:fld id="{6E62D75B-C3F4-4E3C-ADB7-33E3808D6CE4}" type="datetimeFigureOut">
               <a:rPr lang="ru-RU" smtClean="0"/>
-              <a:t>24.04.2024</a:t>
+              <a:t>25.04.2024</a:t>
             </a:fld>
             <a:endParaRPr lang="ru-RU"/>
           </a:p>
@@ -2521,7 +2519,7 @@
           <a:p>
             <a:fld id="{6E62D75B-C3F4-4E3C-ADB7-33E3808D6CE4}" type="datetimeFigureOut">
               <a:rPr lang="ru-RU" smtClean="0"/>
-              <a:t>24.04.2024</a:t>
+              <a:t>25.04.2024</a:t>
             </a:fld>
             <a:endParaRPr lang="ru-RU"/>
           </a:p>
@@ -2732,7 +2730,7 @@
           <a:p>
             <a:fld id="{6E62D75B-C3F4-4E3C-ADB7-33E3808D6CE4}" type="datetimeFigureOut">
               <a:rPr lang="ru-RU" smtClean="0"/>
-              <a:t>24.04.2024</a:t>
+              <a:t>25.04.2024</a:t>
             </a:fld>
             <a:endParaRPr lang="ru-RU"/>
           </a:p>
@@ -3357,249 +3355,6 @@
         </p:spPr>
         <p:txBody>
           <a:bodyPr>
-            <a:normAutofit/>
-          </a:bodyPr>
-          <a:lstStyle/>
-          <a:p>
-            <a:r>
-              <a:rPr lang="ru-RU" sz="3600" dirty="0"/>
-              <a:t>Обзор аналогов</a:t>
-            </a:r>
-          </a:p>
-        </p:txBody>
-      </p:sp>
-      <p:sp>
-        <p:nvSpPr>
-          <p:cNvPr id="3" name="Подзаголовок 2"/>
-          <p:cNvSpPr>
-            <a:spLocks noGrp="1"/>
-          </p:cNvSpPr>
-          <p:nvPr>
-            <p:ph type="subTitle" idx="1"/>
-          </p:nvPr>
-        </p:nvSpPr>
-        <p:spPr>
-          <a:xfrm>
-            <a:off x="498190" y="1340768"/>
-            <a:ext cx="8106258" cy="4896544"/>
-          </a:xfrm>
-        </p:spPr>
-        <p:txBody>
-          <a:bodyPr anchor="t">
-            <a:normAutofit/>
-          </a:bodyPr>
-          <a:lstStyle/>
-          <a:p>
-            <a:pPr algn="l"/>
-            <a:r>
-              <a:rPr lang="ru-RU" sz="2300" dirty="0">
-                <a:solidFill>
-                  <a:schemeClr val="tx1"/>
-                </a:solidFill>
-                <a:latin typeface="Arial" panose="020B0604020202020204" pitchFamily="34" charset="0"/>
-                <a:cs typeface="Arial" panose="020B0604020202020204" pitchFamily="34" charset="0"/>
-              </a:rPr>
-              <a:t>Критерии сравнения:</a:t>
-            </a:r>
-          </a:p>
-          <a:p>
-            <a:pPr indent="449580" algn="just">
-              <a:lnSpc>
-                <a:spcPct val="150000"/>
-              </a:lnSpc>
-            </a:pPr>
-            <a:r>
-              <a:rPr lang="ru-RU" sz="2300" dirty="0">
-                <a:solidFill>
-                  <a:schemeClr val="tx1"/>
-                </a:solidFill>
-                <a:effectLst/>
-                <a:latin typeface="Arial" panose="020B0604020202020204" pitchFamily="34" charset="0"/>
-                <a:ea typeface="Times New Roman" panose="02020603050405020304" pitchFamily="18" charset="0"/>
-                <a:cs typeface="Arial" panose="020B0604020202020204" pitchFamily="34" charset="0"/>
-              </a:rPr>
-              <a:t>1. Удобство использования</a:t>
-            </a:r>
-          </a:p>
-          <a:p>
-            <a:pPr indent="449580" algn="just">
-              <a:lnSpc>
-                <a:spcPct val="150000"/>
-              </a:lnSpc>
-            </a:pPr>
-            <a:r>
-              <a:rPr lang="ru-RU" sz="2300" dirty="0">
-                <a:solidFill>
-                  <a:schemeClr val="tx1"/>
-                </a:solidFill>
-                <a:effectLst/>
-                <a:latin typeface="Arial" panose="020B0604020202020204" pitchFamily="34" charset="0"/>
-                <a:ea typeface="Times New Roman" panose="02020603050405020304" pitchFamily="18" charset="0"/>
-                <a:cs typeface="Arial" panose="020B0604020202020204" pitchFamily="34" charset="0"/>
-              </a:rPr>
-              <a:t>2. Доступность и актуальность данных</a:t>
-            </a:r>
-          </a:p>
-          <a:p>
-            <a:pPr indent="449580" algn="just">
-              <a:lnSpc>
-                <a:spcPct val="150000"/>
-              </a:lnSpc>
-            </a:pPr>
-            <a:r>
-              <a:rPr lang="ru-RU" sz="2300" dirty="0">
-                <a:solidFill>
-                  <a:schemeClr val="tx1"/>
-                </a:solidFill>
-                <a:effectLst/>
-                <a:latin typeface="Arial" panose="020B0604020202020204" pitchFamily="34" charset="0"/>
-                <a:ea typeface="Times New Roman" panose="02020603050405020304" pitchFamily="18" charset="0"/>
-                <a:cs typeface="Arial" panose="020B0604020202020204" pitchFamily="34" charset="0"/>
-              </a:rPr>
-              <a:t>3. Возможности фильтрации и сортировки</a:t>
-            </a:r>
-          </a:p>
-          <a:p>
-            <a:pPr indent="449580" algn="just">
-              <a:lnSpc>
-                <a:spcPct val="150000"/>
-              </a:lnSpc>
-            </a:pPr>
-            <a:r>
-              <a:rPr lang="ru-RU" sz="2300" dirty="0">
-                <a:solidFill>
-                  <a:schemeClr val="tx1"/>
-                </a:solidFill>
-                <a:effectLst/>
-                <a:latin typeface="Arial" panose="020B0604020202020204" pitchFamily="34" charset="0"/>
-                <a:ea typeface="Times New Roman" panose="02020603050405020304" pitchFamily="18" charset="0"/>
-                <a:cs typeface="Arial" panose="020B0604020202020204" pitchFamily="34" charset="0"/>
-              </a:rPr>
-              <a:t>4. Возможность оставлять отзывы и ставить рейтинги</a:t>
-            </a:r>
-          </a:p>
-          <a:p>
-            <a:pPr indent="449580" algn="just">
-              <a:lnSpc>
-                <a:spcPct val="150000"/>
-              </a:lnSpc>
-            </a:pPr>
-            <a:r>
-              <a:rPr lang="ru-RU" sz="2300" dirty="0">
-                <a:solidFill>
-                  <a:schemeClr val="tx1"/>
-                </a:solidFill>
-                <a:effectLst/>
-                <a:latin typeface="Arial" panose="020B0604020202020204" pitchFamily="34" charset="0"/>
-                <a:ea typeface="Times New Roman" panose="02020603050405020304" pitchFamily="18" charset="0"/>
-                <a:cs typeface="Arial" panose="020B0604020202020204" pitchFamily="34" charset="0"/>
-              </a:rPr>
-              <a:t>5. Качество отзывов и рейтингов:</a:t>
-            </a:r>
-          </a:p>
-          <a:p>
-            <a:pPr indent="449580" algn="just">
-              <a:lnSpc>
-                <a:spcPct val="150000"/>
-              </a:lnSpc>
-            </a:pPr>
-            <a:r>
-              <a:rPr lang="ru-RU" sz="2300" dirty="0">
-                <a:solidFill>
-                  <a:schemeClr val="tx1"/>
-                </a:solidFill>
-                <a:effectLst/>
-                <a:latin typeface="Arial" panose="020B0604020202020204" pitchFamily="34" charset="0"/>
-                <a:ea typeface="Times New Roman" panose="02020603050405020304" pitchFamily="18" charset="0"/>
-                <a:cs typeface="Arial" panose="020B0604020202020204" pitchFamily="34" charset="0"/>
-              </a:rPr>
-              <a:t>6. Сравнение рейтингов</a:t>
-            </a:r>
-          </a:p>
-          <a:p>
-            <a:pPr indent="449580" algn="just">
-              <a:lnSpc>
-                <a:spcPct val="150000"/>
-              </a:lnSpc>
-            </a:pPr>
-            <a:r>
-              <a:rPr lang="ru-RU" sz="2300" dirty="0">
-                <a:solidFill>
-                  <a:schemeClr val="tx1"/>
-                </a:solidFill>
-                <a:effectLst/>
-                <a:latin typeface="Arial" panose="020B0604020202020204" pitchFamily="34" charset="0"/>
-                <a:ea typeface="Times New Roman" panose="02020603050405020304" pitchFamily="18" charset="0"/>
-                <a:cs typeface="Arial" panose="020B0604020202020204" pitchFamily="34" charset="0"/>
-              </a:rPr>
-              <a:t>7. Геолокационные функции</a:t>
-            </a:r>
-          </a:p>
-          <a:p>
-            <a:endParaRPr lang="ru-RU" dirty="0">
-              <a:solidFill>
-                <a:schemeClr val="tx1"/>
-              </a:solidFill>
-            </a:endParaRPr>
-          </a:p>
-          <a:p>
-            <a:pPr algn="l"/>
-            <a:endParaRPr lang="ru-RU" sz="2800" dirty="0">
-              <a:solidFill>
-                <a:schemeClr val="tx1"/>
-              </a:solidFill>
-            </a:endParaRPr>
-          </a:p>
-        </p:txBody>
-      </p:sp>
-    </p:spTree>
-    <p:extLst>
-      <p:ext uri="{BB962C8B-B14F-4D97-AF65-F5344CB8AC3E}">
-        <p14:creationId xmlns:p14="http://schemas.microsoft.com/office/powerpoint/2010/main" val="3213516774"/>
-      </p:ext>
-    </p:extLst>
-  </p:cSld>
-  <p:clrMapOvr>
-    <a:masterClrMapping/>
-  </p:clrMapOvr>
-</p:sld>
-</file>
-
-<file path=ppt/slides/slide11.xml><?xml version="1.0" encoding="utf-8"?>
-<p:sld xmlns:a="http://schemas.openxmlformats.org/drawingml/2006/main" xmlns:r="http://schemas.openxmlformats.org/officeDocument/2006/relationships" xmlns:p="http://schemas.openxmlformats.org/presentationml/2006/main">
-  <p:cSld>
-    <p:spTree>
-      <p:nvGrpSpPr>
-        <p:cNvPr id="1" name=""/>
-        <p:cNvGrpSpPr/>
-        <p:nvPr/>
-      </p:nvGrpSpPr>
-      <p:grpSpPr>
-        <a:xfrm>
-          <a:off x="0" y="0"/>
-          <a:ext cx="0" cy="0"/>
-          <a:chOff x="0" y="0"/>
-          <a:chExt cx="0" cy="0"/>
-        </a:xfrm>
-      </p:grpSpPr>
-      <p:sp>
-        <p:nvSpPr>
-          <p:cNvPr id="2" name="Заголовок 1"/>
-          <p:cNvSpPr>
-            <a:spLocks noGrp="1"/>
-          </p:cNvSpPr>
-          <p:nvPr>
-            <p:ph type="ctrTitle"/>
-          </p:nvPr>
-        </p:nvSpPr>
-        <p:spPr>
-          <a:xfrm>
-            <a:off x="467544" y="188640"/>
-            <a:ext cx="8136904" cy="648071"/>
-          </a:xfrm>
-        </p:spPr>
-        <p:txBody>
-          <a:bodyPr>
             <a:normAutofit fontScale="90000"/>
           </a:bodyPr>
           <a:lstStyle/>
@@ -3654,14 +3409,14 @@
           <p:nvPr>
             <p:extLst>
               <p:ext uri="{D42A27DB-BD31-4B8C-83A1-F6EECF244321}">
-                <p14:modId xmlns:p14="http://schemas.microsoft.com/office/powerpoint/2010/main" val="1275504982"/>
+                <p14:modId xmlns:p14="http://schemas.microsoft.com/office/powerpoint/2010/main" val="3945290861"/>
               </p:ext>
             </p:extLst>
           </p:nvPr>
         </p:nvGraphicFramePr>
         <p:xfrm>
-          <a:off x="498190" y="1340768"/>
-          <a:ext cx="8106259" cy="4937760"/>
+          <a:off x="518870" y="1341008"/>
+          <a:ext cx="8106259" cy="4580500"/>
         </p:xfrm>
         <a:graphic>
           <a:graphicData uri="http://schemas.openxmlformats.org/drawingml/2006/table">
@@ -3670,14 +3425,14 @@
                 <a:tableStyleId>{D7AC3CCA-C797-4891-BE02-D94E43425B78}</a:tableStyleId>
               </a:tblPr>
               <a:tblGrid>
-                <a:gridCol w="1158037">
+                <a:gridCol w="1265498">
                   <a:extLst>
                     <a:ext uri="{9D8B030D-6E8A-4147-A177-3AD203B41FA5}">
                       <a16:colId xmlns:a16="http://schemas.microsoft.com/office/drawing/2014/main" val="2769539365"/>
                     </a:ext>
                   </a:extLst>
                 </a:gridCol>
-                <a:gridCol w="1043565">
+                <a:gridCol w="936104">
                   <a:extLst>
                     <a:ext uri="{9D8B030D-6E8A-4147-A177-3AD203B41FA5}">
                       <a16:colId xmlns:a16="http://schemas.microsoft.com/office/drawing/2014/main" val="4244614312"/>
@@ -3822,15 +3577,15 @@
                   </a:ext>
                 </a:extLst>
               </a:tr>
-              <a:tr h="612068">
+              <a:tr h="368032">
                 <a:tc>
                   <a:txBody>
                     <a:bodyPr/>
                     <a:lstStyle/>
                     <a:p>
                       <a:r>
-                        <a:rPr lang="ru-RU" dirty="0"/>
-                        <a:t>Удобство пользования</a:t>
+                        <a:rPr lang="ru-RU" sz="1600" dirty="0"/>
+                        <a:t>Удобство </a:t>
                       </a:r>
                     </a:p>
                   </a:txBody>
@@ -3933,7 +3688,7 @@
                     <a:lstStyle/>
                     <a:p>
                       <a:r>
-                        <a:rPr lang="ru-RU" dirty="0"/>
+                        <a:rPr lang="ru-RU" sz="1600" dirty="0"/>
                         <a:t>Полнота данных</a:t>
                       </a:r>
                     </a:p>
@@ -4030,15 +3785,15 @@
                   </a:ext>
                 </a:extLst>
               </a:tr>
-              <a:tr h="612068">
+              <a:tr h="512048">
                 <a:tc>
                   <a:txBody>
                     <a:bodyPr/>
                     <a:lstStyle/>
                     <a:p>
                       <a:r>
-                        <a:rPr lang="ru-RU" dirty="0"/>
-                        <a:t>Возможность фильтрации</a:t>
+                        <a:rPr lang="ru-RU" sz="1600" dirty="0"/>
+                        <a:t>Фильтрация</a:t>
                       </a:r>
                     </a:p>
                   </a:txBody>
@@ -4141,7 +3896,7 @@
                     <a:lstStyle/>
                     <a:p>
                       <a:r>
-                        <a:rPr lang="ru-RU" dirty="0"/>
+                        <a:rPr lang="ru-RU" sz="1600" dirty="0"/>
                         <a:t>Отзывы и рейтинги</a:t>
                       </a:r>
                     </a:p>
@@ -4245,7 +4000,7 @@
                     <a:lstStyle/>
                     <a:p>
                       <a:r>
-                        <a:rPr lang="ru-RU" dirty="0"/>
+                        <a:rPr lang="ru-RU" sz="1600" dirty="0"/>
                         <a:t>Надежность отзывов</a:t>
                       </a:r>
                     </a:p>
@@ -4258,10 +4013,9 @@
                     <a:lstStyle/>
                     <a:p>
                       <a:r>
-                        <a:rPr lang="en-US" dirty="0"/>
-                        <a:t>+</a:t>
+                        <a:rPr lang="ru-RU" dirty="0"/>
+                        <a:t>-</a:t>
                       </a:r>
-                      <a:endParaRPr lang="ru-RU" dirty="0"/>
                     </a:p>
                   </a:txBody>
                   <a:tcPr/>
@@ -4272,10 +4026,9 @@
                     <a:lstStyle/>
                     <a:p>
                       <a:r>
-                        <a:rPr lang="en-US" dirty="0"/>
-                        <a:t>+</a:t>
+                        <a:rPr lang="ru-RU" dirty="0"/>
+                        <a:t>-</a:t>
                       </a:r>
-                      <a:endParaRPr lang="ru-RU" dirty="0"/>
                     </a:p>
                   </a:txBody>
                   <a:tcPr/>
@@ -4314,10 +4067,9 @@
                     <a:lstStyle/>
                     <a:p>
                       <a:r>
-                        <a:rPr lang="en-US" dirty="0"/>
-                        <a:t>+</a:t>
+                        <a:rPr lang="ru-RU" dirty="0"/>
+                        <a:t>-</a:t>
                       </a:r>
-                      <a:endParaRPr lang="ru-RU" dirty="0"/>
                     </a:p>
                   </a:txBody>
                   <a:tcPr/>
@@ -4328,10 +4080,9 @@
                     <a:lstStyle/>
                     <a:p>
                       <a:r>
-                        <a:rPr lang="en-US" dirty="0"/>
-                        <a:t>+</a:t>
+                        <a:rPr lang="ru-RU" dirty="0"/>
+                        <a:t>-</a:t>
                       </a:r>
-                      <a:endParaRPr lang="ru-RU" dirty="0"/>
                     </a:p>
                   </a:txBody>
                   <a:tcPr/>
@@ -4342,178 +4093,6 @@
                   </a:ext>
                 </a:extLst>
               </a:tr>
-            </a:tbl>
-          </a:graphicData>
-        </a:graphic>
-      </p:graphicFrame>
-    </p:spTree>
-    <p:extLst>
-      <p:ext uri="{BB962C8B-B14F-4D97-AF65-F5344CB8AC3E}">
-        <p14:creationId xmlns:p14="http://schemas.microsoft.com/office/powerpoint/2010/main" val="4184844973"/>
-      </p:ext>
-    </p:extLst>
-  </p:cSld>
-  <p:clrMapOvr>
-    <a:masterClrMapping/>
-  </p:clrMapOvr>
-</p:sld>
-</file>
-
-<file path=ppt/slides/slide12.xml><?xml version="1.0" encoding="utf-8"?>
-<p:sld xmlns:a="http://schemas.openxmlformats.org/drawingml/2006/main" xmlns:r="http://schemas.openxmlformats.org/officeDocument/2006/relationships" xmlns:p="http://schemas.openxmlformats.org/presentationml/2006/main">
-  <p:cSld>
-    <p:spTree>
-      <p:nvGrpSpPr>
-        <p:cNvPr id="1" name=""/>
-        <p:cNvGrpSpPr/>
-        <p:nvPr/>
-      </p:nvGrpSpPr>
-      <p:grpSpPr>
-        <a:xfrm>
-          <a:off x="0" y="0"/>
-          <a:ext cx="0" cy="0"/>
-          <a:chOff x="0" y="0"/>
-          <a:chExt cx="0" cy="0"/>
-        </a:xfrm>
-      </p:grpSpPr>
-      <p:sp>
-        <p:nvSpPr>
-          <p:cNvPr id="2" name="Заголовок 1"/>
-          <p:cNvSpPr>
-            <a:spLocks noGrp="1"/>
-          </p:cNvSpPr>
-          <p:nvPr>
-            <p:ph type="ctrTitle"/>
-          </p:nvPr>
-        </p:nvSpPr>
-        <p:spPr>
-          <a:xfrm>
-            <a:off x="467544" y="188640"/>
-            <a:ext cx="8136904" cy="648071"/>
-          </a:xfrm>
-        </p:spPr>
-        <p:txBody>
-          <a:bodyPr>
-            <a:normAutofit fontScale="90000"/>
-          </a:bodyPr>
-          <a:lstStyle/>
-          <a:p>
-            <a:r>
-              <a:rPr lang="ru-RU" dirty="0"/>
-              <a:t>Обзор аналогов</a:t>
-            </a:r>
-          </a:p>
-        </p:txBody>
-      </p:sp>
-      <p:sp>
-        <p:nvSpPr>
-          <p:cNvPr id="3" name="Подзаголовок 2"/>
-          <p:cNvSpPr>
-            <a:spLocks noGrp="1"/>
-          </p:cNvSpPr>
-          <p:nvPr>
-            <p:ph type="subTitle" idx="1"/>
-          </p:nvPr>
-        </p:nvSpPr>
-        <p:spPr>
-          <a:xfrm>
-            <a:off x="498190" y="1340768"/>
-            <a:ext cx="8106258" cy="4896544"/>
-          </a:xfrm>
-        </p:spPr>
-        <p:txBody>
-          <a:bodyPr/>
-          <a:lstStyle/>
-          <a:p>
-            <a:endParaRPr lang="ru-RU" sz="2800" dirty="0">
-              <a:solidFill>
-                <a:schemeClr val="tx1"/>
-              </a:solidFill>
-            </a:endParaRPr>
-          </a:p>
-        </p:txBody>
-      </p:sp>
-      <p:graphicFrame>
-        <p:nvGraphicFramePr>
-          <p:cNvPr id="4" name="Таблица 3">
-            <a:extLst>
-              <a:ext uri="{FF2B5EF4-FFF2-40B4-BE49-F238E27FC236}">
-                <a16:creationId xmlns:a16="http://schemas.microsoft.com/office/drawing/2014/main" id="{B5AB990B-CC0E-A68D-02BA-F92475EBCDA1}"/>
-              </a:ext>
-            </a:extLst>
-          </p:cNvPr>
-          <p:cNvGraphicFramePr>
-            <a:graphicFrameLocks noGrp="1"/>
-          </p:cNvGraphicFramePr>
-          <p:nvPr>
-            <p:extLst>
-              <p:ext uri="{D42A27DB-BD31-4B8C-83A1-F6EECF244321}">
-                <p14:modId xmlns:p14="http://schemas.microsoft.com/office/powerpoint/2010/main" val="3243782644"/>
-              </p:ext>
-            </p:extLst>
-          </p:nvPr>
-        </p:nvGraphicFramePr>
-        <p:xfrm>
-          <a:off x="498190" y="2331720"/>
-          <a:ext cx="8106259" cy="2194560"/>
-        </p:xfrm>
-        <a:graphic>
-          <a:graphicData uri="http://schemas.openxmlformats.org/drawingml/2006/table">
-            <a:tbl>
-              <a:tblPr firstRow="1" bandRow="1">
-                <a:tableStyleId>{D7AC3CCA-C797-4891-BE02-D94E43425B78}</a:tableStyleId>
-              </a:tblPr>
-              <a:tblGrid>
-                <a:gridCol w="1265498">
-                  <a:extLst>
-                    <a:ext uri="{9D8B030D-6E8A-4147-A177-3AD203B41FA5}">
-                      <a16:colId xmlns:a16="http://schemas.microsoft.com/office/drawing/2014/main" val="2769539365"/>
-                    </a:ext>
-                  </a:extLst>
-                </a:gridCol>
-                <a:gridCol w="936104">
-                  <a:extLst>
-                    <a:ext uri="{9D8B030D-6E8A-4147-A177-3AD203B41FA5}">
-                      <a16:colId xmlns:a16="http://schemas.microsoft.com/office/drawing/2014/main" val="4244614312"/>
-                    </a:ext>
-                  </a:extLst>
-                </a:gridCol>
-                <a:gridCol w="648072">
-                  <a:extLst>
-                    <a:ext uri="{9D8B030D-6E8A-4147-A177-3AD203B41FA5}">
-                      <a16:colId xmlns:a16="http://schemas.microsoft.com/office/drawing/2014/main" val="2804736744"/>
-                    </a:ext>
-                  </a:extLst>
-                </a:gridCol>
-                <a:gridCol w="1080120">
-                  <a:extLst>
-                    <a:ext uri="{9D8B030D-6E8A-4147-A177-3AD203B41FA5}">
-                      <a16:colId xmlns:a16="http://schemas.microsoft.com/office/drawing/2014/main" val="2265549370"/>
-                    </a:ext>
-                  </a:extLst>
-                </a:gridCol>
-                <a:gridCol w="1512168">
-                  <a:extLst>
-                    <a:ext uri="{9D8B030D-6E8A-4147-A177-3AD203B41FA5}">
-                      <a16:colId xmlns:a16="http://schemas.microsoft.com/office/drawing/2014/main" val="4271576394"/>
-                    </a:ext>
-                  </a:extLst>
-                </a:gridCol>
-                <a:gridCol w="1506260">
-                  <a:extLst>
-                    <a:ext uri="{9D8B030D-6E8A-4147-A177-3AD203B41FA5}">
-                      <a16:colId xmlns:a16="http://schemas.microsoft.com/office/drawing/2014/main" val="4168093325"/>
-                    </a:ext>
-                  </a:extLst>
-                </a:gridCol>
-                <a:gridCol w="1158037">
-                  <a:extLst>
-                    <a:ext uri="{9D8B030D-6E8A-4147-A177-3AD203B41FA5}">
-                      <a16:colId xmlns:a16="http://schemas.microsoft.com/office/drawing/2014/main" val="807557919"/>
-                    </a:ext>
-                  </a:extLst>
-                </a:gridCol>
-              </a:tblGrid>
               <a:tr h="612068">
                 <a:tc>
                   <a:txBody>
@@ -4521,110 +4100,8 @@
                     <a:lstStyle/>
                     <a:p>
                       <a:r>
-                        <a:rPr lang="ru-RU" dirty="0"/>
-                        <a:t>Критерий</a:t>
-                      </a:r>
-                    </a:p>
-                  </a:txBody>
-                  <a:tcPr anchor="ctr"/>
-                </a:tc>
-                <a:tc>
-                  <a:txBody>
-                    <a:bodyPr/>
-                    <a:lstStyle/>
-                    <a:p>
-                      <a:r>
-                        <a:rPr lang="ru-RU" dirty="0" err="1"/>
-                        <a:t>Яндекс.Карты</a:t>
-                      </a:r>
-                      <a:endParaRPr lang="ru-RU" dirty="0"/>
-                    </a:p>
-                  </a:txBody>
-                  <a:tcPr anchor="ctr"/>
-                </a:tc>
-                <a:tc>
-                  <a:txBody>
-                    <a:bodyPr/>
-                    <a:lstStyle/>
-                    <a:p>
-                      <a:r>
-                        <a:rPr lang="ru-RU" dirty="0"/>
-                        <a:t>2гис</a:t>
-                      </a:r>
-                    </a:p>
-                  </a:txBody>
-                  <a:tcPr anchor="ctr"/>
-                </a:tc>
-                <a:tc>
-                  <a:txBody>
-                    <a:bodyPr/>
-                    <a:lstStyle/>
-                    <a:p>
-                      <a:r>
-                        <a:rPr lang="en-US" dirty="0" err="1"/>
-                        <a:t>uremont</a:t>
-                      </a:r>
-                      <a:endParaRPr lang="ru-RU" dirty="0"/>
-                    </a:p>
-                  </a:txBody>
-                  <a:tcPr anchor="ctr"/>
-                </a:tc>
-                <a:tc>
-                  <a:txBody>
-                    <a:bodyPr/>
-                    <a:lstStyle/>
-                    <a:p>
-                      <a:r>
-                        <a:rPr lang="ru-RU" dirty="0"/>
-                        <a:t>Лучшие-автосервисы</a:t>
-                      </a:r>
-                    </a:p>
-                  </a:txBody>
-                  <a:tcPr anchor="ctr"/>
-                </a:tc>
-                <a:tc>
-                  <a:txBody>
-                    <a:bodyPr/>
-                    <a:lstStyle/>
-                    <a:p>
-                      <a:r>
-                        <a:rPr lang="en-US" dirty="0" err="1"/>
-                        <a:t>autoreshenie</a:t>
-                      </a:r>
-                      <a:endParaRPr lang="ru-RU" dirty="0"/>
-                    </a:p>
-                  </a:txBody>
-                  <a:tcPr anchor="ctr"/>
-                </a:tc>
-                <a:tc>
-                  <a:txBody>
-                    <a:bodyPr/>
-                    <a:lstStyle/>
-                    <a:p>
-                      <a:r>
-                        <a:rPr lang="en-US" dirty="0" err="1"/>
-                        <a:t>likengo</a:t>
-                      </a:r>
-                      <a:endParaRPr lang="ru-RU" dirty="0"/>
-                    </a:p>
-                  </a:txBody>
-                  <a:tcPr anchor="ctr"/>
-                </a:tc>
-                <a:extLst>
-                  <a:ext uri="{0D108BD9-81ED-4DB2-BD59-A6C34878D82A}">
-                    <a16:rowId xmlns:a16="http://schemas.microsoft.com/office/drawing/2014/main" val="183839247"/>
-                  </a:ext>
-                </a:extLst>
-              </a:tr>
-              <a:tr h="612068">
-                <a:tc>
-                  <a:txBody>
-                    <a:bodyPr/>
-                    <a:lstStyle/>
-                    <a:p>
-                      <a:r>
-                        <a:rPr lang="ru-RU" dirty="0"/>
-                        <a:t>Геолокационные функции</a:t>
+                        <a:rPr lang="ru-RU" sz="1600" dirty="0"/>
+                        <a:t>Геолокация</a:t>
                       </a:r>
                     </a:p>
                   </a:txBody>
@@ -4713,7 +4190,7 @@
                 </a:tc>
                 <a:extLst>
                   <a:ext uri="{0D108BD9-81ED-4DB2-BD59-A6C34878D82A}">
-                    <a16:rowId xmlns:a16="http://schemas.microsoft.com/office/drawing/2014/main" val="1369233667"/>
+                    <a16:rowId xmlns:a16="http://schemas.microsoft.com/office/drawing/2014/main" val="3569940494"/>
                   </a:ext>
                 </a:extLst>
               </a:tr>
@@ -4724,7 +4201,7 @@
                     <a:lstStyle/>
                     <a:p>
                       <a:r>
-                        <a:rPr lang="ru-RU" dirty="0"/>
+                        <a:rPr lang="ru-RU" sz="1600" dirty="0"/>
                         <a:t>Сравнение рейтингов</a:t>
                       </a:r>
                     </a:p>
@@ -4811,7 +4288,7 @@
                 </a:tc>
                 <a:extLst>
                   <a:ext uri="{0D108BD9-81ED-4DB2-BD59-A6C34878D82A}">
-                    <a16:rowId xmlns:a16="http://schemas.microsoft.com/office/drawing/2014/main" val="1715185850"/>
+                    <a16:rowId xmlns:a16="http://schemas.microsoft.com/office/drawing/2014/main" val="425739627"/>
                   </a:ext>
                 </a:extLst>
               </a:tr>
@@ -4822,7 +4299,335 @@
     </p:spTree>
     <p:extLst>
       <p:ext uri="{BB962C8B-B14F-4D97-AF65-F5344CB8AC3E}">
-        <p14:creationId xmlns:p14="http://schemas.microsoft.com/office/powerpoint/2010/main" val="771761193"/>
+        <p14:creationId xmlns:p14="http://schemas.microsoft.com/office/powerpoint/2010/main" val="4184844973"/>
+      </p:ext>
+    </p:extLst>
+  </p:cSld>
+  <p:clrMapOvr>
+    <a:masterClrMapping/>
+  </p:clrMapOvr>
+</p:sld>
+</file>
+
+<file path=ppt/slides/slide11.xml><?xml version="1.0" encoding="utf-8"?>
+<p:sld xmlns:a="http://schemas.openxmlformats.org/drawingml/2006/main" xmlns:r="http://schemas.openxmlformats.org/officeDocument/2006/relationships" xmlns:p="http://schemas.openxmlformats.org/presentationml/2006/main">
+  <p:cSld>
+    <p:spTree>
+      <p:nvGrpSpPr>
+        <p:cNvPr id="1" name=""/>
+        <p:cNvGrpSpPr/>
+        <p:nvPr/>
+      </p:nvGrpSpPr>
+      <p:grpSpPr>
+        <a:xfrm>
+          <a:off x="0" y="0"/>
+          <a:ext cx="0" cy="0"/>
+          <a:chOff x="0" y="0"/>
+          <a:chExt cx="0" cy="0"/>
+        </a:xfrm>
+      </p:grpSpPr>
+      <p:sp>
+        <p:nvSpPr>
+          <p:cNvPr id="2" name="Заголовок 1"/>
+          <p:cNvSpPr>
+            <a:spLocks noGrp="1"/>
+          </p:cNvSpPr>
+          <p:nvPr>
+            <p:ph type="ctrTitle"/>
+          </p:nvPr>
+        </p:nvSpPr>
+        <p:spPr>
+          <a:xfrm>
+            <a:off x="467544" y="188640"/>
+            <a:ext cx="8136904" cy="648071"/>
+          </a:xfrm>
+        </p:spPr>
+        <p:txBody>
+          <a:bodyPr>
+            <a:noAutofit/>
+          </a:bodyPr>
+          <a:lstStyle/>
+          <a:p>
+            <a:r>
+              <a:rPr lang="ru-RU" sz="3200" dirty="0"/>
+              <a:t>Функциональные требования нотации </a:t>
+            </a:r>
+            <a:r>
+              <a:rPr lang="en-US" sz="3200" dirty="0"/>
+              <a:t>UML</a:t>
+            </a:r>
+            <a:endParaRPr lang="ru-RU" sz="3200" dirty="0"/>
+          </a:p>
+        </p:txBody>
+      </p:sp>
+      <p:sp>
+        <p:nvSpPr>
+          <p:cNvPr id="3" name="Подзаголовок 2"/>
+          <p:cNvSpPr>
+            <a:spLocks noGrp="1"/>
+          </p:cNvSpPr>
+          <p:nvPr>
+            <p:ph type="subTitle" idx="1"/>
+          </p:nvPr>
+        </p:nvSpPr>
+        <p:spPr>
+          <a:xfrm>
+            <a:off x="498190" y="1340768"/>
+            <a:ext cx="8106258" cy="4896544"/>
+          </a:xfrm>
+        </p:spPr>
+        <p:txBody>
+          <a:bodyPr numCol="1" anchor="ctr">
+            <a:normAutofit/>
+          </a:bodyPr>
+          <a:lstStyle/>
+          <a:p>
+            <a:pPr algn="l"/>
+            <a:endParaRPr lang="ru-RU" dirty="0">
+              <a:latin typeface="Arial" panose="020B0604020202020204" pitchFamily="34" charset="0"/>
+              <a:cs typeface="Arial" panose="020B0604020202020204" pitchFamily="34" charset="0"/>
+            </a:endParaRPr>
+          </a:p>
+        </p:txBody>
+      </p:sp>
+      <p:pic>
+        <p:nvPicPr>
+          <p:cNvPr id="7" name="Рисунок 6">
+            <a:extLst>
+              <a:ext uri="{FF2B5EF4-FFF2-40B4-BE49-F238E27FC236}">
+                <a16:creationId xmlns:a16="http://schemas.microsoft.com/office/drawing/2014/main" id="{7939D6EE-EA0A-D5C3-BFA8-918A9A8A8E41}"/>
+              </a:ext>
+            </a:extLst>
+          </p:cNvPr>
+          <p:cNvPicPr>
+            <a:picLocks noChangeAspect="1"/>
+          </p:cNvPicPr>
+          <p:nvPr/>
+        </p:nvPicPr>
+        <p:blipFill>
+          <a:blip r:embed="rId2"/>
+          <a:stretch>
+            <a:fillRect/>
+          </a:stretch>
+        </p:blipFill>
+        <p:spPr>
+          <a:xfrm>
+            <a:off x="557808" y="1056527"/>
+            <a:ext cx="8028384" cy="5612833"/>
+          </a:xfrm>
+          <a:prstGeom prst="rect">
+            <a:avLst/>
+          </a:prstGeom>
+        </p:spPr>
+      </p:pic>
+    </p:spTree>
+    <p:extLst>
+      <p:ext uri="{BB962C8B-B14F-4D97-AF65-F5344CB8AC3E}">
+        <p14:creationId xmlns:p14="http://schemas.microsoft.com/office/powerpoint/2010/main" val="197728668"/>
+      </p:ext>
+    </p:extLst>
+  </p:cSld>
+  <p:clrMapOvr>
+    <a:masterClrMapping/>
+  </p:clrMapOvr>
+</p:sld>
+</file>
+
+<file path=ppt/slides/slide12.xml><?xml version="1.0" encoding="utf-8"?>
+<p:sld xmlns:a="http://schemas.openxmlformats.org/drawingml/2006/main" xmlns:r="http://schemas.openxmlformats.org/officeDocument/2006/relationships" xmlns:p="http://schemas.openxmlformats.org/presentationml/2006/main">
+  <p:cSld>
+    <p:spTree>
+      <p:nvGrpSpPr>
+        <p:cNvPr id="1" name=""/>
+        <p:cNvGrpSpPr/>
+        <p:nvPr/>
+      </p:nvGrpSpPr>
+      <p:grpSpPr>
+        <a:xfrm>
+          <a:off x="0" y="0"/>
+          <a:ext cx="0" cy="0"/>
+          <a:chOff x="0" y="0"/>
+          <a:chExt cx="0" cy="0"/>
+        </a:xfrm>
+      </p:grpSpPr>
+      <p:sp>
+        <p:nvSpPr>
+          <p:cNvPr id="2" name="Заголовок 1"/>
+          <p:cNvSpPr>
+            <a:spLocks noGrp="1"/>
+          </p:cNvSpPr>
+          <p:nvPr>
+            <p:ph type="ctrTitle"/>
+          </p:nvPr>
+        </p:nvSpPr>
+        <p:spPr>
+          <a:xfrm>
+            <a:off x="467544" y="188640"/>
+            <a:ext cx="8136904" cy="648071"/>
+          </a:xfrm>
+        </p:spPr>
+        <p:txBody>
+          <a:bodyPr>
+            <a:normAutofit fontScale="90000"/>
+          </a:bodyPr>
+          <a:lstStyle/>
+          <a:p>
+            <a:r>
+              <a:rPr lang="ru-RU" dirty="0"/>
+              <a:t>Входные и выходные данные</a:t>
+            </a:r>
+          </a:p>
+        </p:txBody>
+      </p:sp>
+      <p:sp>
+        <p:nvSpPr>
+          <p:cNvPr id="3" name="Подзаголовок 2"/>
+          <p:cNvSpPr>
+            <a:spLocks noGrp="1"/>
+          </p:cNvSpPr>
+          <p:nvPr>
+            <p:ph type="subTitle" idx="1"/>
+          </p:nvPr>
+        </p:nvSpPr>
+        <p:spPr>
+          <a:xfrm>
+            <a:off x="498190" y="1340768"/>
+            <a:ext cx="8106258" cy="4896544"/>
+          </a:xfrm>
+        </p:spPr>
+        <p:txBody>
+          <a:bodyPr anchor="ctr">
+            <a:normAutofit/>
+          </a:bodyPr>
+          <a:lstStyle/>
+          <a:p>
+            <a:pPr algn="l"/>
+            <a:r>
+              <a:rPr lang="ru-RU" sz="2400" b="1" dirty="0">
+                <a:solidFill>
+                  <a:schemeClr val="tx1"/>
+                </a:solidFill>
+                <a:latin typeface="Arial" panose="020B0604020202020204" pitchFamily="34" charset="0"/>
+                <a:cs typeface="Arial" panose="020B0604020202020204" pitchFamily="34" charset="0"/>
+              </a:rPr>
+              <a:t>Входные данные: </a:t>
+            </a:r>
+          </a:p>
+          <a:p>
+            <a:pPr algn="l"/>
+            <a:r>
+              <a:rPr lang="ru-RU" sz="2400" dirty="0">
+                <a:solidFill>
+                  <a:schemeClr val="tx1"/>
+                </a:solidFill>
+                <a:latin typeface="Arial" panose="020B0604020202020204" pitchFamily="34" charset="0"/>
+                <a:cs typeface="Arial" panose="020B0604020202020204" pitchFamily="34" charset="0"/>
+              </a:rPr>
+              <a:t>Поисковые запросы пользователя</a:t>
+            </a:r>
+          </a:p>
+          <a:p>
+            <a:pPr algn="l"/>
+            <a:endParaRPr lang="ru-RU" sz="2400" dirty="0">
+              <a:solidFill>
+                <a:schemeClr val="tx1"/>
+              </a:solidFill>
+              <a:latin typeface="Arial" panose="020B0604020202020204" pitchFamily="34" charset="0"/>
+              <a:cs typeface="Arial" panose="020B0604020202020204" pitchFamily="34" charset="0"/>
+            </a:endParaRPr>
+          </a:p>
+          <a:p>
+            <a:pPr algn="l"/>
+            <a:r>
+              <a:rPr lang="ru-RU" sz="2400" b="1" dirty="0">
+                <a:solidFill>
+                  <a:schemeClr val="tx1"/>
+                </a:solidFill>
+                <a:latin typeface="Arial" panose="020B0604020202020204" pitchFamily="34" charset="0"/>
+                <a:cs typeface="Arial" panose="020B0604020202020204" pitchFamily="34" charset="0"/>
+              </a:rPr>
+              <a:t>Выходные данные: </a:t>
+            </a:r>
+          </a:p>
+          <a:p>
+            <a:pPr algn="l"/>
+            <a:r>
+              <a:rPr lang="ru-RU" sz="2400" dirty="0">
+                <a:solidFill>
+                  <a:schemeClr val="tx1"/>
+                </a:solidFill>
+                <a:latin typeface="Arial" panose="020B0604020202020204" pitchFamily="34" charset="0"/>
+                <a:cs typeface="Arial" panose="020B0604020202020204" pitchFamily="34" charset="0"/>
+              </a:rPr>
+              <a:t>Списки автосервисов</a:t>
+            </a:r>
+            <a:r>
+              <a:rPr lang="en-US" sz="2400" dirty="0">
+                <a:solidFill>
+                  <a:schemeClr val="tx1"/>
+                </a:solidFill>
+                <a:latin typeface="Arial" panose="020B0604020202020204" pitchFamily="34" charset="0"/>
+                <a:cs typeface="Arial" panose="020B0604020202020204" pitchFamily="34" charset="0"/>
+              </a:rPr>
+              <a:t>, </a:t>
+            </a:r>
+            <a:r>
+              <a:rPr lang="ru-RU" sz="2400" dirty="0">
+                <a:solidFill>
+                  <a:schemeClr val="tx1"/>
+                </a:solidFill>
+                <a:latin typeface="Arial" panose="020B0604020202020204" pitchFamily="34" charset="0"/>
+                <a:cs typeface="Arial" panose="020B0604020202020204" pitchFamily="34" charset="0"/>
+              </a:rPr>
+              <a:t>соответствующие запросам</a:t>
+            </a:r>
+            <a:r>
+              <a:rPr lang="en-US" sz="2400" dirty="0">
+                <a:solidFill>
+                  <a:schemeClr val="tx1"/>
+                </a:solidFill>
+                <a:latin typeface="Arial" panose="020B0604020202020204" pitchFamily="34" charset="0"/>
+                <a:cs typeface="Arial" panose="020B0604020202020204" pitchFamily="34" charset="0"/>
+              </a:rPr>
+              <a:t>, </a:t>
+            </a:r>
+            <a:r>
+              <a:rPr lang="ru-RU" sz="2400" dirty="0">
+                <a:solidFill>
+                  <a:schemeClr val="tx1"/>
+                </a:solidFill>
+                <a:latin typeface="Arial" panose="020B0604020202020204" pitchFamily="34" charset="0"/>
+                <a:cs typeface="Arial" panose="020B0604020202020204" pitchFamily="34" charset="0"/>
+              </a:rPr>
+              <a:t>с подробной информацией</a:t>
+            </a:r>
+            <a:r>
+              <a:rPr lang="en-US" sz="2400" dirty="0">
+                <a:solidFill>
+                  <a:schemeClr val="tx1"/>
+                </a:solidFill>
+                <a:latin typeface="Arial" panose="020B0604020202020204" pitchFamily="34" charset="0"/>
+                <a:cs typeface="Arial" panose="020B0604020202020204" pitchFamily="34" charset="0"/>
+              </a:rPr>
+              <a:t>, </a:t>
+            </a:r>
+            <a:r>
+              <a:rPr lang="ru-RU" sz="2400" dirty="0">
+                <a:solidFill>
+                  <a:schemeClr val="tx1"/>
+                </a:solidFill>
+                <a:latin typeface="Arial" panose="020B0604020202020204" pitchFamily="34" charset="0"/>
+                <a:cs typeface="Arial" panose="020B0604020202020204" pitchFamily="34" charset="0"/>
+              </a:rPr>
+              <a:t>рейтингом и отзывами.</a:t>
+            </a:r>
+          </a:p>
+        </p:txBody>
+      </p:sp>
+    </p:spTree>
+    <p:extLst>
+      <p:ext uri="{BB962C8B-B14F-4D97-AF65-F5344CB8AC3E}">
+        <p14:creationId xmlns:p14="http://schemas.microsoft.com/office/powerpoint/2010/main" val="3278695884"/>
       </p:ext>
     </p:extLst>
   </p:cSld>
@@ -4867,13 +4672,16 @@
         </p:spPr>
         <p:txBody>
           <a:bodyPr>
-            <a:normAutofit fontScale="90000"/>
+            <a:noAutofit/>
           </a:bodyPr>
           <a:lstStyle/>
           <a:p>
             <a:r>
-              <a:rPr lang="ru-RU" dirty="0"/>
-              <a:t>Функциональные требования</a:t>
+              <a:rPr lang="ru-RU" altLang="en-US" sz="3600" dirty="0">
+                <a:latin typeface="Arial" panose="020B0604020202020204" pitchFamily="34" charset="0"/>
+                <a:cs typeface="Arial" panose="020B0604020202020204" pitchFamily="34" charset="0"/>
+              </a:rPr>
+              <a:t>Инструментальные средства</a:t>
             </a:r>
           </a:p>
         </p:txBody>
@@ -4895,176 +4703,103 @@
           </a:xfrm>
         </p:spPr>
         <p:txBody>
-          <a:bodyPr numCol="1" anchor="ctr">
-            <a:normAutofit fontScale="85000" lnSpcReduction="10000"/>
+          <a:bodyPr anchor="ctr">
+            <a:normAutofit/>
           </a:bodyPr>
           <a:lstStyle/>
           <a:p>
             <a:pPr algn="l"/>
-            <a:br>
-              <a:rPr lang="ru-RU" dirty="0">
-                <a:latin typeface="Arial" panose="020B0604020202020204" pitchFamily="34" charset="0"/>
-                <a:cs typeface="Arial" panose="020B0604020202020204" pitchFamily="34" charset="0"/>
-              </a:rPr>
-            </a:br>
-            <a:r>
-              <a:rPr lang="ru-RU" sz="2600" b="0" i="0" dirty="0">
-                <a:solidFill>
-                  <a:srgbClr val="000000"/>
-                </a:solidFill>
-                <a:effectLst/>
-                <a:latin typeface="Arial" panose="020B0604020202020204" pitchFamily="34" charset="0"/>
-                <a:cs typeface="Arial" panose="020B0604020202020204" pitchFamily="34" charset="0"/>
-              </a:rPr>
-              <a:t>Сервис должен предоставлять возможность поиска автосервисов по названию, местоположению, типу услуг.</a:t>
-            </a:r>
-            <a:br>
-              <a:rPr lang="ru-RU" sz="2600" dirty="0">
-                <a:latin typeface="Arial" panose="020B0604020202020204" pitchFamily="34" charset="0"/>
-                <a:cs typeface="Arial" panose="020B0604020202020204" pitchFamily="34" charset="0"/>
-              </a:rPr>
-            </a:br>
-            <a:br>
-              <a:rPr lang="ru-RU" sz="2600" dirty="0">
-                <a:latin typeface="Arial" panose="020B0604020202020204" pitchFamily="34" charset="0"/>
-                <a:cs typeface="Arial" panose="020B0604020202020204" pitchFamily="34" charset="0"/>
-              </a:rPr>
-            </a:br>
-            <a:r>
-              <a:rPr lang="ru-RU" sz="2600" dirty="0">
-                <a:solidFill>
-                  <a:srgbClr val="000000"/>
-                </a:solidFill>
-                <a:latin typeface="Arial" panose="020B0604020202020204" pitchFamily="34" charset="0"/>
-                <a:cs typeface="Arial" panose="020B0604020202020204" pitchFamily="34" charset="0"/>
-              </a:rPr>
-              <a:t>Сервис должен о</a:t>
-            </a:r>
-            <a:r>
-              <a:rPr lang="ru-RU" sz="2600" b="0" i="0" dirty="0">
-                <a:solidFill>
-                  <a:srgbClr val="000000"/>
-                </a:solidFill>
-                <a:effectLst/>
-                <a:latin typeface="Arial" panose="020B0604020202020204" pitchFamily="34" charset="0"/>
-                <a:cs typeface="Arial" panose="020B0604020202020204" pitchFamily="34" charset="0"/>
-              </a:rPr>
-              <a:t>тображать подробную информацию об автосервисах. (рейтинг, отзывы, контактные данные, часы работы и услуги)</a:t>
-            </a:r>
-            <a:br>
-              <a:rPr lang="ru-RU" sz="2600" dirty="0">
-                <a:latin typeface="Arial" panose="020B0604020202020204" pitchFamily="34" charset="0"/>
-                <a:cs typeface="Arial" panose="020B0604020202020204" pitchFamily="34" charset="0"/>
-              </a:rPr>
-            </a:br>
-            <a:br>
-              <a:rPr lang="ru-RU" sz="2600" dirty="0">
-                <a:latin typeface="Arial" panose="020B0604020202020204" pitchFamily="34" charset="0"/>
-                <a:cs typeface="Arial" panose="020B0604020202020204" pitchFamily="34" charset="0"/>
-              </a:rPr>
-            </a:br>
-            <a:r>
-              <a:rPr lang="ru-RU" sz="2600" dirty="0">
-                <a:solidFill>
-                  <a:srgbClr val="000000"/>
-                </a:solidFill>
-                <a:latin typeface="Arial" panose="020B0604020202020204" pitchFamily="34" charset="0"/>
-                <a:cs typeface="Arial" panose="020B0604020202020204" pitchFamily="34" charset="0"/>
-              </a:rPr>
-              <a:t>Сервис должен предоставлять в</a:t>
-            </a:r>
-            <a:r>
-              <a:rPr lang="ru-RU" sz="2600" b="0" i="0" dirty="0">
-                <a:solidFill>
-                  <a:srgbClr val="000000"/>
-                </a:solidFill>
-                <a:effectLst/>
-                <a:latin typeface="Arial" panose="020B0604020202020204" pitchFamily="34" charset="0"/>
-                <a:cs typeface="Arial" panose="020B0604020202020204" pitchFamily="34" charset="0"/>
-              </a:rPr>
-              <a:t>озможность сравнения нескольких автосервисов по различным параметрам, таким как</a:t>
-            </a:r>
-            <a:r>
-              <a:rPr lang="ru-RU" sz="2600" dirty="0">
-                <a:solidFill>
-                  <a:srgbClr val="000000"/>
-                </a:solidFill>
-                <a:latin typeface="Arial" panose="020B0604020202020204" pitchFamily="34" charset="0"/>
-                <a:cs typeface="Arial" panose="020B0604020202020204" pitchFamily="34" charset="0"/>
-              </a:rPr>
-              <a:t> услуги</a:t>
-            </a:r>
-            <a:r>
-              <a:rPr lang="en-US" sz="2600" dirty="0">
-                <a:solidFill>
-                  <a:srgbClr val="000000"/>
-                </a:solidFill>
-                <a:latin typeface="Arial" panose="020B0604020202020204" pitchFamily="34" charset="0"/>
-                <a:cs typeface="Arial" panose="020B0604020202020204" pitchFamily="34" charset="0"/>
-              </a:rPr>
-              <a:t>, </a:t>
-            </a:r>
-            <a:r>
-              <a:rPr lang="ru-RU" sz="2600" b="0" i="0" dirty="0">
-                <a:solidFill>
-                  <a:srgbClr val="000000"/>
-                </a:solidFill>
-                <a:effectLst/>
-                <a:latin typeface="Arial" panose="020B0604020202020204" pitchFamily="34" charset="0"/>
-                <a:cs typeface="Arial" panose="020B0604020202020204" pitchFamily="34" charset="0"/>
-              </a:rPr>
-              <a:t>рейтинг и отзывы.</a:t>
-            </a:r>
-            <a:br>
-              <a:rPr lang="ru-RU" sz="2600" dirty="0">
-                <a:latin typeface="Arial" panose="020B0604020202020204" pitchFamily="34" charset="0"/>
-                <a:cs typeface="Arial" panose="020B0604020202020204" pitchFamily="34" charset="0"/>
-              </a:rPr>
-            </a:br>
-            <a:br>
-              <a:rPr lang="ru-RU" sz="2600" dirty="0">
-                <a:latin typeface="Arial" panose="020B0604020202020204" pitchFamily="34" charset="0"/>
-                <a:cs typeface="Arial" panose="020B0604020202020204" pitchFamily="34" charset="0"/>
-              </a:rPr>
-            </a:br>
-            <a:r>
-              <a:rPr lang="ru-RU" sz="2600" dirty="0">
-                <a:solidFill>
-                  <a:srgbClr val="000000"/>
-                </a:solidFill>
-                <a:latin typeface="Arial" panose="020B0604020202020204" pitchFamily="34" charset="0"/>
-                <a:cs typeface="Arial" panose="020B0604020202020204" pitchFamily="34" charset="0"/>
-              </a:rPr>
-              <a:t>Сервис должен предоставлять в</a:t>
-            </a:r>
-            <a:r>
-              <a:rPr lang="ru-RU" sz="2600" b="0" i="0" dirty="0">
-                <a:solidFill>
-                  <a:srgbClr val="000000"/>
-                </a:solidFill>
-                <a:effectLst/>
-                <a:latin typeface="Arial" panose="020B0604020202020204" pitchFamily="34" charset="0"/>
-                <a:cs typeface="Arial" panose="020B0604020202020204" pitchFamily="34" charset="0"/>
-              </a:rPr>
-              <a:t>озможность оставлять отзывы и оценки автосервисов.</a:t>
-            </a:r>
-            <a:br>
-              <a:rPr lang="ru-RU" dirty="0">
-                <a:latin typeface="Arial" panose="020B0604020202020204" pitchFamily="34" charset="0"/>
-                <a:cs typeface="Arial" panose="020B0604020202020204" pitchFamily="34" charset="0"/>
-              </a:rPr>
-            </a:br>
-            <a:endParaRPr lang="ru-RU" dirty="0">
+            <a:endParaRPr lang="ru-RU" sz="3600" dirty="0">
+              <a:solidFill>
+                <a:schemeClr val="tx1"/>
+              </a:solidFill>
               <a:latin typeface="Arial" panose="020B0604020202020204" pitchFamily="34" charset="0"/>
               <a:cs typeface="Arial" panose="020B0604020202020204" pitchFamily="34" charset="0"/>
             </a:endParaRPr>
           </a:p>
         </p:txBody>
       </p:sp>
+      <p:pic>
+        <p:nvPicPr>
+          <p:cNvPr id="5" name="Рисунок 4">
+            <a:extLst>
+              <a:ext uri="{FF2B5EF4-FFF2-40B4-BE49-F238E27FC236}">
+                <a16:creationId xmlns:a16="http://schemas.microsoft.com/office/drawing/2014/main" id="{47E63FBB-FD16-AD7A-6E99-6ADB48780965}"/>
+              </a:ext>
+            </a:extLst>
+          </p:cNvPr>
+          <p:cNvPicPr>
+            <a:picLocks noChangeAspect="1"/>
+          </p:cNvPicPr>
+          <p:nvPr/>
+        </p:nvPicPr>
+        <p:blipFill>
+          <a:blip r:embed="rId2"/>
+          <a:stretch>
+            <a:fillRect/>
+          </a:stretch>
+        </p:blipFill>
+        <p:spPr>
+          <a:xfrm>
+            <a:off x="1691680" y="4517978"/>
+            <a:ext cx="5611340" cy="1714654"/>
+          </a:xfrm>
+          <a:prstGeom prst="rect">
+            <a:avLst/>
+          </a:prstGeom>
+        </p:spPr>
+      </p:pic>
+      <p:pic>
+        <p:nvPicPr>
+          <p:cNvPr id="1028" name="Picture 4">
+            <a:extLst>
+              <a:ext uri="{FF2B5EF4-FFF2-40B4-BE49-F238E27FC236}">
+                <a16:creationId xmlns:a16="http://schemas.microsoft.com/office/drawing/2014/main" id="{941BACD1-FB30-C519-837B-AC9A9A3B992A}"/>
+              </a:ext>
+            </a:extLst>
+          </p:cNvPr>
+          <p:cNvPicPr>
+            <a:picLocks noChangeAspect="1" noChangeArrowheads="1"/>
+          </p:cNvPicPr>
+          <p:nvPr/>
+        </p:nvPicPr>
+        <p:blipFill>
+          <a:blip r:embed="rId3">
+            <a:extLst>
+              <a:ext uri="{28A0092B-C50C-407E-A947-70E740481C1C}">
+                <a14:useLocalDpi xmlns:a14="http://schemas.microsoft.com/office/drawing/2010/main" val="0"/>
+              </a:ext>
+            </a:extLst>
+          </a:blip>
+          <a:srcRect/>
+          <a:stretch>
+            <a:fillRect/>
+          </a:stretch>
+        </p:blipFill>
+        <p:spPr bwMode="auto">
+          <a:xfrm>
+            <a:off x="1691680" y="1340768"/>
+            <a:ext cx="5611340" cy="3172529"/>
+          </a:xfrm>
+          <a:prstGeom prst="rect">
+            <a:avLst/>
+          </a:prstGeom>
+          <a:noFill/>
+          <a:extLst>
+            <a:ext uri="{909E8E84-426E-40DD-AFC4-6F175D3DCCD1}">
+              <a14:hiddenFill xmlns:a14="http://schemas.microsoft.com/office/drawing/2010/main">
+                <a:solidFill>
+                  <a:srgbClr val="FFFFFF"/>
+                </a:solidFill>
+              </a14:hiddenFill>
+            </a:ext>
+          </a:extLst>
+        </p:spPr>
+      </p:pic>
     </p:spTree>
     <p:extLst>
       <p:ext uri="{BB962C8B-B14F-4D97-AF65-F5344CB8AC3E}">
-        <p14:creationId xmlns:p14="http://schemas.microsoft.com/office/powerpoint/2010/main" val="197728668"/>
+        <p14:creationId xmlns:p14="http://schemas.microsoft.com/office/powerpoint/2010/main" val="3597652776"/>
       </p:ext>
     </p:extLst>
   </p:cSld>
@@ -5115,8 +4850,13 @@
           <a:p>
             <a:r>
               <a:rPr lang="ru-RU" dirty="0"/>
-              <a:t>Входные и выходные данные</a:t>
-            </a:r>
+              <a:t>Структура классов нотации </a:t>
+            </a:r>
+            <a:r>
+              <a:rPr lang="en-US" dirty="0"/>
+              <a:t>UML</a:t>
+            </a:r>
+            <a:endParaRPr lang="ru-RU" dirty="0"/>
           </a:p>
         </p:txBody>
       </p:sp>
@@ -5132,415 +4872,31 @@
         </p:nvSpPr>
         <p:spPr>
           <a:xfrm>
-            <a:off x="498190" y="1340768"/>
-            <a:ext cx="8106258" cy="4896544"/>
+            <a:off x="498190" y="5589240"/>
+            <a:ext cx="8106258" cy="648071"/>
           </a:xfrm>
         </p:spPr>
         <p:txBody>
-          <a:bodyPr anchor="ctr">
+          <a:bodyPr>
             <a:normAutofit/>
           </a:bodyPr>
           <a:lstStyle/>
           <a:p>
-            <a:pPr algn="l"/>
-            <a:r>
-              <a:rPr lang="ru-RU" sz="2400" b="1" dirty="0">
+            <a:r>
+              <a:rPr lang="ru-RU" sz="2000" dirty="0">
                 <a:solidFill>
                   <a:schemeClr val="tx1"/>
                 </a:solidFill>
-                <a:latin typeface="Arial" panose="020B0604020202020204" pitchFamily="34" charset="0"/>
-                <a:cs typeface="Arial" panose="020B0604020202020204" pitchFamily="34" charset="0"/>
-              </a:rPr>
-              <a:t>Входные данные: </a:t>
-            </a:r>
-          </a:p>
-          <a:p>
-            <a:pPr algn="l"/>
-            <a:r>
-              <a:rPr lang="ru-RU" sz="2400" dirty="0">
-                <a:solidFill>
-                  <a:schemeClr val="tx1"/>
-                </a:solidFill>
-                <a:latin typeface="Arial" panose="020B0604020202020204" pitchFamily="34" charset="0"/>
-                <a:cs typeface="Arial" panose="020B0604020202020204" pitchFamily="34" charset="0"/>
-              </a:rPr>
-              <a:t>Поисковые запросы пользователя</a:t>
-            </a:r>
-          </a:p>
-          <a:p>
-            <a:pPr algn="l"/>
-            <a:endParaRPr lang="ru-RU" sz="2400" dirty="0">
+              </a:rPr>
+              <a:t>Концептуальный уровень</a:t>
+            </a:r>
+            <a:endParaRPr lang="ru-RU" altLang="en-US" sz="1400" dirty="0">
               <a:solidFill>
                 <a:schemeClr val="tx1"/>
               </a:solidFill>
               <a:latin typeface="Arial" panose="020B0604020202020204" pitchFamily="34" charset="0"/>
               <a:cs typeface="Arial" panose="020B0604020202020204" pitchFamily="34" charset="0"/>
             </a:endParaRPr>
-          </a:p>
-          <a:p>
-            <a:pPr algn="l"/>
-            <a:r>
-              <a:rPr lang="ru-RU" sz="2400" b="1" dirty="0">
-                <a:solidFill>
-                  <a:schemeClr val="tx1"/>
-                </a:solidFill>
-                <a:latin typeface="Arial" panose="020B0604020202020204" pitchFamily="34" charset="0"/>
-                <a:cs typeface="Arial" panose="020B0604020202020204" pitchFamily="34" charset="0"/>
-              </a:rPr>
-              <a:t>Выходные данные: </a:t>
-            </a:r>
-          </a:p>
-          <a:p>
-            <a:pPr algn="l"/>
-            <a:r>
-              <a:rPr lang="ru-RU" sz="2400" dirty="0">
-                <a:solidFill>
-                  <a:schemeClr val="tx1"/>
-                </a:solidFill>
-                <a:latin typeface="Arial" panose="020B0604020202020204" pitchFamily="34" charset="0"/>
-                <a:cs typeface="Arial" panose="020B0604020202020204" pitchFamily="34" charset="0"/>
-              </a:rPr>
-              <a:t>Списки автосервисов</a:t>
-            </a:r>
-            <a:r>
-              <a:rPr lang="en-US" sz="2400" dirty="0">
-                <a:solidFill>
-                  <a:schemeClr val="tx1"/>
-                </a:solidFill>
-                <a:latin typeface="Arial" panose="020B0604020202020204" pitchFamily="34" charset="0"/>
-                <a:cs typeface="Arial" panose="020B0604020202020204" pitchFamily="34" charset="0"/>
-              </a:rPr>
-              <a:t>, </a:t>
-            </a:r>
-            <a:r>
-              <a:rPr lang="ru-RU" sz="2400" dirty="0">
-                <a:solidFill>
-                  <a:schemeClr val="tx1"/>
-                </a:solidFill>
-                <a:latin typeface="Arial" panose="020B0604020202020204" pitchFamily="34" charset="0"/>
-                <a:cs typeface="Arial" panose="020B0604020202020204" pitchFamily="34" charset="0"/>
-              </a:rPr>
-              <a:t>соответствующие запросам</a:t>
-            </a:r>
-            <a:r>
-              <a:rPr lang="en-US" sz="2400" dirty="0">
-                <a:solidFill>
-                  <a:schemeClr val="tx1"/>
-                </a:solidFill>
-                <a:latin typeface="Arial" panose="020B0604020202020204" pitchFamily="34" charset="0"/>
-                <a:cs typeface="Arial" panose="020B0604020202020204" pitchFamily="34" charset="0"/>
-              </a:rPr>
-              <a:t>, </a:t>
-            </a:r>
-            <a:r>
-              <a:rPr lang="ru-RU" sz="2400" dirty="0">
-                <a:solidFill>
-                  <a:schemeClr val="tx1"/>
-                </a:solidFill>
-                <a:latin typeface="Arial" panose="020B0604020202020204" pitchFamily="34" charset="0"/>
-                <a:cs typeface="Arial" panose="020B0604020202020204" pitchFamily="34" charset="0"/>
-              </a:rPr>
-              <a:t>с подробной информацией</a:t>
-            </a:r>
-            <a:r>
-              <a:rPr lang="en-US" sz="2400" dirty="0">
-                <a:solidFill>
-                  <a:schemeClr val="tx1"/>
-                </a:solidFill>
-                <a:latin typeface="Arial" panose="020B0604020202020204" pitchFamily="34" charset="0"/>
-                <a:cs typeface="Arial" panose="020B0604020202020204" pitchFamily="34" charset="0"/>
-              </a:rPr>
-              <a:t>, </a:t>
-            </a:r>
-            <a:r>
-              <a:rPr lang="ru-RU" sz="2400" dirty="0">
-                <a:solidFill>
-                  <a:schemeClr val="tx1"/>
-                </a:solidFill>
-                <a:latin typeface="Arial" panose="020B0604020202020204" pitchFamily="34" charset="0"/>
-                <a:cs typeface="Arial" panose="020B0604020202020204" pitchFamily="34" charset="0"/>
-              </a:rPr>
-              <a:t>рейтингом и отзывами.</a:t>
-            </a:r>
-          </a:p>
-        </p:txBody>
-      </p:sp>
-    </p:spTree>
-    <p:extLst>
-      <p:ext uri="{BB962C8B-B14F-4D97-AF65-F5344CB8AC3E}">
-        <p14:creationId xmlns:p14="http://schemas.microsoft.com/office/powerpoint/2010/main" val="3278695884"/>
-      </p:ext>
-    </p:extLst>
-  </p:cSld>
-  <p:clrMapOvr>
-    <a:masterClrMapping/>
-  </p:clrMapOvr>
-</p:sld>
-</file>
-
-<file path=ppt/slides/slide15.xml><?xml version="1.0" encoding="utf-8"?>
-<p:sld xmlns:a="http://schemas.openxmlformats.org/drawingml/2006/main" xmlns:r="http://schemas.openxmlformats.org/officeDocument/2006/relationships" xmlns:p="http://schemas.openxmlformats.org/presentationml/2006/main">
-  <p:cSld>
-    <p:spTree>
-      <p:nvGrpSpPr>
-        <p:cNvPr id="1" name=""/>
-        <p:cNvGrpSpPr/>
-        <p:nvPr/>
-      </p:nvGrpSpPr>
-      <p:grpSpPr>
-        <a:xfrm>
-          <a:off x="0" y="0"/>
-          <a:ext cx="0" cy="0"/>
-          <a:chOff x="0" y="0"/>
-          <a:chExt cx="0" cy="0"/>
-        </a:xfrm>
-      </p:grpSpPr>
-      <p:sp>
-        <p:nvSpPr>
-          <p:cNvPr id="2" name="Заголовок 1"/>
-          <p:cNvSpPr>
-            <a:spLocks noGrp="1"/>
-          </p:cNvSpPr>
-          <p:nvPr>
-            <p:ph type="ctrTitle"/>
-          </p:nvPr>
-        </p:nvSpPr>
-        <p:spPr>
-          <a:xfrm>
-            <a:off x="467544" y="188640"/>
-            <a:ext cx="8136904" cy="648071"/>
-          </a:xfrm>
-        </p:spPr>
-        <p:txBody>
-          <a:bodyPr>
-            <a:noAutofit/>
-          </a:bodyPr>
-          <a:lstStyle/>
-          <a:p>
-            <a:r>
-              <a:rPr lang="ru-RU" altLang="en-US" sz="3600" dirty="0">
-                <a:latin typeface="Arial" panose="020B0604020202020204" pitchFamily="34" charset="0"/>
-                <a:cs typeface="Arial" panose="020B0604020202020204" pitchFamily="34" charset="0"/>
-              </a:rPr>
-              <a:t>Инструментальные средства</a:t>
-            </a:r>
-          </a:p>
-        </p:txBody>
-      </p:sp>
-      <p:sp>
-        <p:nvSpPr>
-          <p:cNvPr id="3" name="Подзаголовок 2"/>
-          <p:cNvSpPr>
-            <a:spLocks noGrp="1"/>
-          </p:cNvSpPr>
-          <p:nvPr>
-            <p:ph type="subTitle" idx="1"/>
-          </p:nvPr>
-        </p:nvSpPr>
-        <p:spPr>
-          <a:xfrm>
-            <a:off x="498190" y="1340768"/>
-            <a:ext cx="8106258" cy="4896544"/>
-          </a:xfrm>
-        </p:spPr>
-        <p:txBody>
-          <a:bodyPr anchor="ctr">
-            <a:normAutofit/>
-          </a:bodyPr>
-          <a:lstStyle/>
-          <a:p>
-            <a:pPr algn="l"/>
-            <a:r>
-              <a:rPr lang="ru-RU" sz="3600" dirty="0" err="1">
-                <a:solidFill>
-                  <a:schemeClr val="tx1"/>
-                </a:solidFill>
-                <a:latin typeface="Arial" panose="020B0604020202020204" pitchFamily="34" charset="0"/>
-                <a:cs typeface="Arial" panose="020B0604020202020204" pitchFamily="34" charset="0"/>
-              </a:rPr>
-              <a:t>Фронтенд</a:t>
-            </a:r>
-            <a:r>
-              <a:rPr lang="ru-RU" sz="3600" dirty="0">
-                <a:solidFill>
-                  <a:schemeClr val="tx1"/>
-                </a:solidFill>
-                <a:latin typeface="Arial" panose="020B0604020202020204" pitchFamily="34" charset="0"/>
-                <a:cs typeface="Arial" panose="020B0604020202020204" pitchFamily="34" charset="0"/>
-              </a:rPr>
-              <a:t>: </a:t>
-            </a:r>
-            <a:r>
-              <a:rPr lang="en-US" sz="3600" dirty="0">
-                <a:solidFill>
-                  <a:schemeClr val="tx1"/>
-                </a:solidFill>
-                <a:latin typeface="Arial" panose="020B0604020202020204" pitchFamily="34" charset="0"/>
-                <a:cs typeface="Arial" panose="020B0604020202020204" pitchFamily="34" charset="0"/>
-              </a:rPr>
-              <a:t>React</a:t>
-            </a:r>
-            <a:endParaRPr lang="ru-RU" sz="3600" dirty="0">
-              <a:solidFill>
-                <a:schemeClr val="tx1"/>
-              </a:solidFill>
-              <a:latin typeface="Arial" panose="020B0604020202020204" pitchFamily="34" charset="0"/>
-              <a:cs typeface="Arial" panose="020B0604020202020204" pitchFamily="34" charset="0"/>
-            </a:endParaRPr>
-          </a:p>
-          <a:p>
-            <a:pPr algn="l"/>
-            <a:endParaRPr lang="ru-RU" sz="3600" dirty="0">
-              <a:solidFill>
-                <a:schemeClr val="tx1"/>
-              </a:solidFill>
-              <a:latin typeface="Arial" panose="020B0604020202020204" pitchFamily="34" charset="0"/>
-              <a:cs typeface="Arial" panose="020B0604020202020204" pitchFamily="34" charset="0"/>
-            </a:endParaRPr>
-          </a:p>
-          <a:p>
-            <a:pPr algn="l"/>
-            <a:r>
-              <a:rPr lang="ru-RU" sz="3600" dirty="0">
-                <a:solidFill>
-                  <a:schemeClr val="tx1"/>
-                </a:solidFill>
-                <a:latin typeface="Arial" panose="020B0604020202020204" pitchFamily="34" charset="0"/>
-                <a:cs typeface="Arial" panose="020B0604020202020204" pitchFamily="34" charset="0"/>
-              </a:rPr>
-              <a:t>Бэкенд: </a:t>
-            </a:r>
-            <a:r>
-              <a:rPr lang="en-US" sz="3600" dirty="0">
-                <a:solidFill>
-                  <a:schemeClr val="tx1"/>
-                </a:solidFill>
-                <a:latin typeface="Arial" panose="020B0604020202020204" pitchFamily="34" charset="0"/>
-                <a:cs typeface="Arial" panose="020B0604020202020204" pitchFamily="34" charset="0"/>
-              </a:rPr>
-              <a:t>Express</a:t>
-            </a:r>
-            <a:endParaRPr lang="ru-RU" sz="3600" dirty="0">
-              <a:solidFill>
-                <a:schemeClr val="tx1"/>
-              </a:solidFill>
-              <a:latin typeface="Arial" panose="020B0604020202020204" pitchFamily="34" charset="0"/>
-              <a:cs typeface="Arial" panose="020B0604020202020204" pitchFamily="34" charset="0"/>
-            </a:endParaRPr>
-          </a:p>
-        </p:txBody>
-      </p:sp>
-    </p:spTree>
-    <p:extLst>
-      <p:ext uri="{BB962C8B-B14F-4D97-AF65-F5344CB8AC3E}">
-        <p14:creationId xmlns:p14="http://schemas.microsoft.com/office/powerpoint/2010/main" val="3597652776"/>
-      </p:ext>
-    </p:extLst>
-  </p:cSld>
-  <p:clrMapOvr>
-    <a:masterClrMapping/>
-  </p:clrMapOvr>
-</p:sld>
-</file>
-
-<file path=ppt/slides/slide16.xml><?xml version="1.0" encoding="utf-8"?>
-<p:sld xmlns:a="http://schemas.openxmlformats.org/drawingml/2006/main" xmlns:r="http://schemas.openxmlformats.org/officeDocument/2006/relationships" xmlns:p="http://schemas.openxmlformats.org/presentationml/2006/main">
-  <p:cSld>
-    <p:spTree>
-      <p:nvGrpSpPr>
-        <p:cNvPr id="1" name=""/>
-        <p:cNvGrpSpPr/>
-        <p:nvPr/>
-      </p:nvGrpSpPr>
-      <p:grpSpPr>
-        <a:xfrm>
-          <a:off x="0" y="0"/>
-          <a:ext cx="0" cy="0"/>
-          <a:chOff x="0" y="0"/>
-          <a:chExt cx="0" cy="0"/>
-        </a:xfrm>
-      </p:grpSpPr>
-      <p:sp>
-        <p:nvSpPr>
-          <p:cNvPr id="2" name="Заголовок 1"/>
-          <p:cNvSpPr>
-            <a:spLocks noGrp="1"/>
-          </p:cNvSpPr>
-          <p:nvPr>
-            <p:ph type="ctrTitle"/>
-          </p:nvPr>
-        </p:nvSpPr>
-        <p:spPr>
-          <a:xfrm>
-            <a:off x="467544" y="188640"/>
-            <a:ext cx="8136904" cy="648071"/>
-          </a:xfrm>
-        </p:spPr>
-        <p:txBody>
-          <a:bodyPr>
-            <a:normAutofit fontScale="90000"/>
-          </a:bodyPr>
-          <a:lstStyle/>
-          <a:p>
-            <a:r>
-              <a:rPr lang="ru-RU" dirty="0"/>
-              <a:t>Структура классов</a:t>
-            </a:r>
-          </a:p>
-        </p:txBody>
-      </p:sp>
-      <p:sp>
-        <p:nvSpPr>
-          <p:cNvPr id="3" name="Подзаголовок 2"/>
-          <p:cNvSpPr>
-            <a:spLocks noGrp="1"/>
-          </p:cNvSpPr>
-          <p:nvPr>
-            <p:ph type="subTitle" idx="1"/>
-          </p:nvPr>
-        </p:nvSpPr>
-        <p:spPr>
-          <a:xfrm>
-            <a:off x="498190" y="5589240"/>
-            <a:ext cx="8106258" cy="648071"/>
-          </a:xfrm>
-        </p:spPr>
-        <p:txBody>
-          <a:bodyPr>
-            <a:normAutofit/>
-          </a:bodyPr>
-          <a:lstStyle/>
-          <a:p>
-            <a:r>
-              <a:rPr lang="ru-RU" altLang="en-US" sz="2400" dirty="0">
-                <a:solidFill>
-                  <a:schemeClr val="tx1"/>
-                </a:solidFill>
-                <a:latin typeface="Arial" panose="020B0604020202020204" pitchFamily="34" charset="0"/>
-                <a:cs typeface="Arial" panose="020B0604020202020204" pitchFamily="34" charset="0"/>
-              </a:rPr>
-              <a:t>Схема 3.</a:t>
-            </a:r>
-            <a:r>
-              <a:rPr lang="en-US" altLang="en-US" sz="2400" dirty="0">
-                <a:solidFill>
-                  <a:schemeClr val="tx1"/>
-                </a:solidFill>
-                <a:latin typeface="Arial" panose="020B0604020202020204" pitchFamily="34" charset="0"/>
-                <a:cs typeface="Arial" panose="020B0604020202020204" pitchFamily="34" charset="0"/>
-              </a:rPr>
-              <a:t> </a:t>
-            </a:r>
-            <a:r>
-              <a:rPr lang="ru-RU" altLang="en-US" sz="2400" dirty="0">
-                <a:solidFill>
-                  <a:schemeClr val="tx1"/>
-                </a:solidFill>
-                <a:latin typeface="Arial" panose="020B0604020202020204" pitchFamily="34" charset="0"/>
-                <a:cs typeface="Arial" panose="020B0604020202020204" pitchFamily="34" charset="0"/>
-              </a:rPr>
-              <a:t>структура классов</a:t>
-            </a:r>
           </a:p>
         </p:txBody>
       </p:sp>
@@ -5587,7 +4943,7 @@
 </p:sld>
 </file>
 
-<file path=ppt/slides/slide17.xml><?xml version="1.0" encoding="utf-8"?>
+<file path=ppt/slides/slide15.xml><?xml version="1.0" encoding="utf-8"?>
 <p:sld xmlns:a="http://schemas.openxmlformats.org/drawingml/2006/main" xmlns:r="http://schemas.openxmlformats.org/officeDocument/2006/relationships" xmlns:p="http://schemas.openxmlformats.org/presentationml/2006/main">
   <p:cSld>
     <p:spTree>
@@ -5630,6 +4986,19 @@
               <a:rPr lang="ru-RU" dirty="0"/>
               <a:t>Структура базы данных</a:t>
             </a:r>
+            <a:r>
+              <a:rPr lang="en-US" dirty="0"/>
+              <a:t> </a:t>
+            </a:r>
+            <a:r>
+              <a:rPr lang="ru-RU" dirty="0"/>
+              <a:t>нотации </a:t>
+            </a:r>
+            <a:r>
+              <a:rPr lang="en-US" dirty="0"/>
+              <a:t>ER</a:t>
+            </a:r>
+            <a:endParaRPr lang="ru-RU" dirty="0"/>
           </a:p>
         </p:txBody>
       </p:sp>
@@ -5656,35 +5025,20 @@
           <a:lstStyle/>
           <a:p>
             <a:r>
-              <a:rPr lang="ru-RU" altLang="en-US" sz="2400" dirty="0">
+              <a:rPr lang="ru-RU" sz="2000" dirty="0">
                 <a:solidFill>
                   <a:schemeClr val="tx1"/>
                 </a:solidFill>
-                <a:latin typeface="Arial" panose="020B0604020202020204" pitchFamily="34" charset="0"/>
-                <a:cs typeface="Arial" panose="020B0604020202020204" pitchFamily="34" charset="0"/>
-              </a:rPr>
-              <a:t>Схема 4.</a:t>
-            </a:r>
-            <a:r>
-              <a:rPr lang="en-US" altLang="en-US" sz="2400" dirty="0">
-                <a:solidFill>
-                  <a:schemeClr val="tx1"/>
-                </a:solidFill>
-                <a:latin typeface="Arial" panose="020B0604020202020204" pitchFamily="34" charset="0"/>
-                <a:cs typeface="Arial" panose="020B0604020202020204" pitchFamily="34" charset="0"/>
-              </a:rPr>
-              <a:t> </a:t>
-            </a:r>
-            <a:r>
-              <a:rPr lang="ru-RU" altLang="en-US" sz="2400" dirty="0">
-                <a:solidFill>
-                  <a:schemeClr val="tx1"/>
-                </a:solidFill>
-                <a:latin typeface="Arial" panose="020B0604020202020204" pitchFamily="34" charset="0"/>
-                <a:cs typeface="Arial" panose="020B0604020202020204" pitchFamily="34" charset="0"/>
-              </a:rPr>
-              <a:t>структура базы данных</a:t>
-            </a:r>
+              </a:rPr>
+              <a:t>Концептуальный уровень</a:t>
+            </a:r>
+            <a:endParaRPr lang="ru-RU" altLang="en-US" sz="1400" dirty="0">
+              <a:solidFill>
+                <a:schemeClr val="tx1"/>
+              </a:solidFill>
+              <a:latin typeface="Arial" panose="020B0604020202020204" pitchFamily="34" charset="0"/>
+              <a:cs typeface="Arial" panose="020B0604020202020204" pitchFamily="34" charset="0"/>
+            </a:endParaRPr>
           </a:p>
         </p:txBody>
       </p:sp>
@@ -5731,7 +5085,7 @@
 </p:sld>
 </file>
 
-<file path=ppt/slides/slide18.xml><?xml version="1.0" encoding="utf-8"?>
+<file path=ppt/slides/slide16.xml><?xml version="1.0" encoding="utf-8"?>
 <p:sld xmlns:a="http://schemas.openxmlformats.org/drawingml/2006/main" xmlns:r="http://schemas.openxmlformats.org/officeDocument/2006/relationships" xmlns:p="http://schemas.openxmlformats.org/presentationml/2006/main">
   <p:cSld>
     <p:spTree>
@@ -6239,11 +5593,8 @@
           <a:lstStyle/>
           <a:p>
             <a:r>
-              <a:rPr lang="ru-RU" sz="3600" dirty="0">
-                <a:latin typeface="Arial" panose="020B0604020202020204" pitchFamily="34" charset="0"/>
-                <a:cs typeface="Arial" panose="020B0604020202020204" pitchFamily="34" charset="0"/>
-              </a:rPr>
-              <a:t>Цель работы и задачи исследования</a:t>
+              <a:rPr lang="ru-RU" sz="3600" dirty="0"/>
+              <a:t>Описание проблемы</a:t>
             </a:r>
           </a:p>
         </p:txBody>
@@ -6261,169 +5612,94 @@
         <p:spPr>
           <a:xfrm>
             <a:off x="498190" y="1340768"/>
-            <a:ext cx="8106258" cy="5112568"/>
+            <a:ext cx="8106258" cy="4896544"/>
           </a:xfrm>
         </p:spPr>
         <p:txBody>
           <a:bodyPr anchor="ctr">
-            <a:noAutofit/>
+            <a:normAutofit/>
           </a:bodyPr>
           <a:lstStyle/>
           <a:p>
-            <a:pPr indent="450215" algn="just">
-              <a:lnSpc>
-                <a:spcPct val="150000"/>
-              </a:lnSpc>
-            </a:pPr>
-            <a:r>
-              <a:rPr lang="ru-RU" sz="1800" b="1" dirty="0">
-                <a:solidFill>
-                  <a:schemeClr val="tx1"/>
+            <a:pPr algn="l"/>
+            <a:r>
+              <a:rPr lang="ru-RU" sz="2400" dirty="0">
+                <a:solidFill>
+                  <a:srgbClr val="000000"/>
                 </a:solidFill>
                 <a:latin typeface="Arial" panose="020B0604020202020204" pitchFamily="34" charset="0"/>
                 <a:cs typeface="Arial" panose="020B0604020202020204" pitchFamily="34" charset="0"/>
               </a:rPr>
-              <a:t>	Цель работы: </a:t>
-            </a:r>
-            <a:r>
-              <a:rPr lang="ru-RU" sz="1800" dirty="0">
-                <a:solidFill>
-                  <a:schemeClr val="tx1"/>
+              <a:t>М</a:t>
+            </a:r>
+            <a:r>
+              <a:rPr lang="ru-RU" sz="2400" b="0" i="0" dirty="0">
+                <a:solidFill>
+                  <a:srgbClr val="000000"/>
                 </a:solidFill>
                 <a:effectLst/>
                 <a:latin typeface="Arial" panose="020B0604020202020204" pitchFamily="34" charset="0"/>
-                <a:ea typeface="Times New Roman" panose="02020603050405020304" pitchFamily="18" charset="0"/>
                 <a:cs typeface="Arial" panose="020B0604020202020204" pitchFamily="34" charset="0"/>
               </a:rPr>
-              <a:t>обеспечение пользователей всей необходимой и актуальной информацией для принятия обоснованных решений при выборе автосервиса в различных городах России.</a:t>
-            </a:r>
-          </a:p>
-          <a:p>
-            <a:pPr algn="just"/>
-            <a:endParaRPr lang="ru-RU" sz="1800" dirty="0">
+              <a:t>ногие владельцы автосервисов могут создавать фейковые отзывы или платить третьим лицам за написание положительных отзывов о своих услугах.</a:t>
+            </a:r>
+            <a:endParaRPr lang="en-US" sz="2400" b="0" i="0" dirty="0">
               <a:solidFill>
-                <a:schemeClr val="tx1"/>
+                <a:srgbClr val="000000"/>
               </a:solidFill>
+              <a:effectLst/>
               <a:latin typeface="Arial" panose="020B0604020202020204" pitchFamily="34" charset="0"/>
               <a:cs typeface="Arial" panose="020B0604020202020204" pitchFamily="34" charset="0"/>
             </a:endParaRPr>
           </a:p>
           <a:p>
-            <a:pPr algn="just"/>
-            <a:r>
-              <a:rPr lang="ru-RU" sz="1800" b="1" dirty="0">
-                <a:solidFill>
-                  <a:schemeClr val="tx1"/>
-                </a:solidFill>
+            <a:pPr algn="l"/>
+            <a:r>
+              <a:rPr lang="ru-RU" sz="2400" b="0" i="0" dirty="0">
+                <a:solidFill>
+                  <a:srgbClr val="000000"/>
+                </a:solidFill>
+                <a:effectLst/>
                 <a:latin typeface="Arial" panose="020B0604020202020204" pitchFamily="34" charset="0"/>
                 <a:cs typeface="Arial" panose="020B0604020202020204" pitchFamily="34" charset="0"/>
               </a:rPr>
-              <a:t>	Задачи:</a:t>
-            </a:r>
-          </a:p>
-          <a:p>
-            <a:pPr marL="342900" indent="-342900" algn="just">
-              <a:lnSpc>
-                <a:spcPct val="150000"/>
-              </a:lnSpc>
-              <a:buFont typeface="Arial" panose="020B0604020202020204" pitchFamily="34" charset="0"/>
-              <a:buChar char="•"/>
-            </a:pPr>
-            <a:r>
-              <a:rPr lang="ru-RU" sz="1800" dirty="0">
+              <a:t> </a:t>
+            </a:r>
+            <a:br>
+              <a:rPr lang="ru-RU" sz="2400" dirty="0">
+                <a:latin typeface="Arial" panose="020B0604020202020204" pitchFamily="34" charset="0"/>
+                <a:cs typeface="Arial" panose="020B0604020202020204" pitchFamily="34" charset="0"/>
+              </a:rPr>
+            </a:br>
+            <a:r>
+              <a:rPr lang="ru-RU" sz="2400" dirty="0">
                 <a:solidFill>
                   <a:schemeClr val="tx1"/>
                 </a:solidFill>
-                <a:effectLst/>
                 <a:latin typeface="Arial" panose="020B0604020202020204" pitchFamily="34" charset="0"/>
-                <a:ea typeface="Times New Roman" panose="02020603050405020304" pitchFamily="18" charset="0"/>
                 <a:cs typeface="Arial" panose="020B0604020202020204" pitchFamily="34" charset="0"/>
               </a:rPr>
-              <a:t>произвести анализ предметной области;</a:t>
-            </a:r>
-          </a:p>
-          <a:p>
-            <a:pPr marL="342900" indent="-342900" algn="just">
-              <a:lnSpc>
-                <a:spcPct val="150000"/>
-              </a:lnSpc>
-              <a:buFont typeface="Arial" panose="020B0604020202020204" pitchFamily="34" charset="0"/>
-              <a:buChar char="•"/>
-            </a:pPr>
-            <a:r>
-              <a:rPr lang="ru-RU" sz="1800" dirty="0">
+              <a:t>В России нет полноценных платформ</a:t>
+            </a:r>
+            <a:r>
+              <a:rPr lang="en-US" sz="2400" dirty="0">
                 <a:solidFill>
                   <a:schemeClr val="tx1"/>
                 </a:solidFill>
-                <a:effectLst/>
                 <a:latin typeface="Arial" panose="020B0604020202020204" pitchFamily="34" charset="0"/>
-                <a:ea typeface="Times New Roman" panose="02020603050405020304" pitchFamily="18" charset="0"/>
                 <a:cs typeface="Arial" panose="020B0604020202020204" pitchFamily="34" charset="0"/>
               </a:rPr>
-              <a:t>произвести обзор существующих аналогов и выявить их основные преимущества и недостатки;</a:t>
-            </a:r>
-          </a:p>
-          <a:p>
-            <a:pPr marL="342900" indent="-342900" algn="just">
-              <a:lnSpc>
-                <a:spcPct val="150000"/>
-              </a:lnSpc>
-              <a:buFont typeface="Arial" panose="020B0604020202020204" pitchFamily="34" charset="0"/>
-              <a:buChar char="•"/>
-            </a:pPr>
-            <a:r>
-              <a:rPr lang="ru-RU" sz="1800" dirty="0">
+              <a:t>, </a:t>
+            </a:r>
+            <a:r>
+              <a:rPr lang="ru-RU" sz="2400" dirty="0">
                 <a:solidFill>
                   <a:schemeClr val="tx1"/>
                 </a:solidFill>
-                <a:effectLst/>
                 <a:latin typeface="Arial" panose="020B0604020202020204" pitchFamily="34" charset="0"/>
-                <a:ea typeface="Times New Roman" panose="02020603050405020304" pitchFamily="18" charset="0"/>
                 <a:cs typeface="Arial" panose="020B0604020202020204" pitchFamily="34" charset="0"/>
               </a:rPr>
-              <a:t>определить требования к разрабатываемому веб-сервису;</a:t>
-            </a:r>
-          </a:p>
-          <a:p>
-            <a:pPr marL="342900" indent="-342900" algn="just">
-              <a:lnSpc>
-                <a:spcPct val="150000"/>
-              </a:lnSpc>
-              <a:buFont typeface="Arial" panose="020B0604020202020204" pitchFamily="34" charset="0"/>
-              <a:buChar char="•"/>
-            </a:pPr>
-            <a:r>
-              <a:rPr lang="ru-RU" sz="1800" dirty="0">
-                <a:solidFill>
-                  <a:schemeClr val="tx1"/>
-                </a:solidFill>
-                <a:effectLst/>
-                <a:latin typeface="Arial" panose="020B0604020202020204" pitchFamily="34" charset="0"/>
-                <a:ea typeface="Times New Roman" panose="02020603050405020304" pitchFamily="18" charset="0"/>
-                <a:cs typeface="Arial" panose="020B0604020202020204" pitchFamily="34" charset="0"/>
-              </a:rPr>
-              <a:t>исходя из требований произвести проектирование базы данных;</a:t>
-            </a:r>
-          </a:p>
-          <a:p>
-            <a:pPr marL="342900" indent="-342900" algn="just">
-              <a:lnSpc>
-                <a:spcPct val="150000"/>
-              </a:lnSpc>
-              <a:buFont typeface="Arial" panose="020B0604020202020204" pitchFamily="34" charset="0"/>
-              <a:buChar char="•"/>
-            </a:pPr>
-            <a:r>
-              <a:rPr lang="ru-RU" sz="1800" dirty="0">
-                <a:solidFill>
-                  <a:schemeClr val="tx1"/>
-                </a:solidFill>
-                <a:effectLst/>
-                <a:latin typeface="Arial" panose="020B0604020202020204" pitchFamily="34" charset="0"/>
-                <a:ea typeface="Times New Roman" panose="02020603050405020304" pitchFamily="18" charset="0"/>
-                <a:cs typeface="Arial" panose="020B0604020202020204" pitchFamily="34" charset="0"/>
-              </a:rPr>
-              <a:t>протестировать разработанный веб-сервис и доказать его работоспособности и эффективность.</a:t>
+              <a:t>на которых можно сравнивать рейтинги и информацию различных автосервисов. </a:t>
             </a:r>
           </a:p>
         </p:txBody>
@@ -6431,7 +5707,7 @@
     </p:spTree>
     <p:extLst>
       <p:ext uri="{BB962C8B-B14F-4D97-AF65-F5344CB8AC3E}">
-        <p14:creationId xmlns:p14="http://schemas.microsoft.com/office/powerpoint/2010/main" val="2550941481"/>
+        <p14:creationId xmlns:p14="http://schemas.microsoft.com/office/powerpoint/2010/main" val="2081038248"/>
       </p:ext>
     </p:extLst>
   </p:cSld>
@@ -6476,13 +5752,16 @@
         </p:spPr>
         <p:txBody>
           <a:bodyPr>
-            <a:normAutofit/>
+            <a:noAutofit/>
           </a:bodyPr>
           <a:lstStyle/>
           <a:p>
             <a:r>
-              <a:rPr lang="ru-RU" sz="3600" dirty="0"/>
-              <a:t>Объект исследования</a:t>
+              <a:rPr lang="ru-RU" sz="3600" dirty="0">
+                <a:latin typeface="Arial" panose="020B0604020202020204" pitchFamily="34" charset="0"/>
+                <a:cs typeface="Arial" panose="020B0604020202020204" pitchFamily="34" charset="0"/>
+              </a:rPr>
+              <a:t>Цель работы и задачи исследования</a:t>
             </a:r>
           </a:p>
         </p:txBody>
@@ -6499,13 +5778,13 @@
         </p:nvSpPr>
         <p:spPr>
           <a:xfrm>
-            <a:off x="498190" y="908720"/>
-            <a:ext cx="8106258" cy="5328592"/>
+            <a:off x="498190" y="1340768"/>
+            <a:ext cx="8106258" cy="5112568"/>
           </a:xfrm>
         </p:spPr>
         <p:txBody>
           <a:bodyPr anchor="ctr">
-            <a:normAutofit/>
+            <a:noAutofit/>
           </a:bodyPr>
           <a:lstStyle/>
           <a:p>
@@ -6515,7 +5794,17 @@
               </a:lnSpc>
             </a:pPr>
             <a:r>
-              <a:rPr lang="ru-RU" sz="2400" dirty="0">
+              <a:rPr lang="ru-RU" sz="1800" b="1" dirty="0">
+                <a:solidFill>
+                  <a:schemeClr val="tx1"/>
+                </a:solidFill>
+                <a:latin typeface="Arial" panose="020B0604020202020204" pitchFamily="34" charset="0"/>
+                <a:cs typeface="Arial" panose="020B0604020202020204" pitchFamily="34" charset="0"/>
+              </a:rPr>
+              <a:t>	Цель работы: </a:t>
+            </a:r>
+            <a:r>
+              <a:rPr lang="ru-RU" sz="1800" dirty="0">
                 <a:solidFill>
                   <a:schemeClr val="tx1"/>
                 </a:solidFill>
@@ -6524,7 +5813,135 @@
                 <a:ea typeface="Times New Roman" panose="02020603050405020304" pitchFamily="18" charset="0"/>
                 <a:cs typeface="Arial" panose="020B0604020202020204" pitchFamily="34" charset="0"/>
               </a:rPr>
-              <a:t>Объектом исследования в работе является процесс предоставления и получения информации о качестве услуг автосервисов в различных городах России.</a:t>
+              <a:t>обеспечение пользователей всей необходимой и актуальной информацией для принятия обоснованных решений при выборе автосервиса в различных городах России.</a:t>
+            </a:r>
+          </a:p>
+          <a:p>
+            <a:pPr algn="just"/>
+            <a:endParaRPr lang="ru-RU" sz="1800" dirty="0">
+              <a:solidFill>
+                <a:schemeClr val="tx1"/>
+              </a:solidFill>
+              <a:latin typeface="Arial" panose="020B0604020202020204" pitchFamily="34" charset="0"/>
+              <a:cs typeface="Arial" panose="020B0604020202020204" pitchFamily="34" charset="0"/>
+            </a:endParaRPr>
+          </a:p>
+          <a:p>
+            <a:pPr algn="just"/>
+            <a:r>
+              <a:rPr lang="ru-RU" sz="1800" b="1" dirty="0">
+                <a:solidFill>
+                  <a:schemeClr val="tx1"/>
+                </a:solidFill>
+                <a:latin typeface="Arial" panose="020B0604020202020204" pitchFamily="34" charset="0"/>
+                <a:cs typeface="Arial" panose="020B0604020202020204" pitchFamily="34" charset="0"/>
+              </a:rPr>
+              <a:t>	Задачи:</a:t>
+            </a:r>
+          </a:p>
+          <a:p>
+            <a:pPr marL="342900" indent="-342900" algn="just">
+              <a:lnSpc>
+                <a:spcPct val="150000"/>
+              </a:lnSpc>
+              <a:buFont typeface="Arial" panose="020B0604020202020204" pitchFamily="34" charset="0"/>
+              <a:buChar char="•"/>
+            </a:pPr>
+            <a:r>
+              <a:rPr lang="ru-RU" sz="1800" dirty="0">
+                <a:solidFill>
+                  <a:schemeClr val="tx1"/>
+                </a:solidFill>
+                <a:effectLst/>
+                <a:latin typeface="Arial" panose="020B0604020202020204" pitchFamily="34" charset="0"/>
+                <a:ea typeface="Times New Roman" panose="02020603050405020304" pitchFamily="18" charset="0"/>
+                <a:cs typeface="Arial" panose="020B0604020202020204" pitchFamily="34" charset="0"/>
+              </a:rPr>
+              <a:t>произвести анализ предметной области;</a:t>
+            </a:r>
+          </a:p>
+          <a:p>
+            <a:pPr marL="342900" indent="-342900" algn="just">
+              <a:lnSpc>
+                <a:spcPct val="150000"/>
+              </a:lnSpc>
+              <a:buFont typeface="Arial" panose="020B0604020202020204" pitchFamily="34" charset="0"/>
+              <a:buChar char="•"/>
+            </a:pPr>
+            <a:r>
+              <a:rPr lang="ru-RU" sz="1800" dirty="0">
+                <a:solidFill>
+                  <a:schemeClr val="tx1"/>
+                </a:solidFill>
+                <a:effectLst/>
+                <a:latin typeface="Arial" panose="020B0604020202020204" pitchFamily="34" charset="0"/>
+                <a:ea typeface="Times New Roman" panose="02020603050405020304" pitchFamily="18" charset="0"/>
+                <a:cs typeface="Arial" panose="020B0604020202020204" pitchFamily="34" charset="0"/>
+              </a:rPr>
+              <a:t>произвести обзор существующих аналогов и выявить их основные преимущества и недостатки;</a:t>
+            </a:r>
+          </a:p>
+          <a:p>
+            <a:pPr marL="342900" indent="-342900" algn="just">
+              <a:lnSpc>
+                <a:spcPct val="150000"/>
+              </a:lnSpc>
+              <a:buFont typeface="Arial" panose="020B0604020202020204" pitchFamily="34" charset="0"/>
+              <a:buChar char="•"/>
+            </a:pPr>
+            <a:r>
+              <a:rPr lang="ru-RU" sz="1800" dirty="0">
+                <a:solidFill>
+                  <a:schemeClr val="tx1"/>
+                </a:solidFill>
+                <a:effectLst/>
+                <a:latin typeface="Arial" panose="020B0604020202020204" pitchFamily="34" charset="0"/>
+                <a:ea typeface="Times New Roman" panose="02020603050405020304" pitchFamily="18" charset="0"/>
+                <a:cs typeface="Arial" panose="020B0604020202020204" pitchFamily="34" charset="0"/>
+              </a:rPr>
+              <a:t>определить требования к разрабатываемому веб-сервису;</a:t>
+            </a:r>
+          </a:p>
+          <a:p>
+            <a:pPr marL="342900" indent="-342900" algn="just">
+              <a:lnSpc>
+                <a:spcPct val="150000"/>
+              </a:lnSpc>
+              <a:buFont typeface="Arial" panose="020B0604020202020204" pitchFamily="34" charset="0"/>
+              <a:buChar char="•"/>
+            </a:pPr>
+            <a:r>
+              <a:rPr lang="ru-RU" sz="1800" dirty="0">
+                <a:solidFill>
+                  <a:schemeClr val="tx1"/>
+                </a:solidFill>
+                <a:effectLst/>
+                <a:latin typeface="Arial" panose="020B0604020202020204" pitchFamily="34" charset="0"/>
+                <a:ea typeface="Times New Roman" panose="02020603050405020304" pitchFamily="18" charset="0"/>
+                <a:cs typeface="Arial" panose="020B0604020202020204" pitchFamily="34" charset="0"/>
+              </a:rPr>
+              <a:t>исходя из требований произвести проектирование базы данных;</a:t>
+            </a:r>
+          </a:p>
+          <a:p>
+            <a:pPr marL="342900" indent="-342900" algn="just">
+              <a:lnSpc>
+                <a:spcPct val="150000"/>
+              </a:lnSpc>
+              <a:buFont typeface="Arial" panose="020B0604020202020204" pitchFamily="34" charset="0"/>
+              <a:buChar char="•"/>
+            </a:pPr>
+            <a:r>
+              <a:rPr lang="ru-RU" sz="1800" dirty="0">
+                <a:solidFill>
+                  <a:schemeClr val="tx1"/>
+                </a:solidFill>
+                <a:effectLst/>
+                <a:latin typeface="Arial" panose="020B0604020202020204" pitchFamily="34" charset="0"/>
+                <a:ea typeface="Times New Roman" panose="02020603050405020304" pitchFamily="18" charset="0"/>
+                <a:cs typeface="Arial" panose="020B0604020202020204" pitchFamily="34" charset="0"/>
+              </a:rPr>
+              <a:t>протестировать разработанный веб-сервис и доказать его работоспособности и эффективность.</a:t>
             </a:r>
           </a:p>
         </p:txBody>
@@ -6532,7 +5949,7 @@
     </p:spTree>
     <p:extLst>
       <p:ext uri="{BB962C8B-B14F-4D97-AF65-F5344CB8AC3E}">
-        <p14:creationId xmlns:p14="http://schemas.microsoft.com/office/powerpoint/2010/main" val="4098215581"/>
+        <p14:creationId xmlns:p14="http://schemas.microsoft.com/office/powerpoint/2010/main" val="2550941481"/>
       </p:ext>
     </p:extLst>
   </p:cSld>
@@ -6583,7 +6000,7 @@
           <a:p>
             <a:r>
               <a:rPr lang="ru-RU" sz="3600" dirty="0"/>
-              <a:t>Предмет исследования</a:t>
+              <a:t>Объект и предмет исследования</a:t>
             </a:r>
           </a:p>
         </p:txBody>
@@ -6616,7 +6033,7 @@
               </a:lnSpc>
             </a:pPr>
             <a:r>
-              <a:rPr lang="ru-RU" sz="2400" dirty="0">
+              <a:rPr lang="ru-RU" sz="2400" b="1" dirty="0">
                 <a:solidFill>
                   <a:schemeClr val="tx1"/>
                 </a:solidFill>
@@ -6625,7 +6042,58 @@
                 <a:ea typeface="Times New Roman" panose="02020603050405020304" pitchFamily="18" charset="0"/>
                 <a:cs typeface="Arial" panose="020B0604020202020204" pitchFamily="34" charset="0"/>
               </a:rPr>
-              <a:t>Предметом исследования является разработка веб-сервиса, который обеспечивает сбор, систематизацию, визуализацию и доступ к данным о рейтингах и отзывах автосервисов.</a:t>
+              <a:t>Объектом исследования </a:t>
+            </a:r>
+            <a:r>
+              <a:rPr lang="ru-RU" sz="2400" dirty="0">
+                <a:solidFill>
+                  <a:schemeClr val="tx1"/>
+                </a:solidFill>
+                <a:effectLst/>
+                <a:latin typeface="Arial" panose="020B0604020202020204" pitchFamily="34" charset="0"/>
+                <a:ea typeface="Times New Roman" panose="02020603050405020304" pitchFamily="18" charset="0"/>
+                <a:cs typeface="Arial" panose="020B0604020202020204" pitchFamily="34" charset="0"/>
+              </a:rPr>
+              <a:t>в работе является процесс предоставления и получения информации о качестве услуг автосервисов в различных городах России.</a:t>
+            </a:r>
+            <a:endParaRPr lang="en-US" sz="2400" dirty="0">
+              <a:solidFill>
+                <a:schemeClr val="tx1"/>
+              </a:solidFill>
+              <a:latin typeface="Arial" panose="020B0604020202020204" pitchFamily="34" charset="0"/>
+              <a:ea typeface="Times New Roman" panose="02020603050405020304" pitchFamily="18" charset="0"/>
+              <a:cs typeface="Arial" panose="020B0604020202020204" pitchFamily="34" charset="0"/>
+            </a:endParaRPr>
+          </a:p>
+          <a:p>
+            <a:pPr indent="450215" algn="just">
+              <a:lnSpc>
+                <a:spcPct val="150000"/>
+              </a:lnSpc>
+            </a:pPr>
+            <a:r>
+              <a:rPr lang="ru-RU" sz="2400" b="1" dirty="0">
+                <a:solidFill>
+                  <a:schemeClr val="tx1"/>
+                </a:solidFill>
+                <a:effectLst/>
+                <a:latin typeface="Arial" panose="020B0604020202020204" pitchFamily="34" charset="0"/>
+                <a:ea typeface="Times New Roman" panose="02020603050405020304" pitchFamily="18" charset="0"/>
+                <a:cs typeface="Arial" panose="020B0604020202020204" pitchFamily="34" charset="0"/>
+              </a:rPr>
+              <a:t>Предметом исследования </a:t>
+            </a:r>
+            <a:r>
+              <a:rPr lang="ru-RU" sz="2400" dirty="0">
+                <a:solidFill>
+                  <a:schemeClr val="tx1"/>
+                </a:solidFill>
+                <a:effectLst/>
+                <a:latin typeface="Arial" panose="020B0604020202020204" pitchFamily="34" charset="0"/>
+                <a:ea typeface="Times New Roman" panose="02020603050405020304" pitchFamily="18" charset="0"/>
+                <a:cs typeface="Arial" panose="020B0604020202020204" pitchFamily="34" charset="0"/>
+              </a:rPr>
+              <a:t>является разработка веб-сервиса, который обеспечивает сбор, систематизацию, визуализацию и доступ к данным о рейтингах и отзывах автосервисов.</a:t>
             </a:r>
           </a:p>
         </p:txBody>
@@ -6706,7 +6174,7 @@
           </a:xfrm>
         </p:spPr>
         <p:txBody>
-          <a:bodyPr anchor="ctr">
+          <a:bodyPr anchor="t">
             <a:normAutofit/>
           </a:bodyPr>
           <a:lstStyle/>
@@ -6722,31 +6190,22 @@
                   <a:schemeClr val="tx1"/>
                 </a:solidFill>
                 <a:latin typeface="Arial" panose="020B0604020202020204" pitchFamily="34" charset="0"/>
-                <a:ea typeface="Times New Roman" panose="02020603050405020304" pitchFamily="18" charset="0"/>
                 <a:cs typeface="Arial" panose="020B0604020202020204" pitchFamily="34" charset="0"/>
               </a:rPr>
               <a:t>В</a:t>
             </a:r>
             <a:r>
-              <a:rPr lang="ru-RU" sz="2000" dirty="0">
+              <a:rPr lang="ru-RU" sz="2000" b="0" i="0" dirty="0">
                 <a:solidFill>
                   <a:schemeClr val="tx1"/>
                 </a:solidFill>
                 <a:effectLst/>
                 <a:latin typeface="Arial" panose="020B0604020202020204" pitchFamily="34" charset="0"/>
-                <a:ea typeface="Times New Roman" panose="02020603050405020304" pitchFamily="18" charset="0"/>
                 <a:cs typeface="Arial" panose="020B0604020202020204" pitchFamily="34" charset="0"/>
               </a:rPr>
-              <a:t>еб-сервис предоставляет инструмент для получения объективной информации о качестве и надежности автосервисов.</a:t>
-            </a:r>
-          </a:p>
-          <a:p>
-            <a:pPr indent="450215" algn="just">
-              <a:lnSpc>
-                <a:spcPct val="150000"/>
-              </a:lnSpc>
-            </a:pPr>
-            <a:endParaRPr lang="ru-RU" sz="2000" dirty="0">
+              <a:t>еб-сервис предоставит пользователям удобный и надежный инструмент для получения объективной информации о качестве и надежности автосервисов. Это позволит потребителям принимать более обоснованные решения при выборе сервиса, основываясь на реальных отзывах и оценках других клиентов.</a:t>
+            </a:r>
+            <a:endParaRPr lang="ru-RU" sz="3600" dirty="0">
               <a:solidFill>
                 <a:schemeClr val="tx1"/>
               </a:solidFill>
@@ -6755,66 +6214,6 @@
               <a:ea typeface="Times New Roman" panose="02020603050405020304" pitchFamily="18" charset="0"/>
               <a:cs typeface="Arial" panose="020B0604020202020204" pitchFamily="34" charset="0"/>
             </a:endParaRPr>
-          </a:p>
-          <a:p>
-            <a:pPr indent="450215" algn="just">
-              <a:lnSpc>
-                <a:spcPct val="150000"/>
-              </a:lnSpc>
-            </a:pPr>
-            <a:r>
-              <a:rPr lang="ru-RU" sz="2000" dirty="0">
-                <a:solidFill>
-                  <a:schemeClr val="tx1"/>
-                </a:solidFill>
-                <a:latin typeface="Arial" panose="020B0604020202020204" pitchFamily="34" charset="0"/>
-                <a:ea typeface="Times New Roman" panose="02020603050405020304" pitchFamily="18" charset="0"/>
-                <a:cs typeface="Arial" panose="020B0604020202020204" pitchFamily="34" charset="0"/>
-              </a:rPr>
-              <a:t>Как итог: </a:t>
-            </a:r>
-          </a:p>
-          <a:p>
-            <a:pPr marL="285750" indent="-285750" algn="just">
-              <a:lnSpc>
-                <a:spcPct val="150000"/>
-              </a:lnSpc>
-              <a:buFont typeface="Arial" panose="020B0604020202020204" pitchFamily="34" charset="0"/>
-              <a:buChar char="•"/>
-            </a:pPr>
-            <a:r>
-              <a:rPr lang="ru-RU" sz="2000" dirty="0">
-                <a:solidFill>
-                  <a:schemeClr val="tx1"/>
-                </a:solidFill>
-                <a:effectLst/>
-                <a:latin typeface="Arial" panose="020B0604020202020204" pitchFamily="34" charset="0"/>
-                <a:ea typeface="Times New Roman" panose="02020603050405020304" pitchFamily="18" charset="0"/>
-                <a:cs typeface="Arial" panose="020B0604020202020204" pitchFamily="34" charset="0"/>
-              </a:rPr>
-              <a:t>Более обоснованные решения пользователей при выборе сервиса на основе реальных отзывов и оценок.</a:t>
-            </a:r>
-          </a:p>
-          <a:p>
-            <a:pPr marL="285750" indent="-285750" algn="just">
-              <a:lnSpc>
-                <a:spcPct val="150000"/>
-              </a:lnSpc>
-              <a:buFont typeface="Arial" panose="020B0604020202020204" pitchFamily="34" charset="0"/>
-              <a:buChar char="•"/>
-            </a:pPr>
-            <a:r>
-              <a:rPr lang="ru-RU" sz="2000" dirty="0">
-                <a:solidFill>
-                  <a:schemeClr val="tx1"/>
-                </a:solidFill>
-                <a:effectLst/>
-                <a:latin typeface="Arial" panose="020B0604020202020204" pitchFamily="34" charset="0"/>
-                <a:ea typeface="Times New Roman" panose="02020603050405020304" pitchFamily="18" charset="0"/>
-                <a:cs typeface="Arial" panose="020B0604020202020204" pitchFamily="34" charset="0"/>
-              </a:rPr>
-              <a:t>Стремление предприятий к повышению качества обслуживания и уровня сервиса.</a:t>
-            </a:r>
           </a:p>
         </p:txBody>
       </p:sp>
@@ -6866,170 +6265,6 @@
         </p:spPr>
         <p:txBody>
           <a:bodyPr>
-            <a:noAutofit/>
-          </a:bodyPr>
-          <a:lstStyle/>
-          <a:p>
-            <a:r>
-              <a:rPr lang="ru-RU" sz="3600" dirty="0"/>
-              <a:t>Описание проблемы</a:t>
-            </a:r>
-          </a:p>
-        </p:txBody>
-      </p:sp>
-      <p:sp>
-        <p:nvSpPr>
-          <p:cNvPr id="3" name="Подзаголовок 2"/>
-          <p:cNvSpPr>
-            <a:spLocks noGrp="1"/>
-          </p:cNvSpPr>
-          <p:nvPr>
-            <p:ph type="subTitle" idx="1"/>
-          </p:nvPr>
-        </p:nvSpPr>
-        <p:spPr>
-          <a:xfrm>
-            <a:off x="498190" y="1340768"/>
-            <a:ext cx="8106258" cy="4896544"/>
-          </a:xfrm>
-        </p:spPr>
-        <p:txBody>
-          <a:bodyPr anchor="ctr">
-            <a:normAutofit/>
-          </a:bodyPr>
-          <a:lstStyle/>
-          <a:p>
-            <a:pPr algn="l"/>
-            <a:r>
-              <a:rPr lang="ru-RU" sz="2400" dirty="0">
-                <a:solidFill>
-                  <a:srgbClr val="000000"/>
-                </a:solidFill>
-                <a:latin typeface="Arial" panose="020B0604020202020204" pitchFamily="34" charset="0"/>
-                <a:cs typeface="Arial" panose="020B0604020202020204" pitchFamily="34" charset="0"/>
-              </a:rPr>
-              <a:t>М</a:t>
-            </a:r>
-            <a:r>
-              <a:rPr lang="ru-RU" sz="2400" b="0" i="0" dirty="0">
-                <a:solidFill>
-                  <a:srgbClr val="000000"/>
-                </a:solidFill>
-                <a:effectLst/>
-                <a:latin typeface="Arial" panose="020B0604020202020204" pitchFamily="34" charset="0"/>
-                <a:cs typeface="Arial" panose="020B0604020202020204" pitchFamily="34" charset="0"/>
-              </a:rPr>
-              <a:t>ногие владельцы автосервисов могут создавать фейковые отзывы или платить третьим лицам за написание положительных отзывов о своих услугах.</a:t>
-            </a:r>
-            <a:endParaRPr lang="en-US" sz="2400" b="0" i="0" dirty="0">
-              <a:solidFill>
-                <a:srgbClr val="000000"/>
-              </a:solidFill>
-              <a:effectLst/>
-              <a:latin typeface="Arial" panose="020B0604020202020204" pitchFamily="34" charset="0"/>
-              <a:cs typeface="Arial" panose="020B0604020202020204" pitchFamily="34" charset="0"/>
-            </a:endParaRPr>
-          </a:p>
-          <a:p>
-            <a:pPr algn="l"/>
-            <a:r>
-              <a:rPr lang="ru-RU" sz="2400" b="0" i="0" dirty="0">
-                <a:solidFill>
-                  <a:srgbClr val="000000"/>
-                </a:solidFill>
-                <a:effectLst/>
-                <a:latin typeface="Arial" panose="020B0604020202020204" pitchFamily="34" charset="0"/>
-                <a:cs typeface="Arial" panose="020B0604020202020204" pitchFamily="34" charset="0"/>
-              </a:rPr>
-              <a:t> </a:t>
-            </a:r>
-            <a:br>
-              <a:rPr lang="ru-RU" sz="2400" dirty="0">
-                <a:latin typeface="Arial" panose="020B0604020202020204" pitchFamily="34" charset="0"/>
-                <a:cs typeface="Arial" panose="020B0604020202020204" pitchFamily="34" charset="0"/>
-              </a:rPr>
-            </a:br>
-            <a:r>
-              <a:rPr lang="ru-RU" sz="2400" dirty="0">
-                <a:solidFill>
-                  <a:schemeClr val="tx1"/>
-                </a:solidFill>
-                <a:latin typeface="Arial" panose="020B0604020202020204" pitchFamily="34" charset="0"/>
-                <a:cs typeface="Arial" panose="020B0604020202020204" pitchFamily="34" charset="0"/>
-              </a:rPr>
-              <a:t>В России нет полноценных платформ</a:t>
-            </a:r>
-            <a:r>
-              <a:rPr lang="en-US" sz="2400" dirty="0">
-                <a:solidFill>
-                  <a:schemeClr val="tx1"/>
-                </a:solidFill>
-                <a:latin typeface="Arial" panose="020B0604020202020204" pitchFamily="34" charset="0"/>
-                <a:cs typeface="Arial" panose="020B0604020202020204" pitchFamily="34" charset="0"/>
-              </a:rPr>
-              <a:t>, </a:t>
-            </a:r>
-            <a:r>
-              <a:rPr lang="ru-RU" sz="2400" dirty="0">
-                <a:solidFill>
-                  <a:schemeClr val="tx1"/>
-                </a:solidFill>
-                <a:latin typeface="Arial" panose="020B0604020202020204" pitchFamily="34" charset="0"/>
-                <a:cs typeface="Arial" panose="020B0604020202020204" pitchFamily="34" charset="0"/>
-              </a:rPr>
-              <a:t>на которых можно сравнивать рейтинги и информацию различных автосервисов. </a:t>
-            </a:r>
-          </a:p>
-        </p:txBody>
-      </p:sp>
-    </p:spTree>
-    <p:extLst>
-      <p:ext uri="{BB962C8B-B14F-4D97-AF65-F5344CB8AC3E}">
-        <p14:creationId xmlns:p14="http://schemas.microsoft.com/office/powerpoint/2010/main" val="2081038248"/>
-      </p:ext>
-    </p:extLst>
-  </p:cSld>
-  <p:clrMapOvr>
-    <a:masterClrMapping/>
-  </p:clrMapOvr>
-</p:sld>
-</file>
-
-<file path=ppt/slides/slide8.xml><?xml version="1.0" encoding="utf-8"?>
-<p:sld xmlns:a="http://schemas.openxmlformats.org/drawingml/2006/main" xmlns:r="http://schemas.openxmlformats.org/officeDocument/2006/relationships" xmlns:p="http://schemas.openxmlformats.org/presentationml/2006/main">
-  <p:cSld>
-    <p:spTree>
-      <p:nvGrpSpPr>
-        <p:cNvPr id="1" name=""/>
-        <p:cNvGrpSpPr/>
-        <p:nvPr/>
-      </p:nvGrpSpPr>
-      <p:grpSpPr>
-        <a:xfrm>
-          <a:off x="0" y="0"/>
-          <a:ext cx="0" cy="0"/>
-          <a:chOff x="0" y="0"/>
-          <a:chExt cx="0" cy="0"/>
-        </a:xfrm>
-      </p:grpSpPr>
-      <p:sp>
-        <p:nvSpPr>
-          <p:cNvPr id="2" name="Заголовок 1"/>
-          <p:cNvSpPr>
-            <a:spLocks noGrp="1"/>
-          </p:cNvSpPr>
-          <p:nvPr>
-            <p:ph type="ctrTitle"/>
-          </p:nvPr>
-        </p:nvSpPr>
-        <p:spPr>
-          <a:xfrm>
-            <a:off x="467544" y="188640"/>
-            <a:ext cx="8136904" cy="648071"/>
-          </a:xfrm>
-        </p:spPr>
-        <p:txBody>
-          <a:bodyPr>
             <a:normAutofit fontScale="90000"/>
           </a:bodyPr>
           <a:lstStyle/>
@@ -7063,46 +6298,6 @@
           </a:bodyPr>
           <a:lstStyle/>
           <a:p>
-            <a:r>
-              <a:rPr lang="ru-RU" altLang="en-US" sz="2000" dirty="0">
-                <a:solidFill>
-                  <a:schemeClr val="tx1"/>
-                </a:solidFill>
-                <a:latin typeface="Arial" panose="020B0604020202020204" pitchFamily="34" charset="0"/>
-                <a:cs typeface="Arial" panose="020B0604020202020204" pitchFamily="34" charset="0"/>
-              </a:rPr>
-              <a:t>Схема </a:t>
-            </a:r>
-            <a:r>
-              <a:rPr lang="en-US" altLang="en-US" sz="2000" dirty="0">
-                <a:solidFill>
-                  <a:schemeClr val="tx1"/>
-                </a:solidFill>
-                <a:latin typeface="Arial" panose="020B0604020202020204" pitchFamily="34" charset="0"/>
-                <a:cs typeface="Arial" panose="020B0604020202020204" pitchFamily="34" charset="0"/>
-              </a:rPr>
-              <a:t>1</a:t>
-            </a:r>
-            <a:r>
-              <a:rPr lang="ru-RU" altLang="en-US" sz="2000" dirty="0">
-                <a:solidFill>
-                  <a:schemeClr val="tx1"/>
-                </a:solidFill>
-                <a:latin typeface="Arial" panose="020B0604020202020204" pitchFamily="34" charset="0"/>
-                <a:cs typeface="Arial" panose="020B0604020202020204" pitchFamily="34" charset="0"/>
-              </a:rPr>
-              <a:t>. </a:t>
-            </a:r>
-            <a:r>
-              <a:rPr lang="en-US" altLang="en-US" sz="2000" dirty="0">
-                <a:solidFill>
-                  <a:schemeClr val="tx1"/>
-                </a:solidFill>
-                <a:latin typeface="Arial" panose="020B0604020202020204" pitchFamily="34" charset="0"/>
-                <a:cs typeface="Arial" panose="020B0604020202020204" pitchFamily="34" charset="0"/>
-              </a:rPr>
-              <a:t>idef0 as is</a:t>
-            </a:r>
             <a:endParaRPr lang="ru-RU" sz="2000" dirty="0"/>
           </a:p>
         </p:txBody>
@@ -7150,7 +6345,7 @@
 </p:sld>
 </file>
 
-<file path=ppt/slides/slide9.xml><?xml version="1.0" encoding="utf-8"?>
+<file path=ppt/slides/slide8.xml><?xml version="1.0" encoding="utf-8"?>
 <p:sld xmlns:a="http://schemas.openxmlformats.org/drawingml/2006/main" xmlns:r="http://schemas.openxmlformats.org/officeDocument/2006/relationships" xmlns:p="http://schemas.openxmlformats.org/presentationml/2006/main">
   <p:cSld>
     <p:spTree>
@@ -7208,7 +6403,7 @@
         </p:nvSpPr>
         <p:spPr>
           <a:xfrm>
-            <a:off x="516934" y="4839681"/>
+            <a:off x="518871" y="4869160"/>
             <a:ext cx="8106258" cy="792088"/>
           </a:xfrm>
         </p:spPr>
@@ -7218,26 +6413,6 @@
           </a:bodyPr>
           <a:lstStyle/>
           <a:p>
-            <a:r>
-              <a:rPr lang="ru-RU" altLang="en-US" sz="2000" dirty="0">
-                <a:solidFill>
-                  <a:schemeClr val="tx1"/>
-                </a:solidFill>
-                <a:latin typeface="Arial" panose="020B0604020202020204" pitchFamily="34" charset="0"/>
-                <a:cs typeface="Arial" panose="020B0604020202020204" pitchFamily="34" charset="0"/>
-              </a:rPr>
-              <a:t>Схема 2. </a:t>
-            </a:r>
-            <a:r>
-              <a:rPr lang="en-US" altLang="en-US" sz="2000" dirty="0">
-                <a:solidFill>
-                  <a:schemeClr val="tx1"/>
-                </a:solidFill>
-                <a:latin typeface="Arial" panose="020B0604020202020204" pitchFamily="34" charset="0"/>
-                <a:cs typeface="Arial" panose="020B0604020202020204" pitchFamily="34" charset="0"/>
-              </a:rPr>
-              <a:t>idef0 to be</a:t>
-            </a:r>
             <a:endParaRPr lang="ru-RU" altLang="en-US" sz="2000" dirty="0">
               <a:solidFill>
                 <a:schemeClr val="tx1"/>
@@ -7282,6 +6457,271 @@
     <p:extLst>
       <p:ext uri="{BB962C8B-B14F-4D97-AF65-F5344CB8AC3E}">
         <p14:creationId xmlns:p14="http://schemas.microsoft.com/office/powerpoint/2010/main" val="3514561471"/>
+      </p:ext>
+    </p:extLst>
+  </p:cSld>
+  <p:clrMapOvr>
+    <a:masterClrMapping/>
+  </p:clrMapOvr>
+</p:sld>
+</file>
+
+<file path=ppt/slides/slide9.xml><?xml version="1.0" encoding="utf-8"?>
+<p:sld xmlns:a="http://schemas.openxmlformats.org/drawingml/2006/main" xmlns:r="http://schemas.openxmlformats.org/officeDocument/2006/relationships" xmlns:p="http://schemas.openxmlformats.org/presentationml/2006/main">
+  <p:cSld>
+    <p:spTree>
+      <p:nvGrpSpPr>
+        <p:cNvPr id="1" name=""/>
+        <p:cNvGrpSpPr/>
+        <p:nvPr/>
+      </p:nvGrpSpPr>
+      <p:grpSpPr>
+        <a:xfrm>
+          <a:off x="0" y="0"/>
+          <a:ext cx="0" cy="0"/>
+          <a:chOff x="0" y="0"/>
+          <a:chExt cx="0" cy="0"/>
+        </a:xfrm>
+      </p:grpSpPr>
+      <p:sp>
+        <p:nvSpPr>
+          <p:cNvPr id="2" name="Заголовок 1"/>
+          <p:cNvSpPr>
+            <a:spLocks noGrp="1"/>
+          </p:cNvSpPr>
+          <p:nvPr>
+            <p:ph type="ctrTitle"/>
+          </p:nvPr>
+        </p:nvSpPr>
+        <p:spPr>
+          <a:xfrm>
+            <a:off x="467544" y="188640"/>
+            <a:ext cx="8136904" cy="648071"/>
+          </a:xfrm>
+        </p:spPr>
+        <p:txBody>
+          <a:bodyPr>
+            <a:normAutofit/>
+          </a:bodyPr>
+          <a:lstStyle/>
+          <a:p>
+            <a:r>
+              <a:rPr lang="ru-RU" sz="3600" dirty="0"/>
+              <a:t>Обзор аналогов</a:t>
+            </a:r>
+          </a:p>
+        </p:txBody>
+      </p:sp>
+      <p:sp>
+        <p:nvSpPr>
+          <p:cNvPr id="3" name="Подзаголовок 2"/>
+          <p:cNvSpPr>
+            <a:spLocks noGrp="1"/>
+          </p:cNvSpPr>
+          <p:nvPr>
+            <p:ph type="subTitle" idx="1"/>
+          </p:nvPr>
+        </p:nvSpPr>
+        <p:spPr>
+          <a:xfrm>
+            <a:off x="498190" y="1340768"/>
+            <a:ext cx="8106258" cy="4896544"/>
+          </a:xfrm>
+        </p:spPr>
+        <p:txBody>
+          <a:bodyPr anchor="t">
+            <a:normAutofit/>
+          </a:bodyPr>
+          <a:lstStyle/>
+          <a:p>
+            <a:pPr algn="l"/>
+            <a:r>
+              <a:rPr lang="ru-RU" sz="2300" dirty="0">
+                <a:solidFill>
+                  <a:schemeClr val="tx1"/>
+                </a:solidFill>
+                <a:latin typeface="Arial" panose="020B0604020202020204" pitchFamily="34" charset="0"/>
+                <a:cs typeface="Arial" panose="020B0604020202020204" pitchFamily="34" charset="0"/>
+              </a:rPr>
+              <a:t>Критерии сравнения:</a:t>
+            </a:r>
+          </a:p>
+          <a:p>
+            <a:pPr indent="449580" algn="just">
+              <a:lnSpc>
+                <a:spcPct val="150000"/>
+              </a:lnSpc>
+            </a:pPr>
+            <a:r>
+              <a:rPr lang="ru-RU" sz="2300" dirty="0">
+                <a:solidFill>
+                  <a:schemeClr val="tx1"/>
+                </a:solidFill>
+                <a:effectLst/>
+                <a:latin typeface="Arial" panose="020B0604020202020204" pitchFamily="34" charset="0"/>
+                <a:ea typeface="Times New Roman" panose="02020603050405020304" pitchFamily="18" charset="0"/>
+                <a:cs typeface="Arial" panose="020B0604020202020204" pitchFamily="34" charset="0"/>
+              </a:rPr>
+              <a:t>1. Удобство использования</a:t>
+            </a:r>
+          </a:p>
+          <a:p>
+            <a:pPr indent="449580" algn="just">
+              <a:lnSpc>
+                <a:spcPct val="150000"/>
+              </a:lnSpc>
+            </a:pPr>
+            <a:r>
+              <a:rPr lang="ru-RU" sz="2300" dirty="0">
+                <a:solidFill>
+                  <a:schemeClr val="tx1"/>
+                </a:solidFill>
+                <a:effectLst/>
+                <a:latin typeface="Arial" panose="020B0604020202020204" pitchFamily="34" charset="0"/>
+                <a:ea typeface="Times New Roman" panose="02020603050405020304" pitchFamily="18" charset="0"/>
+                <a:cs typeface="Arial" panose="020B0604020202020204" pitchFamily="34" charset="0"/>
+              </a:rPr>
+              <a:t>2. Доступность и актуальность данных</a:t>
+            </a:r>
+          </a:p>
+          <a:p>
+            <a:pPr indent="449580" algn="just">
+              <a:lnSpc>
+                <a:spcPct val="150000"/>
+              </a:lnSpc>
+            </a:pPr>
+            <a:r>
+              <a:rPr lang="ru-RU" sz="2300" dirty="0">
+                <a:solidFill>
+                  <a:schemeClr val="tx1"/>
+                </a:solidFill>
+                <a:effectLst/>
+                <a:latin typeface="Arial" panose="020B0604020202020204" pitchFamily="34" charset="0"/>
+                <a:ea typeface="Times New Roman" panose="02020603050405020304" pitchFamily="18" charset="0"/>
+                <a:cs typeface="Arial" panose="020B0604020202020204" pitchFamily="34" charset="0"/>
+              </a:rPr>
+              <a:t>3. Возможности фильтрации и сортировки</a:t>
+            </a:r>
+          </a:p>
+          <a:p>
+            <a:pPr indent="449580" algn="just">
+              <a:lnSpc>
+                <a:spcPct val="150000"/>
+              </a:lnSpc>
+            </a:pPr>
+            <a:r>
+              <a:rPr lang="ru-RU" sz="2300" dirty="0">
+                <a:solidFill>
+                  <a:schemeClr val="tx1"/>
+                </a:solidFill>
+                <a:effectLst/>
+                <a:latin typeface="Arial" panose="020B0604020202020204" pitchFamily="34" charset="0"/>
+                <a:ea typeface="Times New Roman" panose="02020603050405020304" pitchFamily="18" charset="0"/>
+                <a:cs typeface="Arial" panose="020B0604020202020204" pitchFamily="34" charset="0"/>
+              </a:rPr>
+              <a:t>4. Возможность оставлять отзывы и ставить рейтинги</a:t>
+            </a:r>
+          </a:p>
+          <a:p>
+            <a:pPr indent="449580" algn="just">
+              <a:lnSpc>
+                <a:spcPct val="150000"/>
+              </a:lnSpc>
+            </a:pPr>
+            <a:r>
+              <a:rPr lang="ru-RU" sz="2300" dirty="0">
+                <a:solidFill>
+                  <a:schemeClr val="tx1"/>
+                </a:solidFill>
+                <a:effectLst/>
+                <a:latin typeface="Arial" panose="020B0604020202020204" pitchFamily="34" charset="0"/>
+                <a:ea typeface="Times New Roman" panose="02020603050405020304" pitchFamily="18" charset="0"/>
+                <a:cs typeface="Arial" panose="020B0604020202020204" pitchFamily="34" charset="0"/>
+              </a:rPr>
+              <a:t>5. Качество отзывов и рейтингов:</a:t>
+            </a:r>
+          </a:p>
+          <a:p>
+            <a:pPr indent="449580" algn="just">
+              <a:lnSpc>
+                <a:spcPct val="150000"/>
+              </a:lnSpc>
+            </a:pPr>
+            <a:r>
+              <a:rPr lang="ru-RU" sz="2300" dirty="0">
+                <a:solidFill>
+                  <a:schemeClr val="tx1"/>
+                </a:solidFill>
+                <a:latin typeface="Arial" panose="020B0604020202020204" pitchFamily="34" charset="0"/>
+                <a:ea typeface="Times New Roman" panose="02020603050405020304" pitchFamily="18" charset="0"/>
+                <a:cs typeface="Arial" panose="020B0604020202020204" pitchFamily="34" charset="0"/>
+              </a:rPr>
+              <a:t>6</a:t>
+            </a:r>
+            <a:r>
+              <a:rPr lang="ru-RU" sz="2300" dirty="0">
+                <a:solidFill>
+                  <a:schemeClr val="tx1"/>
+                </a:solidFill>
+                <a:effectLst/>
+                <a:latin typeface="Arial" panose="020B0604020202020204" pitchFamily="34" charset="0"/>
+                <a:ea typeface="Times New Roman" panose="02020603050405020304" pitchFamily="18" charset="0"/>
+                <a:cs typeface="Arial" panose="020B0604020202020204" pitchFamily="34" charset="0"/>
+              </a:rPr>
+              <a:t>. Геолокационные функции</a:t>
+            </a:r>
+          </a:p>
+          <a:p>
+            <a:pPr indent="449580" algn="just">
+              <a:lnSpc>
+                <a:spcPct val="150000"/>
+              </a:lnSpc>
+            </a:pPr>
+            <a:r>
+              <a:rPr lang="ru-RU" sz="2300" dirty="0">
+                <a:solidFill>
+                  <a:schemeClr val="tx1"/>
+                </a:solidFill>
+                <a:latin typeface="Arial" panose="020B0604020202020204" pitchFamily="34" charset="0"/>
+                <a:ea typeface="Times New Roman" panose="02020603050405020304" pitchFamily="18" charset="0"/>
+                <a:cs typeface="Arial" panose="020B0604020202020204" pitchFamily="34" charset="0"/>
+              </a:rPr>
+              <a:t>7</a:t>
+            </a:r>
+            <a:r>
+              <a:rPr lang="ru-RU" sz="2300" dirty="0">
+                <a:solidFill>
+                  <a:schemeClr val="tx1"/>
+                </a:solidFill>
+                <a:effectLst/>
+                <a:latin typeface="Arial" panose="020B0604020202020204" pitchFamily="34" charset="0"/>
+                <a:ea typeface="Times New Roman" panose="02020603050405020304" pitchFamily="18" charset="0"/>
+                <a:cs typeface="Arial" panose="020B0604020202020204" pitchFamily="34" charset="0"/>
+              </a:rPr>
+              <a:t>. Сравнение рейтингов</a:t>
+            </a:r>
+          </a:p>
+          <a:p>
+            <a:endParaRPr lang="ru-RU" dirty="0">
+              <a:solidFill>
+                <a:schemeClr val="tx1"/>
+              </a:solidFill>
+            </a:endParaRPr>
+          </a:p>
+          <a:p>
+            <a:pPr algn="l"/>
+            <a:endParaRPr lang="ru-RU" sz="2800" dirty="0">
+              <a:solidFill>
+                <a:schemeClr val="tx1"/>
+              </a:solidFill>
+            </a:endParaRPr>
+          </a:p>
+        </p:txBody>
+      </p:sp>
+    </p:spTree>
+    <p:extLst>
+      <p:ext uri="{BB962C8B-B14F-4D97-AF65-F5344CB8AC3E}">
+        <p14:creationId xmlns:p14="http://schemas.microsoft.com/office/powerpoint/2010/main" val="3213516774"/>
       </p:ext>
     </p:extLst>
   </p:cSld>

--- a/Documentation/My documentation/Predzashita_Gailevich.pptx
+++ b/Documentation/My documentation/Predzashita_Gailevich.pptx
@@ -4,6 +4,9 @@
   <p:sldMasterIdLst>
     <p:sldMasterId id="2147483648" r:id="rId1"/>
   </p:sldMasterIdLst>
+  <p:notesMasterIdLst>
+    <p:notesMasterId r:id="rId18"/>
+  </p:notesMasterIdLst>
   <p:sldIdLst>
     <p:sldId id="270" r:id="rId2"/>
     <p:sldId id="257" r:id="rId3"/>
@@ -138,6 +141,355 @@
 </p:presentation>
 </file>
 
+<file path=ppt/notesMasters/notesMaster1.xml><?xml version="1.0" encoding="utf-8"?>
+<p:notesMaster xmlns:a="http://schemas.openxmlformats.org/drawingml/2006/main" xmlns:r="http://schemas.openxmlformats.org/officeDocument/2006/relationships" xmlns:p="http://schemas.openxmlformats.org/presentationml/2006/main">
+  <p:cSld>
+    <p:bg>
+      <p:bgRef idx="1001">
+        <a:schemeClr val="bg1"/>
+      </p:bgRef>
+    </p:bg>
+    <p:spTree>
+      <p:nvGrpSpPr>
+        <p:cNvPr id="1" name=""/>
+        <p:cNvGrpSpPr/>
+        <p:nvPr/>
+      </p:nvGrpSpPr>
+      <p:grpSpPr>
+        <a:xfrm>
+          <a:off x="0" y="0"/>
+          <a:ext cx="0" cy="0"/>
+          <a:chOff x="0" y="0"/>
+          <a:chExt cx="0" cy="0"/>
+        </a:xfrm>
+      </p:grpSpPr>
+      <p:sp>
+        <p:nvSpPr>
+          <p:cNvPr id="2" name="Верхний колонтитул 1"/>
+          <p:cNvSpPr>
+            <a:spLocks noGrp="1"/>
+          </p:cNvSpPr>
+          <p:nvPr>
+            <p:ph type="hdr" sz="quarter"/>
+          </p:nvPr>
+        </p:nvSpPr>
+        <p:spPr>
+          <a:xfrm>
+            <a:off x="0" y="0"/>
+            <a:ext cx="2971800" cy="458788"/>
+          </a:xfrm>
+          <a:prstGeom prst="rect">
+            <a:avLst/>
+          </a:prstGeom>
+        </p:spPr>
+        <p:txBody>
+          <a:bodyPr vert="horz" lIns="91440" tIns="45720" rIns="91440" bIns="45720" rtlCol="0"/>
+          <a:lstStyle>
+            <a:lvl1pPr algn="l">
+              <a:defRPr sz="1200"/>
+            </a:lvl1pPr>
+          </a:lstStyle>
+          <a:p>
+            <a:endParaRPr lang="ru-RU"/>
+          </a:p>
+        </p:txBody>
+      </p:sp>
+      <p:sp>
+        <p:nvSpPr>
+          <p:cNvPr id="3" name="Дата 2"/>
+          <p:cNvSpPr>
+            <a:spLocks noGrp="1"/>
+          </p:cNvSpPr>
+          <p:nvPr>
+            <p:ph type="dt" idx="1"/>
+          </p:nvPr>
+        </p:nvSpPr>
+        <p:spPr>
+          <a:xfrm>
+            <a:off x="3884613" y="0"/>
+            <a:ext cx="2971800" cy="458788"/>
+          </a:xfrm>
+          <a:prstGeom prst="rect">
+            <a:avLst/>
+          </a:prstGeom>
+        </p:spPr>
+        <p:txBody>
+          <a:bodyPr vert="horz" lIns="91440" tIns="45720" rIns="91440" bIns="45720" rtlCol="0"/>
+          <a:lstStyle>
+            <a:lvl1pPr algn="r">
+              <a:defRPr sz="1200"/>
+            </a:lvl1pPr>
+          </a:lstStyle>
+          <a:p>
+            <a:fld id="{4539BD2C-A011-4B13-A99B-1190B3A8E9C6}" type="datetimeFigureOut">
+              <a:rPr lang="ru-RU" smtClean="0"/>
+              <a:t>25.04.2024</a:t>
+            </a:fld>
+            <a:endParaRPr lang="ru-RU"/>
+          </a:p>
+        </p:txBody>
+      </p:sp>
+      <p:sp>
+        <p:nvSpPr>
+          <p:cNvPr id="4" name="Образ слайда 3"/>
+          <p:cNvSpPr>
+            <a:spLocks noGrp="1" noRot="1" noChangeAspect="1"/>
+          </p:cNvSpPr>
+          <p:nvPr>
+            <p:ph type="sldImg" idx="2"/>
+          </p:nvPr>
+        </p:nvSpPr>
+        <p:spPr>
+          <a:xfrm>
+            <a:off x="1371600" y="1143000"/>
+            <a:ext cx="4114800" cy="3086100"/>
+          </a:xfrm>
+          <a:prstGeom prst="rect">
+            <a:avLst/>
+          </a:prstGeom>
+          <a:noFill/>
+          <a:ln w="12700">
+            <a:solidFill>
+              <a:prstClr val="black"/>
+            </a:solidFill>
+          </a:ln>
+        </p:spPr>
+        <p:txBody>
+          <a:bodyPr vert="horz" lIns="91440" tIns="45720" rIns="91440" bIns="45720" rtlCol="0" anchor="ctr"/>
+          <a:lstStyle/>
+          <a:p>
+            <a:endParaRPr lang="ru-RU"/>
+          </a:p>
+        </p:txBody>
+      </p:sp>
+      <p:sp>
+        <p:nvSpPr>
+          <p:cNvPr id="5" name="Заметки 4"/>
+          <p:cNvSpPr>
+            <a:spLocks noGrp="1"/>
+          </p:cNvSpPr>
+          <p:nvPr>
+            <p:ph type="body" sz="quarter" idx="3"/>
+          </p:nvPr>
+        </p:nvSpPr>
+        <p:spPr>
+          <a:xfrm>
+            <a:off x="685800" y="4400550"/>
+            <a:ext cx="5486400" cy="3600450"/>
+          </a:xfrm>
+          <a:prstGeom prst="rect">
+            <a:avLst/>
+          </a:prstGeom>
+        </p:spPr>
+        <p:txBody>
+          <a:bodyPr vert="horz" lIns="91440" tIns="45720" rIns="91440" bIns="45720" rtlCol="0"/>
+          <a:lstStyle/>
+          <a:p>
+            <a:pPr lvl="0"/>
+            <a:r>
+              <a:rPr lang="ru-RU"/>
+              <a:t>Образец текста</a:t>
+            </a:r>
+          </a:p>
+          <a:p>
+            <a:pPr lvl="1"/>
+            <a:r>
+              <a:rPr lang="ru-RU"/>
+              <a:t>Второй уровень</a:t>
+            </a:r>
+          </a:p>
+          <a:p>
+            <a:pPr lvl="2"/>
+            <a:r>
+              <a:rPr lang="ru-RU"/>
+              <a:t>Третий уровень</a:t>
+            </a:r>
+          </a:p>
+          <a:p>
+            <a:pPr lvl="3"/>
+            <a:r>
+              <a:rPr lang="ru-RU"/>
+              <a:t>Четвертый уровень</a:t>
+            </a:r>
+          </a:p>
+          <a:p>
+            <a:pPr lvl="4"/>
+            <a:r>
+              <a:rPr lang="ru-RU"/>
+              <a:t>Пятый уровень</a:t>
+            </a:r>
+          </a:p>
+        </p:txBody>
+      </p:sp>
+      <p:sp>
+        <p:nvSpPr>
+          <p:cNvPr id="6" name="Нижний колонтитул 5"/>
+          <p:cNvSpPr>
+            <a:spLocks noGrp="1"/>
+          </p:cNvSpPr>
+          <p:nvPr>
+            <p:ph type="ftr" sz="quarter" idx="4"/>
+          </p:nvPr>
+        </p:nvSpPr>
+        <p:spPr>
+          <a:xfrm>
+            <a:off x="0" y="8685213"/>
+            <a:ext cx="2971800" cy="458787"/>
+          </a:xfrm>
+          <a:prstGeom prst="rect">
+            <a:avLst/>
+          </a:prstGeom>
+        </p:spPr>
+        <p:txBody>
+          <a:bodyPr vert="horz" lIns="91440" tIns="45720" rIns="91440" bIns="45720" rtlCol="0" anchor="b"/>
+          <a:lstStyle>
+            <a:lvl1pPr algn="l">
+              <a:defRPr sz="1200"/>
+            </a:lvl1pPr>
+          </a:lstStyle>
+          <a:p>
+            <a:endParaRPr lang="ru-RU"/>
+          </a:p>
+        </p:txBody>
+      </p:sp>
+      <p:sp>
+        <p:nvSpPr>
+          <p:cNvPr id="7" name="Номер слайда 6"/>
+          <p:cNvSpPr>
+            <a:spLocks noGrp="1"/>
+          </p:cNvSpPr>
+          <p:nvPr>
+            <p:ph type="sldNum" sz="quarter" idx="5"/>
+          </p:nvPr>
+        </p:nvSpPr>
+        <p:spPr>
+          <a:xfrm>
+            <a:off x="3884613" y="8685213"/>
+            <a:ext cx="2971800" cy="458787"/>
+          </a:xfrm>
+          <a:prstGeom prst="rect">
+            <a:avLst/>
+          </a:prstGeom>
+        </p:spPr>
+        <p:txBody>
+          <a:bodyPr vert="horz" lIns="91440" tIns="45720" rIns="91440" bIns="45720" rtlCol="0" anchor="b"/>
+          <a:lstStyle>
+            <a:lvl1pPr algn="r">
+              <a:defRPr sz="1200"/>
+            </a:lvl1pPr>
+          </a:lstStyle>
+          <a:p>
+            <a:fld id="{8699BD79-FB5D-4267-8ADB-12A992F4E427}" type="slidenum">
+              <a:rPr lang="ru-RU" smtClean="0"/>
+              <a:t>‹#›</a:t>
+            </a:fld>
+            <a:endParaRPr lang="ru-RU"/>
+          </a:p>
+        </p:txBody>
+      </p:sp>
+    </p:spTree>
+    <p:extLst>
+      <p:ext uri="{BB962C8B-B14F-4D97-AF65-F5344CB8AC3E}">
+        <p14:creationId xmlns:p14="http://schemas.microsoft.com/office/powerpoint/2010/main" val="2817488909"/>
+      </p:ext>
+    </p:extLst>
+  </p:cSld>
+  <p:clrMap bg1="lt1" tx1="dk1" bg2="lt2" tx2="dk2" accent1="accent1" accent2="accent2" accent3="accent3" accent4="accent4" accent5="accent5" accent6="accent6" hlink="hlink" folHlink="folHlink"/>
+  <p:notesStyle>
+    <a:lvl1pPr marL="0" algn="l" defTabSz="914400" rtl="0" eaLnBrk="1" latinLnBrk="0" hangingPunct="1">
+      <a:defRPr sz="1200" kern="1200">
+        <a:solidFill>
+          <a:schemeClr val="tx1"/>
+        </a:solidFill>
+        <a:latin typeface="+mn-lt"/>
+        <a:ea typeface="+mn-ea"/>
+        <a:cs typeface="+mn-cs"/>
+      </a:defRPr>
+    </a:lvl1pPr>
+    <a:lvl2pPr marL="457200" algn="l" defTabSz="914400" rtl="0" eaLnBrk="1" latinLnBrk="0" hangingPunct="1">
+      <a:defRPr sz="1200" kern="1200">
+        <a:solidFill>
+          <a:schemeClr val="tx1"/>
+        </a:solidFill>
+        <a:latin typeface="+mn-lt"/>
+        <a:ea typeface="+mn-ea"/>
+        <a:cs typeface="+mn-cs"/>
+      </a:defRPr>
+    </a:lvl2pPr>
+    <a:lvl3pPr marL="914400" algn="l" defTabSz="914400" rtl="0" eaLnBrk="1" latinLnBrk="0" hangingPunct="1">
+      <a:defRPr sz="1200" kern="1200">
+        <a:solidFill>
+          <a:schemeClr val="tx1"/>
+        </a:solidFill>
+        <a:latin typeface="+mn-lt"/>
+        <a:ea typeface="+mn-ea"/>
+        <a:cs typeface="+mn-cs"/>
+      </a:defRPr>
+    </a:lvl3pPr>
+    <a:lvl4pPr marL="1371600" algn="l" defTabSz="914400" rtl="0" eaLnBrk="1" latinLnBrk="0" hangingPunct="1">
+      <a:defRPr sz="1200" kern="1200">
+        <a:solidFill>
+          <a:schemeClr val="tx1"/>
+        </a:solidFill>
+        <a:latin typeface="+mn-lt"/>
+        <a:ea typeface="+mn-ea"/>
+        <a:cs typeface="+mn-cs"/>
+      </a:defRPr>
+    </a:lvl4pPr>
+    <a:lvl5pPr marL="1828800" algn="l" defTabSz="914400" rtl="0" eaLnBrk="1" latinLnBrk="0" hangingPunct="1">
+      <a:defRPr sz="1200" kern="1200">
+        <a:solidFill>
+          <a:schemeClr val="tx1"/>
+        </a:solidFill>
+        <a:latin typeface="+mn-lt"/>
+        <a:ea typeface="+mn-ea"/>
+        <a:cs typeface="+mn-cs"/>
+      </a:defRPr>
+    </a:lvl5pPr>
+    <a:lvl6pPr marL="2286000" algn="l" defTabSz="914400" rtl="0" eaLnBrk="1" latinLnBrk="0" hangingPunct="1">
+      <a:defRPr sz="1200" kern="1200">
+        <a:solidFill>
+          <a:schemeClr val="tx1"/>
+        </a:solidFill>
+        <a:latin typeface="+mn-lt"/>
+        <a:ea typeface="+mn-ea"/>
+        <a:cs typeface="+mn-cs"/>
+      </a:defRPr>
+    </a:lvl6pPr>
+    <a:lvl7pPr marL="2743200" algn="l" defTabSz="914400" rtl="0" eaLnBrk="1" latinLnBrk="0" hangingPunct="1">
+      <a:defRPr sz="1200" kern="1200">
+        <a:solidFill>
+          <a:schemeClr val="tx1"/>
+        </a:solidFill>
+        <a:latin typeface="+mn-lt"/>
+        <a:ea typeface="+mn-ea"/>
+        <a:cs typeface="+mn-cs"/>
+      </a:defRPr>
+    </a:lvl7pPr>
+    <a:lvl8pPr marL="3200400" algn="l" defTabSz="914400" rtl="0" eaLnBrk="1" latinLnBrk="0" hangingPunct="1">
+      <a:defRPr sz="1200" kern="1200">
+        <a:solidFill>
+          <a:schemeClr val="tx1"/>
+        </a:solidFill>
+        <a:latin typeface="+mn-lt"/>
+        <a:ea typeface="+mn-ea"/>
+        <a:cs typeface="+mn-cs"/>
+      </a:defRPr>
+    </a:lvl8pPr>
+    <a:lvl9pPr marL="3657600" algn="l" defTabSz="914400" rtl="0" eaLnBrk="1" latinLnBrk="0" hangingPunct="1">
+      <a:defRPr sz="1200" kern="1200">
+        <a:solidFill>
+          <a:schemeClr val="tx1"/>
+        </a:solidFill>
+        <a:latin typeface="+mn-lt"/>
+        <a:ea typeface="+mn-ea"/>
+        <a:cs typeface="+mn-cs"/>
+      </a:defRPr>
+    </a:lvl9pPr>
+  </p:notesStyle>
+</p:notesMaster>
+</file>
+
 <file path=ppt/slideLayouts/slideLayout1.xml><?xml version="1.0" encoding="utf-8"?>
 <p:sldLayout xmlns:a="http://schemas.openxmlformats.org/drawingml/2006/main" xmlns:r="http://schemas.openxmlformats.org/officeDocument/2006/relationships" xmlns:p="http://schemas.openxmlformats.org/presentationml/2006/main" type="title" preserve="1">
   <p:cSld name="Титульный слайд">
@@ -315,7 +667,7 @@
           <a:bodyPr/>
           <a:lstStyle/>
           <a:p>
-            <a:fld id="{6E62D75B-C3F4-4E3C-ADB7-33E3808D6CE4}" type="datetimeFigureOut">
+            <a:fld id="{129333C3-4B11-44A5-8A4A-6D7E7173F684}" type="datetime1">
               <a:rPr lang="ru-RU" smtClean="0"/>
               <a:t>25.04.2024</a:t>
             </a:fld>
@@ -483,7 +835,7 @@
           <a:bodyPr/>
           <a:lstStyle/>
           <a:p>
-            <a:fld id="{6E62D75B-C3F4-4E3C-ADB7-33E3808D6CE4}" type="datetimeFigureOut">
+            <a:fld id="{210AC199-A282-4778-940C-0471E1202C45}" type="datetime1">
               <a:rPr lang="ru-RU" smtClean="0"/>
               <a:t>25.04.2024</a:t>
             </a:fld>
@@ -661,7 +1013,7 @@
           <a:bodyPr/>
           <a:lstStyle/>
           <a:p>
-            <a:fld id="{6E62D75B-C3F4-4E3C-ADB7-33E3808D6CE4}" type="datetimeFigureOut">
+            <a:fld id="{2ED81F8E-0F52-4441-92DB-189F221F18AD}" type="datetime1">
               <a:rPr lang="ru-RU" smtClean="0"/>
               <a:t>25.04.2024</a:t>
             </a:fld>
@@ -829,7 +1181,7 @@
           <a:bodyPr/>
           <a:lstStyle/>
           <a:p>
-            <a:fld id="{6E62D75B-C3F4-4E3C-ADB7-33E3808D6CE4}" type="datetimeFigureOut">
+            <a:fld id="{A32B4E19-BDBF-4459-BD64-082AF5CBAC81}" type="datetime1">
               <a:rPr lang="ru-RU" smtClean="0"/>
               <a:t>25.04.2024</a:t>
             </a:fld>
@@ -1074,7 +1426,7 @@
           <a:bodyPr/>
           <a:lstStyle/>
           <a:p>
-            <a:fld id="{6E62D75B-C3F4-4E3C-ADB7-33E3808D6CE4}" type="datetimeFigureOut">
+            <a:fld id="{F0FB4C45-CDF1-43EA-973D-051E1CAD298A}" type="datetime1">
               <a:rPr lang="ru-RU" smtClean="0"/>
               <a:t>25.04.2024</a:t>
             </a:fld>
@@ -1359,7 +1711,7 @@
           <a:bodyPr/>
           <a:lstStyle/>
           <a:p>
-            <a:fld id="{6E62D75B-C3F4-4E3C-ADB7-33E3808D6CE4}" type="datetimeFigureOut">
+            <a:fld id="{08512D6B-C3B1-4408-AFE4-47400481D2AF}" type="datetime1">
               <a:rPr lang="ru-RU" smtClean="0"/>
               <a:t>25.04.2024</a:t>
             </a:fld>
@@ -1778,7 +2130,7 @@
           <a:bodyPr/>
           <a:lstStyle/>
           <a:p>
-            <a:fld id="{6E62D75B-C3F4-4E3C-ADB7-33E3808D6CE4}" type="datetimeFigureOut">
+            <a:fld id="{8393DAA4-D2BA-41BC-BB46-C75EBC7897D2}" type="datetime1">
               <a:rPr lang="ru-RU" smtClean="0"/>
               <a:t>25.04.2024</a:t>
             </a:fld>
@@ -1895,7 +2247,7 @@
           <a:bodyPr/>
           <a:lstStyle/>
           <a:p>
-            <a:fld id="{6E62D75B-C3F4-4E3C-ADB7-33E3808D6CE4}" type="datetimeFigureOut">
+            <a:fld id="{CA8D47CD-05FF-4CCE-ADBB-9D4F9CDA3A02}" type="datetime1">
               <a:rPr lang="ru-RU" smtClean="0"/>
               <a:t>25.04.2024</a:t>
             </a:fld>
@@ -1990,7 +2342,7 @@
           <a:bodyPr/>
           <a:lstStyle/>
           <a:p>
-            <a:fld id="{6E62D75B-C3F4-4E3C-ADB7-33E3808D6CE4}" type="datetimeFigureOut">
+            <a:fld id="{D43B1656-6DDD-4CAA-81F6-6641D0DA7017}" type="datetime1">
               <a:rPr lang="ru-RU" smtClean="0"/>
               <a:t>25.04.2024</a:t>
             </a:fld>
@@ -2265,7 +2617,7 @@
           <a:bodyPr/>
           <a:lstStyle/>
           <a:p>
-            <a:fld id="{6E62D75B-C3F4-4E3C-ADB7-33E3808D6CE4}" type="datetimeFigureOut">
+            <a:fld id="{59C2894B-9625-430F-9B9A-BF36AFAE0B5B}" type="datetime1">
               <a:rPr lang="ru-RU" smtClean="0"/>
               <a:t>25.04.2024</a:t>
             </a:fld>
@@ -2517,7 +2869,7 @@
           <a:bodyPr/>
           <a:lstStyle/>
           <a:p>
-            <a:fld id="{6E62D75B-C3F4-4E3C-ADB7-33E3808D6CE4}" type="datetimeFigureOut">
+            <a:fld id="{9F0BE669-6AE7-4F1D-BAF5-71C18E7D1E10}" type="datetime1">
               <a:rPr lang="ru-RU" smtClean="0"/>
               <a:t>25.04.2024</a:t>
             </a:fld>
@@ -2728,7 +3080,7 @@
             </a:lvl1pPr>
           </a:lstStyle>
           <a:p>
-            <a:fld id="{6E62D75B-C3F4-4E3C-ADB7-33E3808D6CE4}" type="datetimeFigureOut">
+            <a:fld id="{FD3FB48F-75F0-47D3-910B-20E7BE5531C2}" type="datetime1">
               <a:rPr lang="ru-RU" smtClean="0"/>
               <a:t>25.04.2024</a:t>
             </a:fld>
@@ -2835,6 +3187,7 @@
     <p:sldLayoutId id="2147483658" r:id="rId10"/>
     <p:sldLayoutId id="2147483659" r:id="rId11"/>
   </p:sldLayoutIdLst>
+  <p:hf hdr="0" ftr="0" dt="0"/>
   <p:txStyles>
     <p:titleStyle>
       <a:lvl1pPr algn="ctr" defTabSz="914400" rtl="0" eaLnBrk="1" latinLnBrk="0" hangingPunct="1">
@@ -4296,6 +4649,35 @@
           </a:graphicData>
         </a:graphic>
       </p:graphicFrame>
+      <p:sp>
+        <p:nvSpPr>
+          <p:cNvPr id="5" name="Номер слайда 4">
+            <a:extLst>
+              <a:ext uri="{FF2B5EF4-FFF2-40B4-BE49-F238E27FC236}">
+                <a16:creationId xmlns:a16="http://schemas.microsoft.com/office/drawing/2014/main" id="{399BDE21-280E-6868-1531-FE7FA5CF9FEE}"/>
+              </a:ext>
+            </a:extLst>
+          </p:cNvPr>
+          <p:cNvSpPr>
+            <a:spLocks noGrp="1"/>
+          </p:cNvSpPr>
+          <p:nvPr>
+            <p:ph type="sldNum" sz="quarter" idx="12"/>
+          </p:nvPr>
+        </p:nvSpPr>
+        <p:spPr/>
+        <p:txBody>
+          <a:bodyPr/>
+          <a:lstStyle/>
+          <a:p>
+            <a:fld id="{A8D4CE12-0AFA-4111-B533-B38A2B9BBD8D}" type="slidenum">
+              <a:rPr lang="ru-RU" smtClean="0"/>
+              <a:t>10</a:t>
+            </a:fld>
+            <a:endParaRPr lang="ru-RU"/>
+          </a:p>
+        </p:txBody>
+      </p:sp>
     </p:spTree>
     <p:extLst>
       <p:ext uri="{BB962C8B-B14F-4D97-AF65-F5344CB8AC3E}">
@@ -4420,6 +4802,35 @@
           </a:prstGeom>
         </p:spPr>
       </p:pic>
+      <p:sp>
+        <p:nvSpPr>
+          <p:cNvPr id="4" name="Номер слайда 3">
+            <a:extLst>
+              <a:ext uri="{FF2B5EF4-FFF2-40B4-BE49-F238E27FC236}">
+                <a16:creationId xmlns:a16="http://schemas.microsoft.com/office/drawing/2014/main" id="{3F526A2B-6092-E89C-3C80-41B5E09468EB}"/>
+              </a:ext>
+            </a:extLst>
+          </p:cNvPr>
+          <p:cNvSpPr>
+            <a:spLocks noGrp="1"/>
+          </p:cNvSpPr>
+          <p:nvPr>
+            <p:ph type="sldNum" sz="quarter" idx="12"/>
+          </p:nvPr>
+        </p:nvSpPr>
+        <p:spPr/>
+        <p:txBody>
+          <a:bodyPr/>
+          <a:lstStyle/>
+          <a:p>
+            <a:fld id="{A8D4CE12-0AFA-4111-B533-B38A2B9BBD8D}" type="slidenum">
+              <a:rPr lang="ru-RU" smtClean="0"/>
+              <a:t>11</a:t>
+            </a:fld>
+            <a:endParaRPr lang="ru-RU"/>
+          </a:p>
+        </p:txBody>
+      </p:sp>
     </p:spTree>
     <p:extLst>
       <p:ext uri="{BB962C8B-B14F-4D97-AF65-F5344CB8AC3E}">
@@ -4621,6 +5032,35 @@
               </a:rPr>
               <a:t>рейтингом и отзывами.</a:t>
             </a:r>
+          </a:p>
+        </p:txBody>
+      </p:sp>
+      <p:sp>
+        <p:nvSpPr>
+          <p:cNvPr id="4" name="Номер слайда 3">
+            <a:extLst>
+              <a:ext uri="{FF2B5EF4-FFF2-40B4-BE49-F238E27FC236}">
+                <a16:creationId xmlns:a16="http://schemas.microsoft.com/office/drawing/2014/main" id="{2034CFC2-A48B-9B33-9681-05F97BB45F6E}"/>
+              </a:ext>
+            </a:extLst>
+          </p:cNvPr>
+          <p:cNvSpPr>
+            <a:spLocks noGrp="1"/>
+          </p:cNvSpPr>
+          <p:nvPr>
+            <p:ph type="sldNum" sz="quarter" idx="12"/>
+          </p:nvPr>
+        </p:nvSpPr>
+        <p:spPr/>
+        <p:txBody>
+          <a:bodyPr/>
+          <a:lstStyle/>
+          <a:p>
+            <a:fld id="{A8D4CE12-0AFA-4111-B533-B38A2B9BBD8D}" type="slidenum">
+              <a:rPr lang="ru-RU" smtClean="0"/>
+              <a:t>12</a:t>
+            </a:fld>
+            <a:endParaRPr lang="ru-RU"/>
           </a:p>
         </p:txBody>
       </p:sp>
@@ -4796,6 +5236,35 @@
           </a:extLst>
         </p:spPr>
       </p:pic>
+      <p:sp>
+        <p:nvSpPr>
+          <p:cNvPr id="4" name="Номер слайда 3">
+            <a:extLst>
+              <a:ext uri="{FF2B5EF4-FFF2-40B4-BE49-F238E27FC236}">
+                <a16:creationId xmlns:a16="http://schemas.microsoft.com/office/drawing/2014/main" id="{8D4BD161-C804-48FC-52BD-16EA9E96A6FD}"/>
+              </a:ext>
+            </a:extLst>
+          </p:cNvPr>
+          <p:cNvSpPr>
+            <a:spLocks noGrp="1"/>
+          </p:cNvSpPr>
+          <p:nvPr>
+            <p:ph type="sldNum" sz="quarter" idx="12"/>
+          </p:nvPr>
+        </p:nvSpPr>
+        <p:spPr/>
+        <p:txBody>
+          <a:bodyPr/>
+          <a:lstStyle/>
+          <a:p>
+            <a:fld id="{A8D4CE12-0AFA-4111-B533-B38A2B9BBD8D}" type="slidenum">
+              <a:rPr lang="ru-RU" smtClean="0"/>
+              <a:t>13</a:t>
+            </a:fld>
+            <a:endParaRPr lang="ru-RU"/>
+          </a:p>
+        </p:txBody>
+      </p:sp>
     </p:spTree>
     <p:extLst>
       <p:ext uri="{BB962C8B-B14F-4D97-AF65-F5344CB8AC3E}">
@@ -4930,6 +5399,35 @@
           </a:prstGeom>
         </p:spPr>
       </p:pic>
+      <p:sp>
+        <p:nvSpPr>
+          <p:cNvPr id="4" name="Номер слайда 3">
+            <a:extLst>
+              <a:ext uri="{FF2B5EF4-FFF2-40B4-BE49-F238E27FC236}">
+                <a16:creationId xmlns:a16="http://schemas.microsoft.com/office/drawing/2014/main" id="{12CE5631-09CA-3C4D-B7BE-BDE2DBAEE1E4}"/>
+              </a:ext>
+            </a:extLst>
+          </p:cNvPr>
+          <p:cNvSpPr>
+            <a:spLocks noGrp="1"/>
+          </p:cNvSpPr>
+          <p:nvPr>
+            <p:ph type="sldNum" sz="quarter" idx="12"/>
+          </p:nvPr>
+        </p:nvSpPr>
+        <p:spPr/>
+        <p:txBody>
+          <a:bodyPr/>
+          <a:lstStyle/>
+          <a:p>
+            <a:fld id="{A8D4CE12-0AFA-4111-B533-B38A2B9BBD8D}" type="slidenum">
+              <a:rPr lang="ru-RU" smtClean="0"/>
+              <a:t>14</a:t>
+            </a:fld>
+            <a:endParaRPr lang="ru-RU"/>
+          </a:p>
+        </p:txBody>
+      </p:sp>
     </p:spTree>
     <p:extLst>
       <p:ext uri="{BB962C8B-B14F-4D97-AF65-F5344CB8AC3E}">
@@ -5072,6 +5570,35 @@
           </a:prstGeom>
         </p:spPr>
       </p:pic>
+      <p:sp>
+        <p:nvSpPr>
+          <p:cNvPr id="4" name="Номер слайда 3">
+            <a:extLst>
+              <a:ext uri="{FF2B5EF4-FFF2-40B4-BE49-F238E27FC236}">
+                <a16:creationId xmlns:a16="http://schemas.microsoft.com/office/drawing/2014/main" id="{CCEDE2ED-2AE6-D58C-35F2-C35BB03F68DB}"/>
+              </a:ext>
+            </a:extLst>
+          </p:cNvPr>
+          <p:cNvSpPr>
+            <a:spLocks noGrp="1"/>
+          </p:cNvSpPr>
+          <p:nvPr>
+            <p:ph type="sldNum" sz="quarter" idx="12"/>
+          </p:nvPr>
+        </p:nvSpPr>
+        <p:spPr/>
+        <p:txBody>
+          <a:bodyPr/>
+          <a:lstStyle/>
+          <a:p>
+            <a:fld id="{A8D4CE12-0AFA-4111-B533-B38A2B9BBD8D}" type="slidenum">
+              <a:rPr lang="ru-RU" smtClean="0"/>
+              <a:t>15</a:t>
+            </a:fld>
+            <a:endParaRPr lang="ru-RU"/>
+          </a:p>
+        </p:txBody>
+      </p:sp>
     </p:spTree>
     <p:extLst>
       <p:ext uri="{BB962C8B-B14F-4D97-AF65-F5344CB8AC3E}">
@@ -5285,6 +5812,35 @@
           </a:p>
         </p:txBody>
       </p:sp>
+      <p:sp>
+        <p:nvSpPr>
+          <p:cNvPr id="4" name="Номер слайда 3">
+            <a:extLst>
+              <a:ext uri="{FF2B5EF4-FFF2-40B4-BE49-F238E27FC236}">
+                <a16:creationId xmlns:a16="http://schemas.microsoft.com/office/drawing/2014/main" id="{D5FC7ABF-14FB-4DD8-86FA-152750F5A22F}"/>
+              </a:ext>
+            </a:extLst>
+          </p:cNvPr>
+          <p:cNvSpPr>
+            <a:spLocks noGrp="1"/>
+          </p:cNvSpPr>
+          <p:nvPr>
+            <p:ph type="sldNum" sz="quarter" idx="12"/>
+          </p:nvPr>
+        </p:nvSpPr>
+        <p:spPr/>
+        <p:txBody>
+          <a:bodyPr/>
+          <a:lstStyle/>
+          <a:p>
+            <a:fld id="{A8D4CE12-0AFA-4111-B533-B38A2B9BBD8D}" type="slidenum">
+              <a:rPr lang="ru-RU" smtClean="0"/>
+              <a:t>16</a:t>
+            </a:fld>
+            <a:endParaRPr lang="ru-RU"/>
+          </a:p>
+        </p:txBody>
+      </p:sp>
     </p:spTree>
     <p:extLst>
       <p:ext uri="{BB962C8B-B14F-4D97-AF65-F5344CB8AC3E}">
@@ -5540,6 +6096,35 @@
           </a:p>
         </p:txBody>
       </p:sp>
+      <p:sp>
+        <p:nvSpPr>
+          <p:cNvPr id="4" name="Номер слайда 3">
+            <a:extLst>
+              <a:ext uri="{FF2B5EF4-FFF2-40B4-BE49-F238E27FC236}">
+                <a16:creationId xmlns:a16="http://schemas.microsoft.com/office/drawing/2014/main" id="{61DA0F22-A181-B99E-BF69-21A68DF94B38}"/>
+              </a:ext>
+            </a:extLst>
+          </p:cNvPr>
+          <p:cNvSpPr>
+            <a:spLocks noGrp="1"/>
+          </p:cNvSpPr>
+          <p:nvPr>
+            <p:ph type="sldNum" sz="quarter" idx="12"/>
+          </p:nvPr>
+        </p:nvSpPr>
+        <p:spPr/>
+        <p:txBody>
+          <a:bodyPr/>
+          <a:lstStyle/>
+          <a:p>
+            <a:fld id="{A8D4CE12-0AFA-4111-B533-B38A2B9BBD8D}" type="slidenum">
+              <a:rPr lang="ru-RU" smtClean="0"/>
+              <a:t>2</a:t>
+            </a:fld>
+            <a:endParaRPr lang="ru-RU"/>
+          </a:p>
+        </p:txBody>
+      </p:sp>
     </p:spTree>
     <p:extLst>
       <p:ext uri="{BB962C8B-B14F-4D97-AF65-F5344CB8AC3E}">
@@ -5704,6 +6289,35 @@
           </a:p>
         </p:txBody>
       </p:sp>
+      <p:sp>
+        <p:nvSpPr>
+          <p:cNvPr id="4" name="Номер слайда 3">
+            <a:extLst>
+              <a:ext uri="{FF2B5EF4-FFF2-40B4-BE49-F238E27FC236}">
+                <a16:creationId xmlns:a16="http://schemas.microsoft.com/office/drawing/2014/main" id="{CE399DA4-8A75-D0FC-BAF5-F9003DB4F8CC}"/>
+              </a:ext>
+            </a:extLst>
+          </p:cNvPr>
+          <p:cNvSpPr>
+            <a:spLocks noGrp="1"/>
+          </p:cNvSpPr>
+          <p:nvPr>
+            <p:ph type="sldNum" sz="quarter" idx="12"/>
+          </p:nvPr>
+        </p:nvSpPr>
+        <p:spPr/>
+        <p:txBody>
+          <a:bodyPr/>
+          <a:lstStyle/>
+          <a:p>
+            <a:fld id="{A8D4CE12-0AFA-4111-B533-B38A2B9BBD8D}" type="slidenum">
+              <a:rPr lang="ru-RU" smtClean="0"/>
+              <a:t>3</a:t>
+            </a:fld>
+            <a:endParaRPr lang="ru-RU"/>
+          </a:p>
+        </p:txBody>
+      </p:sp>
     </p:spTree>
     <p:extLst>
       <p:ext uri="{BB962C8B-B14F-4D97-AF65-F5344CB8AC3E}">
@@ -5946,6 +6560,35 @@
           </a:p>
         </p:txBody>
       </p:sp>
+      <p:sp>
+        <p:nvSpPr>
+          <p:cNvPr id="4" name="Номер слайда 3">
+            <a:extLst>
+              <a:ext uri="{FF2B5EF4-FFF2-40B4-BE49-F238E27FC236}">
+                <a16:creationId xmlns:a16="http://schemas.microsoft.com/office/drawing/2014/main" id="{5F215325-C7F4-7947-F2B8-17284C60F398}"/>
+              </a:ext>
+            </a:extLst>
+          </p:cNvPr>
+          <p:cNvSpPr>
+            <a:spLocks noGrp="1"/>
+          </p:cNvSpPr>
+          <p:nvPr>
+            <p:ph type="sldNum" sz="quarter" idx="12"/>
+          </p:nvPr>
+        </p:nvSpPr>
+        <p:spPr/>
+        <p:txBody>
+          <a:bodyPr/>
+          <a:lstStyle/>
+          <a:p>
+            <a:fld id="{A8D4CE12-0AFA-4111-B533-B38A2B9BBD8D}" type="slidenum">
+              <a:rPr lang="ru-RU" smtClean="0"/>
+              <a:t>4</a:t>
+            </a:fld>
+            <a:endParaRPr lang="ru-RU"/>
+          </a:p>
+        </p:txBody>
+      </p:sp>
     </p:spTree>
     <p:extLst>
       <p:ext uri="{BB962C8B-B14F-4D97-AF65-F5344CB8AC3E}">
@@ -6098,6 +6741,35 @@
           </a:p>
         </p:txBody>
       </p:sp>
+      <p:sp>
+        <p:nvSpPr>
+          <p:cNvPr id="4" name="Номер слайда 3">
+            <a:extLst>
+              <a:ext uri="{FF2B5EF4-FFF2-40B4-BE49-F238E27FC236}">
+                <a16:creationId xmlns:a16="http://schemas.microsoft.com/office/drawing/2014/main" id="{59F39129-0D20-A4D3-8D9B-FB7A903B0F66}"/>
+              </a:ext>
+            </a:extLst>
+          </p:cNvPr>
+          <p:cNvSpPr>
+            <a:spLocks noGrp="1"/>
+          </p:cNvSpPr>
+          <p:nvPr>
+            <p:ph type="sldNum" sz="quarter" idx="12"/>
+          </p:nvPr>
+        </p:nvSpPr>
+        <p:spPr/>
+        <p:txBody>
+          <a:bodyPr/>
+          <a:lstStyle/>
+          <a:p>
+            <a:fld id="{A8D4CE12-0AFA-4111-B533-B38A2B9BBD8D}" type="slidenum">
+              <a:rPr lang="ru-RU" smtClean="0"/>
+              <a:t>5</a:t>
+            </a:fld>
+            <a:endParaRPr lang="ru-RU" dirty="0"/>
+          </a:p>
+        </p:txBody>
+      </p:sp>
     </p:spTree>
     <p:extLst>
       <p:ext uri="{BB962C8B-B14F-4D97-AF65-F5344CB8AC3E}">
@@ -6217,6 +6889,35 @@
           </a:p>
         </p:txBody>
       </p:sp>
+      <p:sp>
+        <p:nvSpPr>
+          <p:cNvPr id="4" name="Номер слайда 3">
+            <a:extLst>
+              <a:ext uri="{FF2B5EF4-FFF2-40B4-BE49-F238E27FC236}">
+                <a16:creationId xmlns:a16="http://schemas.microsoft.com/office/drawing/2014/main" id="{9BDAF77A-1407-F295-BC8C-4B369B4CFD46}"/>
+              </a:ext>
+            </a:extLst>
+          </p:cNvPr>
+          <p:cNvSpPr>
+            <a:spLocks noGrp="1"/>
+          </p:cNvSpPr>
+          <p:nvPr>
+            <p:ph type="sldNum" sz="quarter" idx="12"/>
+          </p:nvPr>
+        </p:nvSpPr>
+        <p:spPr/>
+        <p:txBody>
+          <a:bodyPr/>
+          <a:lstStyle/>
+          <a:p>
+            <a:fld id="{A8D4CE12-0AFA-4111-B533-B38A2B9BBD8D}" type="slidenum">
+              <a:rPr lang="ru-RU" smtClean="0"/>
+              <a:t>6</a:t>
+            </a:fld>
+            <a:endParaRPr lang="ru-RU"/>
+          </a:p>
+        </p:txBody>
+      </p:sp>
     </p:spTree>
     <p:extLst>
       <p:ext uri="{BB962C8B-B14F-4D97-AF65-F5344CB8AC3E}">
@@ -6276,32 +6977,6 @@
           </a:p>
         </p:txBody>
       </p:sp>
-      <p:sp>
-        <p:nvSpPr>
-          <p:cNvPr id="3" name="Подзаголовок 2"/>
-          <p:cNvSpPr>
-            <a:spLocks noGrp="1"/>
-          </p:cNvSpPr>
-          <p:nvPr>
-            <p:ph type="subTitle" idx="1"/>
-          </p:nvPr>
-        </p:nvSpPr>
-        <p:spPr>
-          <a:xfrm>
-            <a:off x="498190" y="5877272"/>
-            <a:ext cx="8106258" cy="648070"/>
-          </a:xfrm>
-        </p:spPr>
-        <p:txBody>
-          <a:bodyPr>
-            <a:normAutofit/>
-          </a:bodyPr>
-          <a:lstStyle/>
-          <a:p>
-            <a:endParaRPr lang="ru-RU" sz="2000" dirty="0"/>
-          </a:p>
-        </p:txBody>
-      </p:sp>
       <p:pic>
         <p:nvPicPr>
           <p:cNvPr id="5" name="Рисунок 4">
@@ -6332,6 +7007,35 @@
           </a:prstGeom>
         </p:spPr>
       </p:pic>
+      <p:sp>
+        <p:nvSpPr>
+          <p:cNvPr id="4" name="Номер слайда 3">
+            <a:extLst>
+              <a:ext uri="{FF2B5EF4-FFF2-40B4-BE49-F238E27FC236}">
+                <a16:creationId xmlns:a16="http://schemas.microsoft.com/office/drawing/2014/main" id="{7A5EFE40-2619-D73C-CFCD-2EF14A132EA0}"/>
+              </a:ext>
+            </a:extLst>
+          </p:cNvPr>
+          <p:cNvSpPr>
+            <a:spLocks noGrp="1"/>
+          </p:cNvSpPr>
+          <p:nvPr>
+            <p:ph type="sldNum" sz="quarter" idx="12"/>
+          </p:nvPr>
+        </p:nvSpPr>
+        <p:spPr/>
+        <p:txBody>
+          <a:bodyPr/>
+          <a:lstStyle/>
+          <a:p>
+            <a:fld id="{A8D4CE12-0AFA-4111-B533-B38A2B9BBD8D}" type="slidenum">
+              <a:rPr lang="ru-RU" smtClean="0"/>
+              <a:t>7</a:t>
+            </a:fld>
+            <a:endParaRPr lang="ru-RU"/>
+          </a:p>
+        </p:txBody>
+      </p:sp>
     </p:spTree>
     <p:extLst>
       <p:ext uri="{BB962C8B-B14F-4D97-AF65-F5344CB8AC3E}">
@@ -6391,38 +7095,6 @@
           </a:p>
         </p:txBody>
       </p:sp>
-      <p:sp>
-        <p:nvSpPr>
-          <p:cNvPr id="3" name="Подзаголовок 2"/>
-          <p:cNvSpPr>
-            <a:spLocks noGrp="1"/>
-          </p:cNvSpPr>
-          <p:nvPr>
-            <p:ph type="subTitle" idx="1"/>
-          </p:nvPr>
-        </p:nvSpPr>
-        <p:spPr>
-          <a:xfrm>
-            <a:off x="518871" y="4869160"/>
-            <a:ext cx="8106258" cy="792088"/>
-          </a:xfrm>
-        </p:spPr>
-        <p:txBody>
-          <a:bodyPr>
-            <a:normAutofit/>
-          </a:bodyPr>
-          <a:lstStyle/>
-          <a:p>
-            <a:endParaRPr lang="ru-RU" altLang="en-US" sz="2000" dirty="0">
-              <a:solidFill>
-                <a:schemeClr val="tx1"/>
-              </a:solidFill>
-              <a:latin typeface="Arial" panose="020B0604020202020204" pitchFamily="34" charset="0"/>
-              <a:cs typeface="Arial" panose="020B0604020202020204" pitchFamily="34" charset="0"/>
-            </a:endParaRPr>
-          </a:p>
-        </p:txBody>
-      </p:sp>
       <p:pic>
         <p:nvPicPr>
           <p:cNvPr id="5" name="Рисунок 4">
@@ -6453,6 +7125,35 @@
           </a:prstGeom>
         </p:spPr>
       </p:pic>
+      <p:sp>
+        <p:nvSpPr>
+          <p:cNvPr id="4" name="Номер слайда 3">
+            <a:extLst>
+              <a:ext uri="{FF2B5EF4-FFF2-40B4-BE49-F238E27FC236}">
+                <a16:creationId xmlns:a16="http://schemas.microsoft.com/office/drawing/2014/main" id="{FADEFAFE-1386-B458-4D20-8526F8503760}"/>
+              </a:ext>
+            </a:extLst>
+          </p:cNvPr>
+          <p:cNvSpPr>
+            <a:spLocks noGrp="1"/>
+          </p:cNvSpPr>
+          <p:nvPr>
+            <p:ph type="sldNum" sz="quarter" idx="12"/>
+          </p:nvPr>
+        </p:nvSpPr>
+        <p:spPr/>
+        <p:txBody>
+          <a:bodyPr/>
+          <a:lstStyle/>
+          <a:p>
+            <a:fld id="{A8D4CE12-0AFA-4111-B533-B38A2B9BBD8D}" type="slidenum">
+              <a:rPr lang="ru-RU" smtClean="0"/>
+              <a:t>8</a:t>
+            </a:fld>
+            <a:endParaRPr lang="ru-RU"/>
+          </a:p>
+        </p:txBody>
+      </p:sp>
     </p:spTree>
     <p:extLst>
       <p:ext uri="{BB962C8B-B14F-4D97-AF65-F5344CB8AC3E}">
@@ -6715,6 +7416,35 @@
                 <a:schemeClr val="tx1"/>
               </a:solidFill>
             </a:endParaRPr>
+          </a:p>
+        </p:txBody>
+      </p:sp>
+      <p:sp>
+        <p:nvSpPr>
+          <p:cNvPr id="4" name="Номер слайда 3">
+            <a:extLst>
+              <a:ext uri="{FF2B5EF4-FFF2-40B4-BE49-F238E27FC236}">
+                <a16:creationId xmlns:a16="http://schemas.microsoft.com/office/drawing/2014/main" id="{4398602D-2EB0-23B2-ADA0-A1E7FC157E1C}"/>
+              </a:ext>
+            </a:extLst>
+          </p:cNvPr>
+          <p:cNvSpPr>
+            <a:spLocks noGrp="1"/>
+          </p:cNvSpPr>
+          <p:nvPr>
+            <p:ph type="sldNum" sz="quarter" idx="12"/>
+          </p:nvPr>
+        </p:nvSpPr>
+        <p:spPr/>
+        <p:txBody>
+          <a:bodyPr/>
+          <a:lstStyle/>
+          <a:p>
+            <a:fld id="{A8D4CE12-0AFA-4111-B533-B38A2B9BBD8D}" type="slidenum">
+              <a:rPr lang="ru-RU" smtClean="0"/>
+              <a:t>9</a:t>
+            </a:fld>
+            <a:endParaRPr lang="ru-RU"/>
           </a:p>
         </p:txBody>
       </p:sp>
@@ -7014,4 +7744,299 @@
   <a:objectDefaults/>
   <a:extraClrSchemeLst/>
 </a:theme>
+</file>
+
+<file path=ppt/theme/theme2.xml><?xml version="1.0" encoding="utf-8"?>
+<a:theme xmlns:a="http://schemas.openxmlformats.org/drawingml/2006/main" name="Тема Office">
+  <a:themeElements>
+    <a:clrScheme name="Стандартная">
+      <a:dk1>
+        <a:sysClr val="windowText" lastClr="000000"/>
+      </a:dk1>
+      <a:lt1>
+        <a:sysClr val="window" lastClr="FFFFFF"/>
+      </a:lt1>
+      <a:dk2>
+        <a:srgbClr val="44546A"/>
+      </a:dk2>
+      <a:lt2>
+        <a:srgbClr val="E7E6E6"/>
+      </a:lt2>
+      <a:accent1>
+        <a:srgbClr val="4472C4"/>
+      </a:accent1>
+      <a:accent2>
+        <a:srgbClr val="ED7D31"/>
+      </a:accent2>
+      <a:accent3>
+        <a:srgbClr val="A5A5A5"/>
+      </a:accent3>
+      <a:accent4>
+        <a:srgbClr val="FFC000"/>
+      </a:accent4>
+      <a:accent5>
+        <a:srgbClr val="5B9BD5"/>
+      </a:accent5>
+      <a:accent6>
+        <a:srgbClr val="70AD47"/>
+      </a:accent6>
+      <a:hlink>
+        <a:srgbClr val="0563C1"/>
+      </a:hlink>
+      <a:folHlink>
+        <a:srgbClr val="954F72"/>
+      </a:folHlink>
+    </a:clrScheme>
+    <a:fontScheme name="Стандартная">
+      <a:majorFont>
+        <a:latin typeface="Calibri Light" panose="020F0302020204030204"/>
+        <a:ea typeface=""/>
+        <a:cs typeface=""/>
+        <a:font script="Jpan" typeface="游ゴシック Light"/>
+        <a:font script="Hang" typeface="맑은 고딕"/>
+        <a:font script="Hans" typeface="等线 Light"/>
+        <a:font script="Hant" typeface="新細明體"/>
+        <a:font script="Arab" typeface="Times New Roman"/>
+        <a:font script="Hebr" typeface="Times New Roman"/>
+        <a:font script="Thai" typeface="Angsana New"/>
+        <a:font script="Ethi" typeface="Nyala"/>
+        <a:font script="Beng" typeface="Vrinda"/>
+        <a:font script="Gujr" typeface="Shruti"/>
+        <a:font script="Khmr" typeface="MoolBoran"/>
+        <a:font script="Knda" typeface="Tunga"/>
+        <a:font script="Guru" typeface="Raavi"/>
+        <a:font script="Cans" typeface="Euphemia"/>
+        <a:font script="Cher" typeface="Plantagenet Cherokee"/>
+        <a:font script="Yiii" typeface="Microsoft Yi Baiti"/>
+        <a:font script="Tibt" typeface="Microsoft Himalaya"/>
+        <a:font script="Thaa" typeface="MV Boli"/>
+        <a:font script="Deva" typeface="Mangal"/>
+        <a:font script="Telu" typeface="Gautami"/>
+        <a:font script="Taml" typeface="Latha"/>
+        <a:font script="Syrc" typeface="Estrangelo Edessa"/>
+        <a:font script="Orya" typeface="Kalinga"/>
+        <a:font script="Mlym" typeface="Kartika"/>
+        <a:font script="Laoo" typeface="DokChampa"/>
+        <a:font script="Sinh" typeface="Iskoola Pota"/>
+        <a:font script="Mong" typeface="Mongolian Baiti"/>
+        <a:font script="Viet" typeface="Times New Roman"/>
+        <a:font script="Uigh" typeface="Microsoft Uighur"/>
+        <a:font script="Geor" typeface="Sylfaen"/>
+        <a:font script="Armn" typeface="Arial"/>
+        <a:font script="Bugi" typeface="Leelawadee UI"/>
+        <a:font script="Bopo" typeface="Microsoft JhengHei"/>
+        <a:font script="Java" typeface="Javanese Text"/>
+        <a:font script="Lisu" typeface="Segoe UI"/>
+        <a:font script="Mymr" typeface="Myanmar Text"/>
+        <a:font script="Nkoo" typeface="Ebrima"/>
+        <a:font script="Olck" typeface="Nirmala UI"/>
+        <a:font script="Osma" typeface="Ebrima"/>
+        <a:font script="Phag" typeface="Phagspa"/>
+        <a:font script="Syrn" typeface="Estrangelo Edessa"/>
+        <a:font script="Syrj" typeface="Estrangelo Edessa"/>
+        <a:font script="Syre" typeface="Estrangelo Edessa"/>
+        <a:font script="Sora" typeface="Nirmala UI"/>
+        <a:font script="Tale" typeface="Microsoft Tai Le"/>
+        <a:font script="Talu" typeface="Microsoft New Tai Lue"/>
+        <a:font script="Tfng" typeface="Ebrima"/>
+      </a:majorFont>
+      <a:minorFont>
+        <a:latin typeface="Calibri" panose="020F0502020204030204"/>
+        <a:ea typeface=""/>
+        <a:cs typeface=""/>
+        <a:font script="Jpan" typeface="游ゴシック"/>
+        <a:font script="Hang" typeface="맑은 고딕"/>
+        <a:font script="Hans" typeface="等线"/>
+        <a:font script="Hant" typeface="新細明體"/>
+        <a:font script="Arab" typeface="Arial"/>
+        <a:font script="Hebr" typeface="Arial"/>
+        <a:font script="Thai" typeface="Cordia New"/>
+        <a:font script="Ethi" typeface="Nyala"/>
+        <a:font script="Beng" typeface="Vrinda"/>
+        <a:font script="Gujr" typeface="Shruti"/>
+        <a:font script="Khmr" typeface="DaunPenh"/>
+        <a:font script="Knda" typeface="Tunga"/>
+        <a:font script="Guru" typeface="Raavi"/>
+        <a:font script="Cans" typeface="Euphemia"/>
+        <a:font script="Cher" typeface="Plantagenet Cherokee"/>
+        <a:font script="Yiii" typeface="Microsoft Yi Baiti"/>
+        <a:font script="Tibt" typeface="Microsoft Himalaya"/>
+        <a:font script="Thaa" typeface="MV Boli"/>
+        <a:font script="Deva" typeface="Mangal"/>
+        <a:font script="Telu" typeface="Gautami"/>
+        <a:font script="Taml" typeface="Latha"/>
+        <a:font script="Syrc" typeface="Estrangelo Edessa"/>
+        <a:font script="Orya" typeface="Kalinga"/>
+        <a:font script="Mlym" typeface="Kartika"/>
+        <a:font script="Laoo" typeface="DokChampa"/>
+        <a:font script="Sinh" typeface="Iskoola Pota"/>
+        <a:font script="Mong" typeface="Mongolian Baiti"/>
+        <a:font script="Viet" typeface="Arial"/>
+        <a:font script="Uigh" typeface="Microsoft Uighur"/>
+        <a:font script="Geor" typeface="Sylfaen"/>
+        <a:font script="Armn" typeface="Arial"/>
+        <a:font script="Bugi" typeface="Leelawadee UI"/>
+        <a:font script="Bopo" typeface="Microsoft JhengHei"/>
+        <a:font script="Java" typeface="Javanese Text"/>
+        <a:font script="Lisu" typeface="Segoe UI"/>
+        <a:font script="Mymr" typeface="Myanmar Text"/>
+        <a:font script="Nkoo" typeface="Ebrima"/>
+        <a:font script="Olck" typeface="Nirmala UI"/>
+        <a:font script="Osma" typeface="Ebrima"/>
+        <a:font script="Phag" typeface="Phagspa"/>
+        <a:font script="Syrn" typeface="Estrangelo Edessa"/>
+        <a:font script="Syrj" typeface="Estrangelo Edessa"/>
+        <a:font script="Syre" typeface="Estrangelo Edessa"/>
+        <a:font script="Sora" typeface="Nirmala UI"/>
+        <a:font script="Tale" typeface="Microsoft Tai Le"/>
+        <a:font script="Talu" typeface="Microsoft New Tai Lue"/>
+        <a:font script="Tfng" typeface="Ebrima"/>
+      </a:minorFont>
+    </a:fontScheme>
+    <a:fmtScheme name="Стандартная">
+      <a:fillStyleLst>
+        <a:solidFill>
+          <a:schemeClr val="phClr"/>
+        </a:solidFill>
+        <a:gradFill rotWithShape="1">
+          <a:gsLst>
+            <a:gs pos="0">
+              <a:schemeClr val="phClr">
+                <a:lumMod val="110000"/>
+                <a:satMod val="105000"/>
+                <a:tint val="67000"/>
+              </a:schemeClr>
+            </a:gs>
+            <a:gs pos="50000">
+              <a:schemeClr val="phClr">
+                <a:lumMod val="105000"/>
+                <a:satMod val="103000"/>
+                <a:tint val="73000"/>
+              </a:schemeClr>
+            </a:gs>
+            <a:gs pos="100000">
+              <a:schemeClr val="phClr">
+                <a:lumMod val="105000"/>
+                <a:satMod val="109000"/>
+                <a:tint val="81000"/>
+              </a:schemeClr>
+            </a:gs>
+          </a:gsLst>
+          <a:lin ang="5400000" scaled="0"/>
+        </a:gradFill>
+        <a:gradFill rotWithShape="1">
+          <a:gsLst>
+            <a:gs pos="0">
+              <a:schemeClr val="phClr">
+                <a:satMod val="103000"/>
+                <a:lumMod val="102000"/>
+                <a:tint val="94000"/>
+              </a:schemeClr>
+            </a:gs>
+            <a:gs pos="50000">
+              <a:schemeClr val="phClr">
+                <a:satMod val="110000"/>
+                <a:lumMod val="100000"/>
+                <a:shade val="100000"/>
+              </a:schemeClr>
+            </a:gs>
+            <a:gs pos="100000">
+              <a:schemeClr val="phClr">
+                <a:lumMod val="99000"/>
+                <a:satMod val="120000"/>
+                <a:shade val="78000"/>
+              </a:schemeClr>
+            </a:gs>
+          </a:gsLst>
+          <a:lin ang="5400000" scaled="0"/>
+        </a:gradFill>
+      </a:fillStyleLst>
+      <a:lnStyleLst>
+        <a:ln w="6350" cap="flat" cmpd="sng" algn="ctr">
+          <a:solidFill>
+            <a:schemeClr val="phClr"/>
+          </a:solidFill>
+          <a:prstDash val="solid"/>
+          <a:miter lim="800000"/>
+        </a:ln>
+        <a:ln w="12700" cap="flat" cmpd="sng" algn="ctr">
+          <a:solidFill>
+            <a:schemeClr val="phClr"/>
+          </a:solidFill>
+          <a:prstDash val="solid"/>
+          <a:miter lim="800000"/>
+        </a:ln>
+        <a:ln w="19050" cap="flat" cmpd="sng" algn="ctr">
+          <a:solidFill>
+            <a:schemeClr val="phClr"/>
+          </a:solidFill>
+          <a:prstDash val="solid"/>
+          <a:miter lim="800000"/>
+        </a:ln>
+      </a:lnStyleLst>
+      <a:effectStyleLst>
+        <a:effectStyle>
+          <a:effectLst/>
+        </a:effectStyle>
+        <a:effectStyle>
+          <a:effectLst/>
+        </a:effectStyle>
+        <a:effectStyle>
+          <a:effectLst>
+            <a:outerShdw blurRad="57150" dist="19050" dir="5400000" algn="ctr" rotWithShape="0">
+              <a:srgbClr val="000000">
+                <a:alpha val="63000"/>
+              </a:srgbClr>
+            </a:outerShdw>
+          </a:effectLst>
+        </a:effectStyle>
+      </a:effectStyleLst>
+      <a:bgFillStyleLst>
+        <a:solidFill>
+          <a:schemeClr val="phClr"/>
+        </a:solidFill>
+        <a:solidFill>
+          <a:schemeClr val="phClr">
+            <a:tint val="95000"/>
+            <a:satMod val="170000"/>
+          </a:schemeClr>
+        </a:solidFill>
+        <a:gradFill rotWithShape="1">
+          <a:gsLst>
+            <a:gs pos="0">
+              <a:schemeClr val="phClr">
+                <a:tint val="93000"/>
+                <a:satMod val="150000"/>
+                <a:shade val="98000"/>
+                <a:lumMod val="102000"/>
+              </a:schemeClr>
+            </a:gs>
+            <a:gs pos="50000">
+              <a:schemeClr val="phClr">
+                <a:tint val="98000"/>
+                <a:satMod val="130000"/>
+                <a:shade val="90000"/>
+                <a:lumMod val="103000"/>
+              </a:schemeClr>
+            </a:gs>
+            <a:gs pos="100000">
+              <a:schemeClr val="phClr">
+                <a:shade val="63000"/>
+                <a:satMod val="120000"/>
+              </a:schemeClr>
+            </a:gs>
+          </a:gsLst>
+          <a:lin ang="5400000" scaled="0"/>
+        </a:gradFill>
+      </a:bgFillStyleLst>
+    </a:fmtScheme>
+  </a:themeElements>
+  <a:objectDefaults/>
+  <a:extraClrSchemeLst/>
+  <a:extLst>
+    <a:ext uri="{05A4C25C-085E-4340-85A3-A5531E510DB2}">
+      <thm15:themeFamily xmlns:thm15="http://schemas.microsoft.com/office/thememl/2012/main" name="Office Theme" id="{62F939B6-93AF-4DB8-9C6B-D6C7DFDC589F}" vid="{4A3C46E8-61CC-4603-A589-7422A47A8E4A}"/>
+    </a:ext>
+  </a:extLst>
+</a:theme>
 </file>
--- a/Documentation/My documentation/Predzashita_Gailevich.pptx
+++ b/Documentation/My documentation/Predzashita_Gailevich.pptx
@@ -5,7 +5,7 @@
     <p:sldMasterId id="2147483648" r:id="rId1"/>
   </p:sldMasterIdLst>
   <p:notesMasterIdLst>
-    <p:notesMasterId r:id="rId18"/>
+    <p:notesMasterId r:id="rId22"/>
   </p:notesMasterIdLst>
   <p:sldIdLst>
     <p:sldId id="270" r:id="rId2"/>
@@ -23,7 +23,11 @@
     <p:sldId id="275" r:id="rId14"/>
     <p:sldId id="265" r:id="rId15"/>
     <p:sldId id="266" r:id="rId16"/>
-    <p:sldId id="272" r:id="rId17"/>
+    <p:sldId id="278" r:id="rId17"/>
+    <p:sldId id="280" r:id="rId18"/>
+    <p:sldId id="279" r:id="rId19"/>
+    <p:sldId id="277" r:id="rId20"/>
+    <p:sldId id="272" r:id="rId21"/>
   </p:sldIdLst>
   <p:sldSz cx="9144000" cy="6858000" type="screen4x3"/>
   <p:notesSz cx="6858000" cy="9144000"/>
@@ -223,7 +227,7 @@
           <a:p>
             <a:fld id="{4539BD2C-A011-4B13-A99B-1190B3A8E9C6}" type="datetimeFigureOut">
               <a:rPr lang="ru-RU" smtClean="0"/>
-              <a:t>25.04.2024</a:t>
+              <a:t>23.05.2024</a:t>
             </a:fld>
             <a:endParaRPr lang="ru-RU"/>
           </a:p>
@@ -669,7 +673,7 @@
           <a:p>
             <a:fld id="{129333C3-4B11-44A5-8A4A-6D7E7173F684}" type="datetime1">
               <a:rPr lang="ru-RU" smtClean="0"/>
-              <a:t>25.04.2024</a:t>
+              <a:t>23.05.2024</a:t>
             </a:fld>
             <a:endParaRPr lang="ru-RU"/>
           </a:p>
@@ -837,7 +841,7 @@
           <a:p>
             <a:fld id="{210AC199-A282-4778-940C-0471E1202C45}" type="datetime1">
               <a:rPr lang="ru-RU" smtClean="0"/>
-              <a:t>25.04.2024</a:t>
+              <a:t>23.05.2024</a:t>
             </a:fld>
             <a:endParaRPr lang="ru-RU"/>
           </a:p>
@@ -1015,7 +1019,7 @@
           <a:p>
             <a:fld id="{2ED81F8E-0F52-4441-92DB-189F221F18AD}" type="datetime1">
               <a:rPr lang="ru-RU" smtClean="0"/>
-              <a:t>25.04.2024</a:t>
+              <a:t>23.05.2024</a:t>
             </a:fld>
             <a:endParaRPr lang="ru-RU"/>
           </a:p>
@@ -1183,7 +1187,7 @@
           <a:p>
             <a:fld id="{A32B4E19-BDBF-4459-BD64-082AF5CBAC81}" type="datetime1">
               <a:rPr lang="ru-RU" smtClean="0"/>
-              <a:t>25.04.2024</a:t>
+              <a:t>23.05.2024</a:t>
             </a:fld>
             <a:endParaRPr lang="ru-RU"/>
           </a:p>
@@ -1428,7 +1432,7 @@
           <a:p>
             <a:fld id="{F0FB4C45-CDF1-43EA-973D-051E1CAD298A}" type="datetime1">
               <a:rPr lang="ru-RU" smtClean="0"/>
-              <a:t>25.04.2024</a:t>
+              <a:t>23.05.2024</a:t>
             </a:fld>
             <a:endParaRPr lang="ru-RU"/>
           </a:p>
@@ -1713,7 +1717,7 @@
           <a:p>
             <a:fld id="{08512D6B-C3B1-4408-AFE4-47400481D2AF}" type="datetime1">
               <a:rPr lang="ru-RU" smtClean="0"/>
-              <a:t>25.04.2024</a:t>
+              <a:t>23.05.2024</a:t>
             </a:fld>
             <a:endParaRPr lang="ru-RU"/>
           </a:p>
@@ -2132,7 +2136,7 @@
           <a:p>
             <a:fld id="{8393DAA4-D2BA-41BC-BB46-C75EBC7897D2}" type="datetime1">
               <a:rPr lang="ru-RU" smtClean="0"/>
-              <a:t>25.04.2024</a:t>
+              <a:t>23.05.2024</a:t>
             </a:fld>
             <a:endParaRPr lang="ru-RU"/>
           </a:p>
@@ -2249,7 +2253,7 @@
           <a:p>
             <a:fld id="{CA8D47CD-05FF-4CCE-ADBB-9D4F9CDA3A02}" type="datetime1">
               <a:rPr lang="ru-RU" smtClean="0"/>
-              <a:t>25.04.2024</a:t>
+              <a:t>23.05.2024</a:t>
             </a:fld>
             <a:endParaRPr lang="ru-RU"/>
           </a:p>
@@ -2344,7 +2348,7 @@
           <a:p>
             <a:fld id="{D43B1656-6DDD-4CAA-81F6-6641D0DA7017}" type="datetime1">
               <a:rPr lang="ru-RU" smtClean="0"/>
-              <a:t>25.04.2024</a:t>
+              <a:t>23.05.2024</a:t>
             </a:fld>
             <a:endParaRPr lang="ru-RU"/>
           </a:p>
@@ -2619,7 +2623,7 @@
           <a:p>
             <a:fld id="{59C2894B-9625-430F-9B9A-BF36AFAE0B5B}" type="datetime1">
               <a:rPr lang="ru-RU" smtClean="0"/>
-              <a:t>25.04.2024</a:t>
+              <a:t>23.05.2024</a:t>
             </a:fld>
             <a:endParaRPr lang="ru-RU"/>
           </a:p>
@@ -2871,7 +2875,7 @@
           <a:p>
             <a:fld id="{9F0BE669-6AE7-4F1D-BAF5-71C18E7D1E10}" type="datetime1">
               <a:rPr lang="ru-RU" smtClean="0"/>
-              <a:t>25.04.2024</a:t>
+              <a:t>23.05.2024</a:t>
             </a:fld>
             <a:endParaRPr lang="ru-RU"/>
           </a:p>
@@ -3082,7 +3086,7 @@
           <a:p>
             <a:fld id="{FD3FB48F-75F0-47D3-910B-20E7BE5531C2}" type="datetime1">
               <a:rPr lang="ru-RU" smtClean="0"/>
-              <a:t>25.04.2024</a:t>
+              <a:t>23.05.2024</a:t>
             </a:fld>
             <a:endParaRPr lang="ru-RU"/>
           </a:p>
@@ -5126,39 +5130,6 @@
           </a:p>
         </p:txBody>
       </p:sp>
-      <p:sp>
-        <p:nvSpPr>
-          <p:cNvPr id="3" name="Подзаголовок 2"/>
-          <p:cNvSpPr>
-            <a:spLocks noGrp="1"/>
-          </p:cNvSpPr>
-          <p:nvPr>
-            <p:ph type="subTitle" idx="1"/>
-          </p:nvPr>
-        </p:nvSpPr>
-        <p:spPr>
-          <a:xfrm>
-            <a:off x="498190" y="1340768"/>
-            <a:ext cx="8106258" cy="4896544"/>
-          </a:xfrm>
-        </p:spPr>
-        <p:txBody>
-          <a:bodyPr anchor="ctr">
-            <a:normAutofit/>
-          </a:bodyPr>
-          <a:lstStyle/>
-          <a:p>
-            <a:pPr algn="l"/>
-            <a:endParaRPr lang="ru-RU" sz="3600" dirty="0">
-              <a:solidFill>
-                <a:schemeClr val="tx1"/>
-              </a:solidFill>
-              <a:latin typeface="Arial" panose="020B0604020202020204" pitchFamily="34" charset="0"/>
-              <a:cs typeface="Arial" panose="020B0604020202020204" pitchFamily="34" charset="0"/>
-            </a:endParaRPr>
-          </a:p>
-        </p:txBody>
-      </p:sp>
       <p:pic>
         <p:nvPicPr>
           <p:cNvPr id="5" name="Рисунок 4">
@@ -5631,183 +5602,29 @@
       </p:grpSpPr>
       <p:sp>
         <p:nvSpPr>
-          <p:cNvPr id="2" name="Заголовок 1">
-            <a:extLst>
-              <a:ext uri="{FF2B5EF4-FFF2-40B4-BE49-F238E27FC236}">
-                <a16:creationId xmlns:a16="http://schemas.microsoft.com/office/drawing/2014/main" id="{491F3AE5-8F5E-FB66-D9E0-D86BDEFC85E5}"/>
-              </a:ext>
-            </a:extLst>
-          </p:cNvPr>
-          <p:cNvSpPr>
-            <a:spLocks noGrp="1"/>
-          </p:cNvSpPr>
-          <p:nvPr>
-            <p:ph type="title"/>
-          </p:nvPr>
-        </p:nvSpPr>
-        <p:spPr/>
+          <p:cNvPr id="2" name="Заголовок 1"/>
+          <p:cNvSpPr>
+            <a:spLocks noGrp="1"/>
+          </p:cNvSpPr>
+          <p:nvPr>
+            <p:ph type="ctrTitle"/>
+          </p:nvPr>
+        </p:nvSpPr>
+        <p:spPr>
+          <a:xfrm>
+            <a:off x="467544" y="188640"/>
+            <a:ext cx="8136904" cy="504056"/>
+          </a:xfrm>
+        </p:spPr>
         <p:txBody>
           <a:bodyPr>
-            <a:normAutofit/>
+            <a:noAutofit/>
           </a:bodyPr>
           <a:lstStyle/>
           <a:p>
             <a:r>
-              <a:rPr lang="ru-RU" sz="3600" dirty="0"/>
-              <a:t>Проценты готовности работ</a:t>
-            </a:r>
-          </a:p>
-        </p:txBody>
-      </p:sp>
-      <p:sp>
-        <p:nvSpPr>
-          <p:cNvPr id="3" name="Объект 2">
-            <a:extLst>
-              <a:ext uri="{FF2B5EF4-FFF2-40B4-BE49-F238E27FC236}">
-                <a16:creationId xmlns:a16="http://schemas.microsoft.com/office/drawing/2014/main" id="{86D743FF-0B1E-2705-B3B4-92263E9E1D2C}"/>
-              </a:ext>
-            </a:extLst>
-          </p:cNvPr>
-          <p:cNvSpPr>
-            <a:spLocks noGrp="1"/>
-          </p:cNvSpPr>
-          <p:nvPr>
-            <p:ph idx="1"/>
-          </p:nvPr>
-        </p:nvSpPr>
-        <p:spPr/>
-        <p:txBody>
-          <a:bodyPr anchor="ctr">
-            <a:normAutofit/>
-          </a:bodyPr>
-          <a:lstStyle/>
-          <a:p>
-            <a:pPr marL="0" indent="0" algn="ctr">
-              <a:buNone/>
-            </a:pPr>
-            <a:r>
-              <a:rPr lang="ru-RU" altLang="en-US" sz="2800" dirty="0">
-                <a:solidFill>
-                  <a:schemeClr val="tx1"/>
-                </a:solidFill>
-                <a:latin typeface="Arial" panose="020B0604020202020204" pitchFamily="34" charset="0"/>
-                <a:cs typeface="Arial" panose="020B0604020202020204" pitchFamily="34" charset="0"/>
-              </a:rPr>
-              <a:t>ТЗ: </a:t>
-            </a:r>
-            <a:r>
-              <a:rPr lang="en-US" altLang="en-US" sz="2800" dirty="0">
-                <a:latin typeface="Arial" panose="020B0604020202020204" pitchFamily="34" charset="0"/>
-                <a:cs typeface="Arial" panose="020B0604020202020204" pitchFamily="34" charset="0"/>
-              </a:rPr>
-              <a:t>~</a:t>
-            </a:r>
-            <a:r>
-              <a:rPr lang="ru-RU" altLang="en-US" sz="2800" dirty="0">
-                <a:solidFill>
-                  <a:schemeClr val="tx1"/>
-                </a:solidFill>
-                <a:latin typeface="Arial" panose="020B0604020202020204" pitchFamily="34" charset="0"/>
-                <a:cs typeface="Arial" panose="020B0604020202020204" pitchFamily="34" charset="0"/>
-              </a:rPr>
-              <a:t>готово</a:t>
-            </a:r>
-            <a:endParaRPr lang="en-US" altLang="en-US" sz="2800" dirty="0">
-              <a:solidFill>
-                <a:schemeClr val="tx1"/>
-              </a:solidFill>
-              <a:latin typeface="Arial" panose="020B0604020202020204" pitchFamily="34" charset="0"/>
-              <a:cs typeface="Arial" panose="020B0604020202020204" pitchFamily="34" charset="0"/>
-            </a:endParaRPr>
-          </a:p>
-          <a:p>
-            <a:pPr marL="0" indent="0" algn="ctr">
-              <a:buNone/>
-            </a:pPr>
-            <a:r>
-              <a:rPr lang="ru-RU" altLang="en-US" sz="2800" dirty="0">
-                <a:solidFill>
-                  <a:schemeClr val="tx1"/>
-                </a:solidFill>
-                <a:latin typeface="Arial" panose="020B0604020202020204" pitchFamily="34" charset="0"/>
-                <a:cs typeface="Arial" panose="020B0604020202020204" pitchFamily="34" charset="0"/>
-              </a:rPr>
-              <a:t>ПЗ: </a:t>
-            </a:r>
-            <a:r>
-              <a:rPr lang="en-US" altLang="en-US" sz="2800" dirty="0">
-                <a:solidFill>
-                  <a:schemeClr val="tx1"/>
-                </a:solidFill>
-                <a:latin typeface="Arial" panose="020B0604020202020204" pitchFamily="34" charset="0"/>
-                <a:cs typeface="Arial" panose="020B0604020202020204" pitchFamily="34" charset="0"/>
-              </a:rPr>
-              <a:t>~</a:t>
-            </a:r>
-            <a:r>
-              <a:rPr lang="ru-RU" altLang="en-US" sz="2800" dirty="0">
-                <a:solidFill>
-                  <a:schemeClr val="tx1"/>
-                </a:solidFill>
-                <a:latin typeface="Arial" panose="020B0604020202020204" pitchFamily="34" charset="0"/>
-                <a:cs typeface="Arial" panose="020B0604020202020204" pitchFamily="34" charset="0"/>
-              </a:rPr>
-              <a:t>50</a:t>
-            </a:r>
-            <a:r>
-              <a:rPr lang="en-US" altLang="en-US" sz="2800" dirty="0">
-                <a:solidFill>
-                  <a:schemeClr val="tx1"/>
-                </a:solidFill>
-                <a:latin typeface="Arial" panose="020B0604020202020204" pitchFamily="34" charset="0"/>
-                <a:cs typeface="Arial" panose="020B0604020202020204" pitchFamily="34" charset="0"/>
-              </a:rPr>
-              <a:t>%</a:t>
-            </a:r>
-          </a:p>
-          <a:p>
-            <a:pPr marL="0" indent="0" algn="ctr">
-              <a:buNone/>
-            </a:pPr>
-            <a:r>
-              <a:rPr lang="ru-RU" altLang="en-US" sz="2800" dirty="0">
-                <a:solidFill>
-                  <a:schemeClr val="tx1"/>
-                </a:solidFill>
-                <a:latin typeface="Arial" panose="020B0604020202020204" pitchFamily="34" charset="0"/>
-                <a:cs typeface="Arial" panose="020B0604020202020204" pitchFamily="34" charset="0"/>
-              </a:rPr>
-              <a:t>Программа: </a:t>
-            </a:r>
-            <a:r>
-              <a:rPr lang="en-US" altLang="en-US" sz="2800" dirty="0">
-                <a:solidFill>
-                  <a:schemeClr val="tx1"/>
-                </a:solidFill>
-                <a:latin typeface="Arial" panose="020B0604020202020204" pitchFamily="34" charset="0"/>
-                <a:cs typeface="Arial" panose="020B0604020202020204" pitchFamily="34" charset="0"/>
-              </a:rPr>
-              <a:t>~</a:t>
-            </a:r>
-            <a:r>
-              <a:rPr lang="ru-RU" altLang="en-US" sz="2800" dirty="0">
-                <a:solidFill>
-                  <a:schemeClr val="tx1"/>
-                </a:solidFill>
-                <a:latin typeface="Arial" panose="020B0604020202020204" pitchFamily="34" charset="0"/>
-                <a:cs typeface="Arial" panose="020B0604020202020204" pitchFamily="34" charset="0"/>
-              </a:rPr>
-              <a:t>60</a:t>
-            </a:r>
-            <a:r>
-              <a:rPr lang="en-US" altLang="en-US" sz="2800" dirty="0">
-                <a:solidFill>
-                  <a:schemeClr val="tx1"/>
-                </a:solidFill>
-                <a:latin typeface="Arial" panose="020B0604020202020204" pitchFamily="34" charset="0"/>
-                <a:cs typeface="Arial" panose="020B0604020202020204" pitchFamily="34" charset="0"/>
-              </a:rPr>
-              <a:t>%</a:t>
+              <a:rPr lang="ru-RU" sz="3200" dirty="0"/>
+              <a:t>Макет главной страницы сервиса</a:t>
             </a:r>
           </a:p>
         </p:txBody>
@@ -5817,7 +5634,7 @@
           <p:cNvPr id="4" name="Номер слайда 3">
             <a:extLst>
               <a:ext uri="{FF2B5EF4-FFF2-40B4-BE49-F238E27FC236}">
-                <a16:creationId xmlns:a16="http://schemas.microsoft.com/office/drawing/2014/main" id="{D5FC7ABF-14FB-4DD8-86FA-152750F5A22F}"/>
+                <a16:creationId xmlns:a16="http://schemas.microsoft.com/office/drawing/2014/main" id="{CCEDE2ED-2AE6-D58C-35F2-C35BB03F68DB}"/>
               </a:ext>
             </a:extLst>
           </p:cNvPr>
@@ -5841,10 +5658,494 @@
           </a:p>
         </p:txBody>
       </p:sp>
+      <p:sp>
+        <p:nvSpPr>
+          <p:cNvPr id="6" name="Подзаголовок 5">
+            <a:extLst>
+              <a:ext uri="{FF2B5EF4-FFF2-40B4-BE49-F238E27FC236}">
+                <a16:creationId xmlns:a16="http://schemas.microsoft.com/office/drawing/2014/main" id="{94A7DC2F-9DF7-F6A9-2930-09C823E3B776}"/>
+              </a:ext>
+            </a:extLst>
+          </p:cNvPr>
+          <p:cNvSpPr>
+            <a:spLocks noGrp="1"/>
+          </p:cNvSpPr>
+          <p:nvPr>
+            <p:ph type="subTitle" idx="1"/>
+          </p:nvPr>
+        </p:nvSpPr>
+        <p:spPr/>
+        <p:txBody>
+          <a:bodyPr/>
+          <a:lstStyle/>
+          <a:p>
+            <a:endParaRPr lang="ru-RU"/>
+          </a:p>
+        </p:txBody>
+      </p:sp>
+      <p:pic>
+        <p:nvPicPr>
+          <p:cNvPr id="5" name="Рисунок 4">
+            <a:extLst>
+              <a:ext uri="{FF2B5EF4-FFF2-40B4-BE49-F238E27FC236}">
+                <a16:creationId xmlns:a16="http://schemas.microsoft.com/office/drawing/2014/main" id="{163C715D-95CE-A07F-D313-1C4DFC1FE6CC}"/>
+              </a:ext>
+            </a:extLst>
+          </p:cNvPr>
+          <p:cNvPicPr>
+            <a:picLocks noChangeAspect="1"/>
+          </p:cNvPicPr>
+          <p:nvPr/>
+        </p:nvPicPr>
+        <p:blipFill>
+          <a:blip r:embed="rId2"/>
+          <a:stretch>
+            <a:fillRect/>
+          </a:stretch>
+        </p:blipFill>
+        <p:spPr>
+          <a:xfrm>
+            <a:off x="197768" y="963065"/>
+            <a:ext cx="8748464" cy="4931869"/>
+          </a:xfrm>
+          <a:prstGeom prst="rect">
+            <a:avLst/>
+          </a:prstGeom>
+        </p:spPr>
+      </p:pic>
     </p:spTree>
     <p:extLst>
       <p:ext uri="{BB962C8B-B14F-4D97-AF65-F5344CB8AC3E}">
-        <p14:creationId xmlns:p14="http://schemas.microsoft.com/office/powerpoint/2010/main" val="1717102549"/>
+        <p14:creationId xmlns:p14="http://schemas.microsoft.com/office/powerpoint/2010/main" val="3898527740"/>
+      </p:ext>
+    </p:extLst>
+  </p:cSld>
+  <p:clrMapOvr>
+    <a:masterClrMapping/>
+  </p:clrMapOvr>
+</p:sld>
+</file>
+
+<file path=ppt/slides/slide17.xml><?xml version="1.0" encoding="utf-8"?>
+<p:sld xmlns:a="http://schemas.openxmlformats.org/drawingml/2006/main" xmlns:r="http://schemas.openxmlformats.org/officeDocument/2006/relationships" xmlns:p="http://schemas.openxmlformats.org/presentationml/2006/main">
+  <p:cSld>
+    <p:spTree>
+      <p:nvGrpSpPr>
+        <p:cNvPr id="1" name=""/>
+        <p:cNvGrpSpPr/>
+        <p:nvPr/>
+      </p:nvGrpSpPr>
+      <p:grpSpPr>
+        <a:xfrm>
+          <a:off x="0" y="0"/>
+          <a:ext cx="0" cy="0"/>
+          <a:chOff x="0" y="0"/>
+          <a:chExt cx="0" cy="0"/>
+        </a:xfrm>
+      </p:grpSpPr>
+      <p:sp>
+        <p:nvSpPr>
+          <p:cNvPr id="2" name="Заголовок 1"/>
+          <p:cNvSpPr>
+            <a:spLocks noGrp="1"/>
+          </p:cNvSpPr>
+          <p:nvPr>
+            <p:ph type="ctrTitle"/>
+          </p:nvPr>
+        </p:nvSpPr>
+        <p:spPr>
+          <a:xfrm>
+            <a:off x="467544" y="188640"/>
+            <a:ext cx="8136904" cy="504056"/>
+          </a:xfrm>
+        </p:spPr>
+        <p:txBody>
+          <a:bodyPr>
+            <a:noAutofit/>
+          </a:bodyPr>
+          <a:lstStyle/>
+          <a:p>
+            <a:r>
+              <a:rPr lang="ru-RU" sz="3200" dirty="0"/>
+              <a:t>Макет страницы со списком автосервисов</a:t>
+            </a:r>
+          </a:p>
+        </p:txBody>
+      </p:sp>
+      <p:sp>
+        <p:nvSpPr>
+          <p:cNvPr id="4" name="Номер слайда 3">
+            <a:extLst>
+              <a:ext uri="{FF2B5EF4-FFF2-40B4-BE49-F238E27FC236}">
+                <a16:creationId xmlns:a16="http://schemas.microsoft.com/office/drawing/2014/main" id="{CCEDE2ED-2AE6-D58C-35F2-C35BB03F68DB}"/>
+              </a:ext>
+            </a:extLst>
+          </p:cNvPr>
+          <p:cNvSpPr>
+            <a:spLocks noGrp="1"/>
+          </p:cNvSpPr>
+          <p:nvPr>
+            <p:ph type="sldNum" sz="quarter" idx="12"/>
+          </p:nvPr>
+        </p:nvSpPr>
+        <p:spPr/>
+        <p:txBody>
+          <a:bodyPr/>
+          <a:lstStyle/>
+          <a:p>
+            <a:fld id="{A8D4CE12-0AFA-4111-B533-B38A2B9BBD8D}" type="slidenum">
+              <a:rPr lang="ru-RU" smtClean="0"/>
+              <a:t>17</a:t>
+            </a:fld>
+            <a:endParaRPr lang="ru-RU"/>
+          </a:p>
+        </p:txBody>
+      </p:sp>
+      <p:sp>
+        <p:nvSpPr>
+          <p:cNvPr id="6" name="Подзаголовок 5">
+            <a:extLst>
+              <a:ext uri="{FF2B5EF4-FFF2-40B4-BE49-F238E27FC236}">
+                <a16:creationId xmlns:a16="http://schemas.microsoft.com/office/drawing/2014/main" id="{94A7DC2F-9DF7-F6A9-2930-09C823E3B776}"/>
+              </a:ext>
+            </a:extLst>
+          </p:cNvPr>
+          <p:cNvSpPr>
+            <a:spLocks noGrp="1"/>
+          </p:cNvSpPr>
+          <p:nvPr>
+            <p:ph type="subTitle" idx="1"/>
+          </p:nvPr>
+        </p:nvSpPr>
+        <p:spPr/>
+        <p:txBody>
+          <a:bodyPr/>
+          <a:lstStyle/>
+          <a:p>
+            <a:endParaRPr lang="ru-RU"/>
+          </a:p>
+        </p:txBody>
+      </p:sp>
+      <p:pic>
+        <p:nvPicPr>
+          <p:cNvPr id="7" name="Рисунок 6">
+            <a:extLst>
+              <a:ext uri="{FF2B5EF4-FFF2-40B4-BE49-F238E27FC236}">
+                <a16:creationId xmlns:a16="http://schemas.microsoft.com/office/drawing/2014/main" id="{52090570-0DDE-FF78-2F1E-828DA64E856A}"/>
+              </a:ext>
+            </a:extLst>
+          </p:cNvPr>
+          <p:cNvPicPr>
+            <a:picLocks noChangeAspect="1"/>
+          </p:cNvPicPr>
+          <p:nvPr/>
+        </p:nvPicPr>
+        <p:blipFill>
+          <a:blip r:embed="rId2"/>
+          <a:stretch>
+            <a:fillRect/>
+          </a:stretch>
+        </p:blipFill>
+        <p:spPr>
+          <a:xfrm>
+            <a:off x="341784" y="1055424"/>
+            <a:ext cx="8460432" cy="4747152"/>
+          </a:xfrm>
+          <a:prstGeom prst="rect">
+            <a:avLst/>
+          </a:prstGeom>
+        </p:spPr>
+      </p:pic>
+    </p:spTree>
+    <p:extLst>
+      <p:ext uri="{BB962C8B-B14F-4D97-AF65-F5344CB8AC3E}">
+        <p14:creationId xmlns:p14="http://schemas.microsoft.com/office/powerpoint/2010/main" val="222273885"/>
+      </p:ext>
+    </p:extLst>
+  </p:cSld>
+  <p:clrMapOvr>
+    <a:masterClrMapping/>
+  </p:clrMapOvr>
+</p:sld>
+</file>
+
+<file path=ppt/slides/slide18.xml><?xml version="1.0" encoding="utf-8"?>
+<p:sld xmlns:a="http://schemas.openxmlformats.org/drawingml/2006/main" xmlns:r="http://schemas.openxmlformats.org/officeDocument/2006/relationships" xmlns:p="http://schemas.openxmlformats.org/presentationml/2006/main">
+  <p:cSld>
+    <p:spTree>
+      <p:nvGrpSpPr>
+        <p:cNvPr id="1" name=""/>
+        <p:cNvGrpSpPr/>
+        <p:nvPr/>
+      </p:nvGrpSpPr>
+      <p:grpSpPr>
+        <a:xfrm>
+          <a:off x="0" y="0"/>
+          <a:ext cx="0" cy="0"/>
+          <a:chOff x="0" y="0"/>
+          <a:chExt cx="0" cy="0"/>
+        </a:xfrm>
+      </p:grpSpPr>
+      <p:sp>
+        <p:nvSpPr>
+          <p:cNvPr id="2" name="Заголовок 1"/>
+          <p:cNvSpPr>
+            <a:spLocks noGrp="1"/>
+          </p:cNvSpPr>
+          <p:nvPr>
+            <p:ph type="ctrTitle"/>
+          </p:nvPr>
+        </p:nvSpPr>
+        <p:spPr>
+          <a:xfrm>
+            <a:off x="467544" y="188640"/>
+            <a:ext cx="8136904" cy="504056"/>
+          </a:xfrm>
+        </p:spPr>
+        <p:txBody>
+          <a:bodyPr>
+            <a:noAutofit/>
+          </a:bodyPr>
+          <a:lstStyle/>
+          <a:p>
+            <a:r>
+              <a:rPr lang="ru-RU" sz="3200" dirty="0"/>
+              <a:t>Макет страницы автосервиса</a:t>
+            </a:r>
+          </a:p>
+        </p:txBody>
+      </p:sp>
+      <p:sp>
+        <p:nvSpPr>
+          <p:cNvPr id="4" name="Номер слайда 3">
+            <a:extLst>
+              <a:ext uri="{FF2B5EF4-FFF2-40B4-BE49-F238E27FC236}">
+                <a16:creationId xmlns:a16="http://schemas.microsoft.com/office/drawing/2014/main" id="{CCEDE2ED-2AE6-D58C-35F2-C35BB03F68DB}"/>
+              </a:ext>
+            </a:extLst>
+          </p:cNvPr>
+          <p:cNvSpPr>
+            <a:spLocks noGrp="1"/>
+          </p:cNvSpPr>
+          <p:nvPr>
+            <p:ph type="sldNum" sz="quarter" idx="12"/>
+          </p:nvPr>
+        </p:nvSpPr>
+        <p:spPr/>
+        <p:txBody>
+          <a:bodyPr/>
+          <a:lstStyle/>
+          <a:p>
+            <a:fld id="{A8D4CE12-0AFA-4111-B533-B38A2B9BBD8D}" type="slidenum">
+              <a:rPr lang="ru-RU" smtClean="0"/>
+              <a:t>18</a:t>
+            </a:fld>
+            <a:endParaRPr lang="ru-RU"/>
+          </a:p>
+        </p:txBody>
+      </p:sp>
+      <p:sp>
+        <p:nvSpPr>
+          <p:cNvPr id="6" name="Подзаголовок 5">
+            <a:extLst>
+              <a:ext uri="{FF2B5EF4-FFF2-40B4-BE49-F238E27FC236}">
+                <a16:creationId xmlns:a16="http://schemas.microsoft.com/office/drawing/2014/main" id="{94A7DC2F-9DF7-F6A9-2930-09C823E3B776}"/>
+              </a:ext>
+            </a:extLst>
+          </p:cNvPr>
+          <p:cNvSpPr>
+            <a:spLocks noGrp="1"/>
+          </p:cNvSpPr>
+          <p:nvPr>
+            <p:ph type="subTitle" idx="1"/>
+          </p:nvPr>
+        </p:nvSpPr>
+        <p:spPr/>
+        <p:txBody>
+          <a:bodyPr/>
+          <a:lstStyle/>
+          <a:p>
+            <a:endParaRPr lang="ru-RU"/>
+          </a:p>
+        </p:txBody>
+      </p:sp>
+      <p:pic>
+        <p:nvPicPr>
+          <p:cNvPr id="7" name="Рисунок 6">
+            <a:extLst>
+              <a:ext uri="{FF2B5EF4-FFF2-40B4-BE49-F238E27FC236}">
+                <a16:creationId xmlns:a16="http://schemas.microsoft.com/office/drawing/2014/main" id="{3DC74438-5A38-9568-0D8E-93B26A60F400}"/>
+              </a:ext>
+            </a:extLst>
+          </p:cNvPr>
+          <p:cNvPicPr>
+            <a:picLocks noChangeAspect="1"/>
+          </p:cNvPicPr>
+          <p:nvPr/>
+        </p:nvPicPr>
+        <p:blipFill>
+          <a:blip r:embed="rId2"/>
+          <a:stretch>
+            <a:fillRect/>
+          </a:stretch>
+        </p:blipFill>
+        <p:spPr>
+          <a:xfrm>
+            <a:off x="852487" y="714648"/>
+            <a:ext cx="7439025" cy="5619750"/>
+          </a:xfrm>
+          <a:prstGeom prst="rect">
+            <a:avLst/>
+          </a:prstGeom>
+        </p:spPr>
+      </p:pic>
+    </p:spTree>
+    <p:extLst>
+      <p:ext uri="{BB962C8B-B14F-4D97-AF65-F5344CB8AC3E}">
+        <p14:creationId xmlns:p14="http://schemas.microsoft.com/office/powerpoint/2010/main" val="3595597589"/>
+      </p:ext>
+    </p:extLst>
+  </p:cSld>
+  <p:clrMapOvr>
+    <a:masterClrMapping/>
+  </p:clrMapOvr>
+</p:sld>
+</file>
+
+<file path=ppt/slides/slide19.xml><?xml version="1.0" encoding="utf-8"?>
+<p:sld xmlns:a="http://schemas.openxmlformats.org/drawingml/2006/main" xmlns:r="http://schemas.openxmlformats.org/officeDocument/2006/relationships" xmlns:p="http://schemas.openxmlformats.org/presentationml/2006/main">
+  <p:cSld>
+    <p:spTree>
+      <p:nvGrpSpPr>
+        <p:cNvPr id="1" name=""/>
+        <p:cNvGrpSpPr/>
+        <p:nvPr/>
+      </p:nvGrpSpPr>
+      <p:grpSpPr>
+        <a:xfrm>
+          <a:off x="0" y="0"/>
+          <a:ext cx="0" cy="0"/>
+          <a:chOff x="0" y="0"/>
+          <a:chExt cx="0" cy="0"/>
+        </a:xfrm>
+      </p:grpSpPr>
+      <p:sp>
+        <p:nvSpPr>
+          <p:cNvPr id="2" name="Заголовок 1"/>
+          <p:cNvSpPr>
+            <a:spLocks noGrp="1"/>
+          </p:cNvSpPr>
+          <p:nvPr>
+            <p:ph type="ctrTitle"/>
+          </p:nvPr>
+        </p:nvSpPr>
+        <p:spPr>
+          <a:xfrm>
+            <a:off x="467544" y="188640"/>
+            <a:ext cx="8136904" cy="504056"/>
+          </a:xfrm>
+        </p:spPr>
+        <p:txBody>
+          <a:bodyPr>
+            <a:noAutofit/>
+          </a:bodyPr>
+          <a:lstStyle/>
+          <a:p>
+            <a:r>
+              <a:rPr lang="ru-RU" sz="3200" dirty="0"/>
+              <a:t>Макет результата сравнения автосервисов</a:t>
+            </a:r>
+          </a:p>
+        </p:txBody>
+      </p:sp>
+      <p:sp>
+        <p:nvSpPr>
+          <p:cNvPr id="4" name="Номер слайда 3">
+            <a:extLst>
+              <a:ext uri="{FF2B5EF4-FFF2-40B4-BE49-F238E27FC236}">
+                <a16:creationId xmlns:a16="http://schemas.microsoft.com/office/drawing/2014/main" id="{CCEDE2ED-2AE6-D58C-35F2-C35BB03F68DB}"/>
+              </a:ext>
+            </a:extLst>
+          </p:cNvPr>
+          <p:cNvSpPr>
+            <a:spLocks noGrp="1"/>
+          </p:cNvSpPr>
+          <p:nvPr>
+            <p:ph type="sldNum" sz="quarter" idx="12"/>
+          </p:nvPr>
+        </p:nvSpPr>
+        <p:spPr/>
+        <p:txBody>
+          <a:bodyPr/>
+          <a:lstStyle/>
+          <a:p>
+            <a:fld id="{A8D4CE12-0AFA-4111-B533-B38A2B9BBD8D}" type="slidenum">
+              <a:rPr lang="ru-RU" smtClean="0"/>
+              <a:t>19</a:t>
+            </a:fld>
+            <a:endParaRPr lang="ru-RU"/>
+          </a:p>
+        </p:txBody>
+      </p:sp>
+      <p:sp>
+        <p:nvSpPr>
+          <p:cNvPr id="6" name="Подзаголовок 5">
+            <a:extLst>
+              <a:ext uri="{FF2B5EF4-FFF2-40B4-BE49-F238E27FC236}">
+                <a16:creationId xmlns:a16="http://schemas.microsoft.com/office/drawing/2014/main" id="{94A7DC2F-9DF7-F6A9-2930-09C823E3B776}"/>
+              </a:ext>
+            </a:extLst>
+          </p:cNvPr>
+          <p:cNvSpPr>
+            <a:spLocks noGrp="1"/>
+          </p:cNvSpPr>
+          <p:nvPr>
+            <p:ph type="subTitle" idx="1"/>
+          </p:nvPr>
+        </p:nvSpPr>
+        <p:spPr/>
+        <p:txBody>
+          <a:bodyPr/>
+          <a:lstStyle/>
+          <a:p>
+            <a:endParaRPr lang="ru-RU"/>
+          </a:p>
+        </p:txBody>
+      </p:sp>
+      <p:pic>
+        <p:nvPicPr>
+          <p:cNvPr id="9" name="Рисунок 8">
+            <a:extLst>
+              <a:ext uri="{FF2B5EF4-FFF2-40B4-BE49-F238E27FC236}">
+                <a16:creationId xmlns:a16="http://schemas.microsoft.com/office/drawing/2014/main" id="{EBF44FD2-97DA-89CE-AA36-FADB2759466E}"/>
+              </a:ext>
+            </a:extLst>
+          </p:cNvPr>
+          <p:cNvPicPr>
+            <a:picLocks noChangeAspect="1"/>
+          </p:cNvPicPr>
+          <p:nvPr/>
+        </p:nvPicPr>
+        <p:blipFill>
+          <a:blip r:embed="rId2"/>
+          <a:stretch>
+            <a:fillRect/>
+          </a:stretch>
+        </p:blipFill>
+        <p:spPr>
+          <a:xfrm>
+            <a:off x="1371600" y="692696"/>
+            <a:ext cx="6400800" cy="5899582"/>
+          </a:xfrm>
+          <a:prstGeom prst="rect">
+            <a:avLst/>
+          </a:prstGeom>
+        </p:spPr>
+      </p:pic>
+    </p:spTree>
+    <p:extLst>
+      <p:ext uri="{BB962C8B-B14F-4D97-AF65-F5344CB8AC3E}">
+        <p14:creationId xmlns:p14="http://schemas.microsoft.com/office/powerpoint/2010/main" val="2800700243"/>
       </p:ext>
     </p:extLst>
   </p:cSld>
@@ -6044,41 +6345,6 @@
                 <a:ea typeface="Times New Roman" panose="02020603050405020304" pitchFamily="18" charset="0"/>
                 <a:cs typeface="Arial" panose="020B0604020202020204" pitchFamily="34" charset="0"/>
               </a:rPr>
-              <a:t>о</a:t>
-            </a:r>
-            <a:r>
-              <a:rPr lang="ru-RU" sz="2000" dirty="0">
-                <a:solidFill>
-                  <a:schemeClr val="tx1"/>
-                </a:solidFill>
-                <a:effectLst/>
-                <a:latin typeface="Arial" panose="020B0604020202020204" pitchFamily="34" charset="0"/>
-                <a:ea typeface="Times New Roman" panose="02020603050405020304" pitchFamily="18" charset="0"/>
-                <a:cs typeface="Arial" panose="020B0604020202020204" pitchFamily="34" charset="0"/>
-              </a:rPr>
-              <a:t>тсутствием уверенности потребителей в достоверности информации об автосервисах</a:t>
-            </a:r>
-          </a:p>
-          <a:p>
-            <a:pPr marL="457200" indent="-457200" algn="l">
-              <a:lnSpc>
-                <a:spcPct val="120000"/>
-              </a:lnSpc>
-              <a:spcBef>
-                <a:spcPts val="600"/>
-              </a:spcBef>
-              <a:buFont typeface="Arial" panose="020B0604020202020204" pitchFamily="34" charset="0"/>
-              <a:buChar char="•"/>
-            </a:pPr>
-            <a:r>
-              <a:rPr lang="ru-RU" sz="2000" dirty="0">
-                <a:solidFill>
-                  <a:schemeClr val="tx1"/>
-                </a:solidFill>
-                <a:latin typeface="Arial" panose="020B0604020202020204" pitchFamily="34" charset="0"/>
-                <a:ea typeface="Times New Roman" panose="02020603050405020304" pitchFamily="18" charset="0"/>
-                <a:cs typeface="Arial" panose="020B0604020202020204" pitchFamily="34" charset="0"/>
-              </a:rPr>
               <a:t>п</a:t>
             </a:r>
             <a:r>
@@ -6129,6 +6395,252 @@
     <p:extLst>
       <p:ext uri="{BB962C8B-B14F-4D97-AF65-F5344CB8AC3E}">
         <p14:creationId xmlns:p14="http://schemas.microsoft.com/office/powerpoint/2010/main" val="1053462166"/>
+      </p:ext>
+    </p:extLst>
+  </p:cSld>
+  <p:clrMapOvr>
+    <a:masterClrMapping/>
+  </p:clrMapOvr>
+</p:sld>
+</file>
+
+<file path=ppt/slides/slide20.xml><?xml version="1.0" encoding="utf-8"?>
+<p:sld xmlns:a="http://schemas.openxmlformats.org/drawingml/2006/main" xmlns:r="http://schemas.openxmlformats.org/officeDocument/2006/relationships" xmlns:p="http://schemas.openxmlformats.org/presentationml/2006/main">
+  <p:cSld>
+    <p:spTree>
+      <p:nvGrpSpPr>
+        <p:cNvPr id="1" name=""/>
+        <p:cNvGrpSpPr/>
+        <p:nvPr/>
+      </p:nvGrpSpPr>
+      <p:grpSpPr>
+        <a:xfrm>
+          <a:off x="0" y="0"/>
+          <a:ext cx="0" cy="0"/>
+          <a:chOff x="0" y="0"/>
+          <a:chExt cx="0" cy="0"/>
+        </a:xfrm>
+      </p:grpSpPr>
+      <p:sp>
+        <p:nvSpPr>
+          <p:cNvPr id="2" name="Заголовок 1">
+            <a:extLst>
+              <a:ext uri="{FF2B5EF4-FFF2-40B4-BE49-F238E27FC236}">
+                <a16:creationId xmlns:a16="http://schemas.microsoft.com/office/drawing/2014/main" id="{491F3AE5-8F5E-FB66-D9E0-D86BDEFC85E5}"/>
+              </a:ext>
+            </a:extLst>
+          </p:cNvPr>
+          <p:cNvSpPr>
+            <a:spLocks noGrp="1"/>
+          </p:cNvSpPr>
+          <p:nvPr>
+            <p:ph type="title"/>
+          </p:nvPr>
+        </p:nvSpPr>
+        <p:spPr/>
+        <p:txBody>
+          <a:bodyPr>
+            <a:normAutofit/>
+          </a:bodyPr>
+          <a:lstStyle/>
+          <a:p>
+            <a:r>
+              <a:rPr lang="ru-RU" sz="3600" dirty="0"/>
+              <a:t>Проценты готовности работ</a:t>
+            </a:r>
+          </a:p>
+        </p:txBody>
+      </p:sp>
+      <p:sp>
+        <p:nvSpPr>
+          <p:cNvPr id="3" name="Объект 2">
+            <a:extLst>
+              <a:ext uri="{FF2B5EF4-FFF2-40B4-BE49-F238E27FC236}">
+                <a16:creationId xmlns:a16="http://schemas.microsoft.com/office/drawing/2014/main" id="{86D743FF-0B1E-2705-B3B4-92263E9E1D2C}"/>
+              </a:ext>
+            </a:extLst>
+          </p:cNvPr>
+          <p:cNvSpPr>
+            <a:spLocks noGrp="1"/>
+          </p:cNvSpPr>
+          <p:nvPr>
+            <p:ph idx="1"/>
+          </p:nvPr>
+        </p:nvSpPr>
+        <p:spPr/>
+        <p:txBody>
+          <a:bodyPr anchor="ctr">
+            <a:normAutofit/>
+          </a:bodyPr>
+          <a:lstStyle/>
+          <a:p>
+            <a:pPr marL="0" indent="0" algn="ctr">
+              <a:buNone/>
+            </a:pPr>
+            <a:r>
+              <a:rPr lang="ru-RU" altLang="en-US" sz="2800" dirty="0">
+                <a:solidFill>
+                  <a:schemeClr val="tx1"/>
+                </a:solidFill>
+                <a:latin typeface="Arial" panose="020B0604020202020204" pitchFamily="34" charset="0"/>
+                <a:cs typeface="Arial" panose="020B0604020202020204" pitchFamily="34" charset="0"/>
+              </a:rPr>
+              <a:t>ТЗ: </a:t>
+            </a:r>
+            <a:r>
+              <a:rPr lang="en-US" altLang="en-US" sz="2800" dirty="0">
+                <a:latin typeface="Arial" panose="020B0604020202020204" pitchFamily="34" charset="0"/>
+                <a:cs typeface="Arial" panose="020B0604020202020204" pitchFamily="34" charset="0"/>
+              </a:rPr>
+              <a:t>~</a:t>
+            </a:r>
+            <a:r>
+              <a:rPr lang="ru-RU" altLang="en-US" sz="2800" dirty="0">
+                <a:solidFill>
+                  <a:schemeClr val="tx1"/>
+                </a:solidFill>
+                <a:latin typeface="Arial" panose="020B0604020202020204" pitchFamily="34" charset="0"/>
+                <a:cs typeface="Arial" panose="020B0604020202020204" pitchFamily="34" charset="0"/>
+              </a:rPr>
+              <a:t>готово</a:t>
+            </a:r>
+            <a:endParaRPr lang="en-US" altLang="en-US" sz="2800" dirty="0">
+              <a:solidFill>
+                <a:schemeClr val="tx1"/>
+              </a:solidFill>
+              <a:latin typeface="Arial" panose="020B0604020202020204" pitchFamily="34" charset="0"/>
+              <a:cs typeface="Arial" panose="020B0604020202020204" pitchFamily="34" charset="0"/>
+            </a:endParaRPr>
+          </a:p>
+          <a:p>
+            <a:pPr marL="0" indent="0" algn="ctr">
+              <a:buNone/>
+            </a:pPr>
+            <a:r>
+              <a:rPr lang="ru-RU" altLang="en-US" sz="2800" dirty="0">
+                <a:solidFill>
+                  <a:schemeClr val="tx1"/>
+                </a:solidFill>
+                <a:latin typeface="Arial" panose="020B0604020202020204" pitchFamily="34" charset="0"/>
+                <a:cs typeface="Arial" panose="020B0604020202020204" pitchFamily="34" charset="0"/>
+              </a:rPr>
+              <a:t>ПЗ: </a:t>
+            </a:r>
+            <a:r>
+              <a:rPr lang="en-US" altLang="en-US" sz="2800" dirty="0">
+                <a:solidFill>
+                  <a:schemeClr val="tx1"/>
+                </a:solidFill>
+                <a:latin typeface="Arial" panose="020B0604020202020204" pitchFamily="34" charset="0"/>
+                <a:cs typeface="Arial" panose="020B0604020202020204" pitchFamily="34" charset="0"/>
+              </a:rPr>
+              <a:t>~</a:t>
+            </a:r>
+            <a:r>
+              <a:rPr lang="ru-RU" altLang="en-US" sz="2800" dirty="0">
+                <a:latin typeface="Arial" panose="020B0604020202020204" pitchFamily="34" charset="0"/>
+                <a:cs typeface="Arial" panose="020B0604020202020204" pitchFamily="34" charset="0"/>
+              </a:rPr>
+              <a:t>7</a:t>
+            </a:r>
+            <a:r>
+              <a:rPr lang="ru-RU" altLang="en-US" sz="2800" dirty="0">
+                <a:solidFill>
+                  <a:schemeClr val="tx1"/>
+                </a:solidFill>
+                <a:latin typeface="Arial" panose="020B0604020202020204" pitchFamily="34" charset="0"/>
+                <a:cs typeface="Arial" panose="020B0604020202020204" pitchFamily="34" charset="0"/>
+              </a:rPr>
+              <a:t>0</a:t>
+            </a:r>
+            <a:r>
+              <a:rPr lang="en-US" altLang="en-US" sz="2800" dirty="0">
+                <a:solidFill>
+                  <a:schemeClr val="tx1"/>
+                </a:solidFill>
+                <a:latin typeface="Arial" panose="020B0604020202020204" pitchFamily="34" charset="0"/>
+                <a:cs typeface="Arial" panose="020B0604020202020204" pitchFamily="34" charset="0"/>
+              </a:rPr>
+              <a:t>%</a:t>
+            </a:r>
+          </a:p>
+          <a:p>
+            <a:pPr marL="0" indent="0" algn="ctr">
+              <a:buNone/>
+            </a:pPr>
+            <a:r>
+              <a:rPr lang="ru-RU" altLang="en-US" sz="2800" dirty="0">
+                <a:solidFill>
+                  <a:schemeClr val="tx1"/>
+                </a:solidFill>
+                <a:latin typeface="Arial" panose="020B0604020202020204" pitchFamily="34" charset="0"/>
+                <a:cs typeface="Arial" panose="020B0604020202020204" pitchFamily="34" charset="0"/>
+              </a:rPr>
+              <a:t>Программа: </a:t>
+            </a:r>
+            <a:r>
+              <a:rPr lang="en-US" altLang="en-US" sz="2800" dirty="0">
+                <a:solidFill>
+                  <a:schemeClr val="tx1"/>
+                </a:solidFill>
+                <a:latin typeface="Arial" panose="020B0604020202020204" pitchFamily="34" charset="0"/>
+                <a:cs typeface="Arial" panose="020B0604020202020204" pitchFamily="34" charset="0"/>
+              </a:rPr>
+              <a:t>~</a:t>
+            </a:r>
+            <a:r>
+              <a:rPr lang="ru-RU" altLang="en-US" sz="2800" dirty="0">
+                <a:latin typeface="Arial" panose="020B0604020202020204" pitchFamily="34" charset="0"/>
+                <a:cs typeface="Arial" panose="020B0604020202020204" pitchFamily="34" charset="0"/>
+              </a:rPr>
+              <a:t>85</a:t>
+            </a:r>
+            <a:r>
+              <a:rPr lang="en-US" altLang="en-US" sz="2800" dirty="0">
+                <a:solidFill>
+                  <a:schemeClr val="tx1"/>
+                </a:solidFill>
+                <a:latin typeface="Arial" panose="020B0604020202020204" pitchFamily="34" charset="0"/>
+                <a:cs typeface="Arial" panose="020B0604020202020204" pitchFamily="34" charset="0"/>
+              </a:rPr>
+              <a:t>%</a:t>
+            </a:r>
+          </a:p>
+        </p:txBody>
+      </p:sp>
+      <p:sp>
+        <p:nvSpPr>
+          <p:cNvPr id="4" name="Номер слайда 3">
+            <a:extLst>
+              <a:ext uri="{FF2B5EF4-FFF2-40B4-BE49-F238E27FC236}">
+                <a16:creationId xmlns:a16="http://schemas.microsoft.com/office/drawing/2014/main" id="{D5FC7ABF-14FB-4DD8-86FA-152750F5A22F}"/>
+              </a:ext>
+            </a:extLst>
+          </p:cNvPr>
+          <p:cNvSpPr>
+            <a:spLocks noGrp="1"/>
+          </p:cNvSpPr>
+          <p:nvPr>
+            <p:ph type="sldNum" sz="quarter" idx="12"/>
+          </p:nvPr>
+        </p:nvSpPr>
+        <p:spPr/>
+        <p:txBody>
+          <a:bodyPr/>
+          <a:lstStyle/>
+          <a:p>
+            <a:fld id="{A8D4CE12-0AFA-4111-B533-B38A2B9BBD8D}" type="slidenum">
+              <a:rPr lang="ru-RU" smtClean="0"/>
+              <a:t>20</a:t>
+            </a:fld>
+            <a:endParaRPr lang="ru-RU"/>
+          </a:p>
+        </p:txBody>
+      </p:sp>
+    </p:spTree>
+    <p:extLst>
+      <p:ext uri="{BB962C8B-B14F-4D97-AF65-F5344CB8AC3E}">
+        <p14:creationId xmlns:p14="http://schemas.microsoft.com/office/powerpoint/2010/main" val="1717102549"/>
       </p:ext>
     </p:extLst>
   </p:cSld>
@@ -6210,61 +6722,12 @@
             <a:r>
               <a:rPr lang="ru-RU" sz="2400" dirty="0">
                 <a:solidFill>
-                  <a:srgbClr val="000000"/>
+                  <a:schemeClr val="tx1"/>
                 </a:solidFill>
                 <a:latin typeface="Arial" panose="020B0604020202020204" pitchFamily="34" charset="0"/>
                 <a:cs typeface="Arial" panose="020B0604020202020204" pitchFamily="34" charset="0"/>
               </a:rPr>
-              <a:t>М</a:t>
-            </a:r>
-            <a:r>
-              <a:rPr lang="ru-RU" sz="2400" b="0" i="0" dirty="0">
-                <a:solidFill>
-                  <a:srgbClr val="000000"/>
-                </a:solidFill>
-                <a:effectLst/>
-                <a:latin typeface="Arial" panose="020B0604020202020204" pitchFamily="34" charset="0"/>
-                <a:cs typeface="Arial" panose="020B0604020202020204" pitchFamily="34" charset="0"/>
-              </a:rPr>
-              <a:t>ногие владельцы автосервисов могут создавать фейковые отзывы или платить третьим лицам за написание положительных отзывов о своих услугах.</a:t>
-            </a:r>
-            <a:endParaRPr lang="en-US" sz="2400" b="0" i="0" dirty="0">
-              <a:solidFill>
-                <a:srgbClr val="000000"/>
-              </a:solidFill>
-              <a:effectLst/>
-              <a:latin typeface="Arial" panose="020B0604020202020204" pitchFamily="34" charset="0"/>
-              <a:cs typeface="Arial" panose="020B0604020202020204" pitchFamily="34" charset="0"/>
-            </a:endParaRPr>
-          </a:p>
-          <a:p>
-            <a:pPr algn="l"/>
-            <a:r>
-              <a:rPr lang="ru-RU" sz="2400" b="0" i="0" dirty="0">
-                <a:solidFill>
-                  <a:srgbClr val="000000"/>
-                </a:solidFill>
-                <a:effectLst/>
-                <a:latin typeface="Arial" panose="020B0604020202020204" pitchFamily="34" charset="0"/>
-                <a:cs typeface="Arial" panose="020B0604020202020204" pitchFamily="34" charset="0"/>
-              </a:rPr>
-              <a:t> </a:t>
-            </a:r>
-            <a:br>
-              <a:rPr lang="ru-RU" sz="2400" dirty="0">
-                <a:latin typeface="Arial" panose="020B0604020202020204" pitchFamily="34" charset="0"/>
-                <a:cs typeface="Arial" panose="020B0604020202020204" pitchFamily="34" charset="0"/>
-              </a:rPr>
-            </a:br>
-            <a:r>
-              <a:rPr lang="ru-RU" sz="2400" dirty="0">
-                <a:solidFill>
-                  <a:schemeClr val="tx1"/>
-                </a:solidFill>
-                <a:latin typeface="Arial" panose="020B0604020202020204" pitchFamily="34" charset="0"/>
-                <a:cs typeface="Arial" panose="020B0604020202020204" pitchFamily="34" charset="0"/>
-              </a:rPr>
-              <a:t>В России нет полноценных платформ</a:t>
+              <a:t>	В России нет полноценных платформ</a:t>
             </a:r>
             <a:r>
               <a:rPr lang="en-US" sz="2400" dirty="0">
@@ -6285,6 +6748,19 @@
                 <a:cs typeface="Arial" panose="020B0604020202020204" pitchFamily="34" charset="0"/>
               </a:rPr>
               <a:t>на которых можно сравнивать рейтинги и информацию различных автосервисов. </a:t>
+            </a:r>
+          </a:p>
+          <a:p>
+            <a:pPr algn="l"/>
+            <a:r>
+              <a:rPr lang="ru-RU" sz="2400" dirty="0">
+                <a:solidFill>
+                  <a:schemeClr val="tx1"/>
+                </a:solidFill>
+                <a:latin typeface="Arial" panose="020B0604020202020204" pitchFamily="34" charset="0"/>
+                <a:cs typeface="Arial" panose="020B0604020202020204" pitchFamily="34" charset="0"/>
+              </a:rPr>
+              <a:t>	Отсутствие такой функции значительно увеличивает время, затрачиваемое на поиск подходящего варианта.</a:t>
             </a:r>
           </a:p>
         </p:txBody>
@@ -6875,7 +7351,136 @@
                 <a:latin typeface="Arial" panose="020B0604020202020204" pitchFamily="34" charset="0"/>
                 <a:cs typeface="Arial" panose="020B0604020202020204" pitchFamily="34" charset="0"/>
               </a:rPr>
-              <a:t>еб-сервис предоставит пользователям удобный и надежный инструмент для получения объективной информации о качестве и надежности автосервисов. Это позволит потребителям принимать более обоснованные решения при выборе сервиса, основываясь на реальных отзывах и оценках других клиентов.</a:t>
+              <a:t>еб-сервис предоставит пользователям удобный инструмент для поиска и </a:t>
+            </a:r>
+            <a:r>
+              <a:rPr lang="ru-RU" sz="2000" dirty="0">
+                <a:solidFill>
+                  <a:schemeClr val="tx1"/>
+                </a:solidFill>
+                <a:latin typeface="Arial" panose="020B0604020202020204" pitchFamily="34" charset="0"/>
+                <a:cs typeface="Arial" panose="020B0604020202020204" pitchFamily="34" charset="0"/>
+              </a:rPr>
+              <a:t>сравнения </a:t>
+            </a:r>
+            <a:r>
+              <a:rPr lang="ru-RU" sz="2000" b="0" i="0" dirty="0">
+                <a:solidFill>
+                  <a:schemeClr val="tx1"/>
+                </a:solidFill>
+                <a:effectLst/>
+                <a:latin typeface="Arial" panose="020B0604020202020204" pitchFamily="34" charset="0"/>
+                <a:cs typeface="Arial" panose="020B0604020202020204" pitchFamily="34" charset="0"/>
+              </a:rPr>
+              <a:t>информации о</a:t>
+            </a:r>
+            <a:r>
+              <a:rPr lang="ru-RU" sz="2000" dirty="0">
+                <a:solidFill>
+                  <a:schemeClr val="tx1"/>
+                </a:solidFill>
+                <a:latin typeface="Arial" panose="020B0604020202020204" pitchFamily="34" charset="0"/>
+                <a:cs typeface="Arial" panose="020B0604020202020204" pitchFamily="34" charset="0"/>
+              </a:rPr>
+              <a:t> различных</a:t>
+            </a:r>
+            <a:r>
+              <a:rPr lang="ru-RU" sz="2000" b="0" i="0" dirty="0">
+                <a:solidFill>
+                  <a:schemeClr val="tx1"/>
+                </a:solidFill>
+                <a:effectLst/>
+                <a:latin typeface="Arial" panose="020B0604020202020204" pitchFamily="34" charset="0"/>
+                <a:cs typeface="Arial" panose="020B0604020202020204" pitchFamily="34" charset="0"/>
+              </a:rPr>
+              <a:t> автосервис</a:t>
+            </a:r>
+            <a:r>
+              <a:rPr lang="ru-RU" sz="2000" dirty="0">
+                <a:solidFill>
+                  <a:schemeClr val="tx1"/>
+                </a:solidFill>
+                <a:latin typeface="Arial" panose="020B0604020202020204" pitchFamily="34" charset="0"/>
+                <a:cs typeface="Arial" panose="020B0604020202020204" pitchFamily="34" charset="0"/>
+              </a:rPr>
+              <a:t>ов России</a:t>
+            </a:r>
+            <a:r>
+              <a:rPr lang="ru-RU" sz="2000" b="0" i="0" dirty="0">
+                <a:solidFill>
+                  <a:schemeClr val="tx1"/>
+                </a:solidFill>
+                <a:effectLst/>
+                <a:latin typeface="Arial" panose="020B0604020202020204" pitchFamily="34" charset="0"/>
+                <a:cs typeface="Arial" panose="020B0604020202020204" pitchFamily="34" charset="0"/>
+              </a:rPr>
+              <a:t>. Это позволит потребителям экономить время на поиск и сравнение информации об автосервисах и</a:t>
+            </a:r>
+            <a:r>
+              <a:rPr lang="en-US" sz="2000" b="0" i="0" dirty="0">
+                <a:solidFill>
+                  <a:schemeClr val="tx1"/>
+                </a:solidFill>
+                <a:effectLst/>
+                <a:latin typeface="Arial" panose="020B0604020202020204" pitchFamily="34" charset="0"/>
+                <a:cs typeface="Arial" panose="020B0604020202020204" pitchFamily="34" charset="0"/>
+              </a:rPr>
+              <a:t>, </a:t>
+            </a:r>
+            <a:r>
+              <a:rPr lang="ru-RU" sz="2000" b="0" i="0" dirty="0">
+                <a:solidFill>
+                  <a:schemeClr val="tx1"/>
+                </a:solidFill>
+                <a:effectLst/>
+                <a:latin typeface="Arial" panose="020B0604020202020204" pitchFamily="34" charset="0"/>
+                <a:cs typeface="Arial" panose="020B0604020202020204" pitchFamily="34" charset="0"/>
+              </a:rPr>
+              <a:t>основываясь на</a:t>
+            </a:r>
+            <a:r>
+              <a:rPr lang="en-US" sz="2000" b="0" i="0" dirty="0">
+                <a:solidFill>
+                  <a:schemeClr val="tx1"/>
+                </a:solidFill>
+                <a:effectLst/>
+                <a:latin typeface="Arial" panose="020B0604020202020204" pitchFamily="34" charset="0"/>
+                <a:cs typeface="Arial" panose="020B0604020202020204" pitchFamily="34" charset="0"/>
+              </a:rPr>
+              <a:t> </a:t>
+            </a:r>
+            <a:r>
+              <a:rPr lang="ru-RU" sz="2000" b="0" i="0" dirty="0">
+                <a:solidFill>
+                  <a:schemeClr val="tx1"/>
+                </a:solidFill>
+                <a:effectLst/>
+                <a:latin typeface="Arial" panose="020B0604020202020204" pitchFamily="34" charset="0"/>
+                <a:cs typeface="Arial" panose="020B0604020202020204" pitchFamily="34" charset="0"/>
+              </a:rPr>
+              <a:t>этом</a:t>
+            </a:r>
+            <a:r>
+              <a:rPr lang="en-US" sz="2000" b="0" i="0" dirty="0">
+                <a:solidFill>
+                  <a:schemeClr val="tx1"/>
+                </a:solidFill>
+                <a:effectLst/>
+                <a:latin typeface="Arial" panose="020B0604020202020204" pitchFamily="34" charset="0"/>
+                <a:cs typeface="Arial" panose="020B0604020202020204" pitchFamily="34" charset="0"/>
+              </a:rPr>
+              <a:t>, </a:t>
+            </a:r>
+            <a:r>
+              <a:rPr lang="ru-RU" sz="2000" b="0" i="0" dirty="0">
+                <a:solidFill>
+                  <a:schemeClr val="tx1"/>
+                </a:solidFill>
+                <a:effectLst/>
+                <a:latin typeface="Arial" panose="020B0604020202020204" pitchFamily="34" charset="0"/>
+                <a:cs typeface="Arial" panose="020B0604020202020204" pitchFamily="34" charset="0"/>
+              </a:rPr>
+              <a:t>принимать более обоснованные решения при выборе приоритетного.</a:t>
             </a:r>
             <a:endParaRPr lang="ru-RU" sz="3600" dirty="0">
               <a:solidFill>

--- a/Documentation/My documentation/Predzashita_Gailevich.pptx
+++ b/Documentation/My documentation/Predzashita_Gailevich.pptx
@@ -5,7 +5,7 @@
     <p:sldMasterId id="2147483648" r:id="rId1"/>
   </p:sldMasterIdLst>
   <p:notesMasterIdLst>
-    <p:notesMasterId r:id="rId22"/>
+    <p:notesMasterId r:id="rId24"/>
   </p:notesMasterIdLst>
   <p:sldIdLst>
     <p:sldId id="270" r:id="rId2"/>
@@ -16,18 +16,20 @@
     <p:sldId id="271" r:id="rId7"/>
     <p:sldId id="268" r:id="rId8"/>
     <p:sldId id="262" r:id="rId9"/>
-    <p:sldId id="267" r:id="rId10"/>
-    <p:sldId id="273" r:id="rId11"/>
-    <p:sldId id="263" r:id="rId12"/>
-    <p:sldId id="264" r:id="rId13"/>
-    <p:sldId id="275" r:id="rId14"/>
-    <p:sldId id="265" r:id="rId15"/>
-    <p:sldId id="266" r:id="rId16"/>
-    <p:sldId id="278" r:id="rId17"/>
-    <p:sldId id="280" r:id="rId18"/>
-    <p:sldId id="279" r:id="rId19"/>
-    <p:sldId id="277" r:id="rId20"/>
-    <p:sldId id="272" r:id="rId21"/>
+    <p:sldId id="282" r:id="rId10"/>
+    <p:sldId id="281" r:id="rId11"/>
+    <p:sldId id="267" r:id="rId12"/>
+    <p:sldId id="273" r:id="rId13"/>
+    <p:sldId id="263" r:id="rId14"/>
+    <p:sldId id="264" r:id="rId15"/>
+    <p:sldId id="275" r:id="rId16"/>
+    <p:sldId id="265" r:id="rId17"/>
+    <p:sldId id="266" r:id="rId18"/>
+    <p:sldId id="278" r:id="rId19"/>
+    <p:sldId id="280" r:id="rId20"/>
+    <p:sldId id="279" r:id="rId21"/>
+    <p:sldId id="277" r:id="rId22"/>
+    <p:sldId id="272" r:id="rId23"/>
   </p:sldIdLst>
   <p:sldSz cx="9144000" cy="6858000" type="screen4x3"/>
   <p:notesSz cx="6858000" cy="9144000"/>
@@ -3678,6 +3680,484 @@
 </file>
 
 <file path=ppt/slides/slide10.xml><?xml version="1.0" encoding="utf-8"?>
+<p:sld xmlns:a="http://schemas.openxmlformats.org/drawingml/2006/main" xmlns:r="http://schemas.openxmlformats.org/officeDocument/2006/relationships" xmlns:p="http://schemas.openxmlformats.org/presentationml/2006/main">
+  <p:cSld>
+    <p:spTree>
+      <p:nvGrpSpPr>
+        <p:cNvPr id="1" name=""/>
+        <p:cNvGrpSpPr/>
+        <p:nvPr/>
+      </p:nvGrpSpPr>
+      <p:grpSpPr>
+        <a:xfrm>
+          <a:off x="0" y="0"/>
+          <a:ext cx="0" cy="0"/>
+          <a:chOff x="0" y="0"/>
+          <a:chExt cx="0" cy="0"/>
+        </a:xfrm>
+      </p:grpSpPr>
+      <p:sp>
+        <p:nvSpPr>
+          <p:cNvPr id="2" name="Заголовок 1"/>
+          <p:cNvSpPr>
+            <a:spLocks noGrp="1"/>
+          </p:cNvSpPr>
+          <p:nvPr>
+            <p:ph type="ctrTitle"/>
+          </p:nvPr>
+        </p:nvSpPr>
+        <p:spPr>
+          <a:xfrm>
+            <a:off x="467544" y="188640"/>
+            <a:ext cx="8136904" cy="1440160"/>
+          </a:xfrm>
+        </p:spPr>
+        <p:txBody>
+          <a:bodyPr>
+            <a:normAutofit/>
+          </a:bodyPr>
+          <a:lstStyle/>
+          <a:p>
+            <a:r>
+              <a:rPr lang="ru-RU" dirty="0"/>
+              <a:t>Предлагаемое решение</a:t>
+            </a:r>
+            <a:br>
+              <a:rPr lang="ru-RU" dirty="0"/>
+            </a:br>
+            <a:r>
+              <a:rPr lang="ru-RU" dirty="0"/>
+              <a:t>(Ложные отзывы)</a:t>
+            </a:r>
+          </a:p>
+        </p:txBody>
+      </p:sp>
+      <p:sp>
+        <p:nvSpPr>
+          <p:cNvPr id="4" name="Номер слайда 3">
+            <a:extLst>
+              <a:ext uri="{FF2B5EF4-FFF2-40B4-BE49-F238E27FC236}">
+                <a16:creationId xmlns:a16="http://schemas.microsoft.com/office/drawing/2014/main" id="{FADEFAFE-1386-B458-4D20-8526F8503760}"/>
+              </a:ext>
+            </a:extLst>
+          </p:cNvPr>
+          <p:cNvSpPr>
+            <a:spLocks noGrp="1"/>
+          </p:cNvSpPr>
+          <p:nvPr>
+            <p:ph type="sldNum" sz="quarter" idx="12"/>
+          </p:nvPr>
+        </p:nvSpPr>
+        <p:spPr/>
+        <p:txBody>
+          <a:bodyPr/>
+          <a:lstStyle/>
+          <a:p>
+            <a:fld id="{A8D4CE12-0AFA-4111-B533-B38A2B9BBD8D}" type="slidenum">
+              <a:rPr lang="ru-RU" smtClean="0"/>
+              <a:t>10</a:t>
+            </a:fld>
+            <a:endParaRPr lang="ru-RU"/>
+          </a:p>
+        </p:txBody>
+      </p:sp>
+      <p:sp>
+        <p:nvSpPr>
+          <p:cNvPr id="6" name="TextBox 5">
+            <a:extLst>
+              <a:ext uri="{FF2B5EF4-FFF2-40B4-BE49-F238E27FC236}">
+                <a16:creationId xmlns:a16="http://schemas.microsoft.com/office/drawing/2014/main" id="{43735435-8581-9D15-EDE8-C50A0F10684C}"/>
+              </a:ext>
+            </a:extLst>
+          </p:cNvPr>
+          <p:cNvSpPr txBox="1"/>
+          <p:nvPr/>
+        </p:nvSpPr>
+        <p:spPr>
+          <a:xfrm>
+            <a:off x="1619672" y="1988840"/>
+            <a:ext cx="6408712" cy="2814617"/>
+          </a:xfrm>
+          <a:prstGeom prst="rect">
+            <a:avLst/>
+          </a:prstGeom>
+          <a:noFill/>
+        </p:spPr>
+        <p:txBody>
+          <a:bodyPr wrap="square">
+            <a:spAutoFit/>
+          </a:bodyPr>
+          <a:lstStyle/>
+          <a:p>
+            <a:pPr marL="342900" indent="-342900">
+              <a:lnSpc>
+                <a:spcPct val="150000"/>
+              </a:lnSpc>
+              <a:buAutoNum type="arabicParenR"/>
+            </a:pPr>
+            <a:r>
+              <a:rPr lang="ru-RU" sz="2000" dirty="0">
+                <a:solidFill>
+                  <a:srgbClr val="0D0D0D"/>
+                </a:solidFill>
+                <a:highlight>
+                  <a:srgbClr val="FFFFFF"/>
+                </a:highlight>
+                <a:latin typeface="ui-sans-serif"/>
+              </a:rPr>
+              <a:t>Требование прикрепить к отзыву чек о предоставлении услуги для подтверждения достоверности отзыва</a:t>
+            </a:r>
+          </a:p>
+          <a:p>
+            <a:pPr marL="342900" indent="-342900">
+              <a:lnSpc>
+                <a:spcPct val="150000"/>
+              </a:lnSpc>
+              <a:buAutoNum type="arabicParenR"/>
+            </a:pPr>
+            <a:r>
+              <a:rPr lang="ru-RU" sz="2000" dirty="0">
+                <a:solidFill>
+                  <a:srgbClr val="0D0D0D"/>
+                </a:solidFill>
+                <a:highlight>
+                  <a:srgbClr val="FFFFFF"/>
+                </a:highlight>
+                <a:latin typeface="ui-sans-serif"/>
+              </a:rPr>
+              <a:t>Авторизация пользователя через Госуслуги</a:t>
+            </a:r>
+          </a:p>
+          <a:p>
+            <a:pPr marL="342900" indent="-342900">
+              <a:lnSpc>
+                <a:spcPct val="150000"/>
+              </a:lnSpc>
+              <a:buAutoNum type="arabicParenR"/>
+            </a:pPr>
+            <a:r>
+              <a:rPr lang="ru-RU" sz="2000" dirty="0">
+                <a:solidFill>
+                  <a:srgbClr val="0D0D0D"/>
+                </a:solidFill>
+                <a:highlight>
+                  <a:srgbClr val="FFFFFF"/>
+                </a:highlight>
+                <a:latin typeface="ui-sans-serif"/>
+              </a:rPr>
+              <a:t>Проверка администратором наличия прикрепленного чека и его соответствия с данными пользователя. </a:t>
+            </a:r>
+          </a:p>
+        </p:txBody>
+      </p:sp>
+    </p:spTree>
+    <p:extLst>
+      <p:ext uri="{BB962C8B-B14F-4D97-AF65-F5344CB8AC3E}">
+        <p14:creationId xmlns:p14="http://schemas.microsoft.com/office/powerpoint/2010/main" val="133201304"/>
+      </p:ext>
+    </p:extLst>
+  </p:cSld>
+  <p:clrMapOvr>
+    <a:masterClrMapping/>
+  </p:clrMapOvr>
+</p:sld>
+</file>
+
+<file path=ppt/slides/slide11.xml><?xml version="1.0" encoding="utf-8"?>
+<p:sld xmlns:a="http://schemas.openxmlformats.org/drawingml/2006/main" xmlns:r="http://schemas.openxmlformats.org/officeDocument/2006/relationships" xmlns:p="http://schemas.openxmlformats.org/presentationml/2006/main">
+  <p:cSld>
+    <p:spTree>
+      <p:nvGrpSpPr>
+        <p:cNvPr id="1" name=""/>
+        <p:cNvGrpSpPr/>
+        <p:nvPr/>
+      </p:nvGrpSpPr>
+      <p:grpSpPr>
+        <a:xfrm>
+          <a:off x="0" y="0"/>
+          <a:ext cx="0" cy="0"/>
+          <a:chOff x="0" y="0"/>
+          <a:chExt cx="0" cy="0"/>
+        </a:xfrm>
+      </p:grpSpPr>
+      <p:sp>
+        <p:nvSpPr>
+          <p:cNvPr id="2" name="Заголовок 1"/>
+          <p:cNvSpPr>
+            <a:spLocks noGrp="1"/>
+          </p:cNvSpPr>
+          <p:nvPr>
+            <p:ph type="ctrTitle"/>
+          </p:nvPr>
+        </p:nvSpPr>
+        <p:spPr>
+          <a:xfrm>
+            <a:off x="467544" y="188640"/>
+            <a:ext cx="8136904" cy="648071"/>
+          </a:xfrm>
+        </p:spPr>
+        <p:txBody>
+          <a:bodyPr>
+            <a:normAutofit/>
+          </a:bodyPr>
+          <a:lstStyle/>
+          <a:p>
+            <a:r>
+              <a:rPr lang="ru-RU" sz="3600" dirty="0"/>
+              <a:t>Обзор аналогов</a:t>
+            </a:r>
+          </a:p>
+        </p:txBody>
+      </p:sp>
+      <p:sp>
+        <p:nvSpPr>
+          <p:cNvPr id="3" name="Подзаголовок 2"/>
+          <p:cNvSpPr>
+            <a:spLocks noGrp="1"/>
+          </p:cNvSpPr>
+          <p:nvPr>
+            <p:ph type="subTitle" idx="1"/>
+          </p:nvPr>
+        </p:nvSpPr>
+        <p:spPr>
+          <a:xfrm>
+            <a:off x="498190" y="1340768"/>
+            <a:ext cx="8106258" cy="4896544"/>
+          </a:xfrm>
+        </p:spPr>
+        <p:txBody>
+          <a:bodyPr anchor="t">
+            <a:normAutofit/>
+          </a:bodyPr>
+          <a:lstStyle/>
+          <a:p>
+            <a:pPr algn="l"/>
+            <a:r>
+              <a:rPr lang="ru-RU" sz="2300" dirty="0">
+                <a:solidFill>
+                  <a:schemeClr val="tx1"/>
+                </a:solidFill>
+                <a:latin typeface="Arial" panose="020B0604020202020204" pitchFamily="34" charset="0"/>
+                <a:cs typeface="Arial" panose="020B0604020202020204" pitchFamily="34" charset="0"/>
+              </a:rPr>
+              <a:t>Критерии сравнения:</a:t>
+            </a:r>
+          </a:p>
+          <a:p>
+            <a:pPr indent="449580" algn="just">
+              <a:lnSpc>
+                <a:spcPct val="150000"/>
+              </a:lnSpc>
+            </a:pPr>
+            <a:r>
+              <a:rPr lang="ru-RU" sz="2300" dirty="0">
+                <a:solidFill>
+                  <a:schemeClr val="tx1"/>
+                </a:solidFill>
+                <a:effectLst/>
+                <a:latin typeface="Arial" panose="020B0604020202020204" pitchFamily="34" charset="0"/>
+                <a:ea typeface="Times New Roman" panose="02020603050405020304" pitchFamily="18" charset="0"/>
+                <a:cs typeface="Arial" panose="020B0604020202020204" pitchFamily="34" charset="0"/>
+              </a:rPr>
+              <a:t>1. Удобство использования</a:t>
+            </a:r>
+          </a:p>
+          <a:p>
+            <a:pPr indent="449580" algn="just">
+              <a:lnSpc>
+                <a:spcPct val="150000"/>
+              </a:lnSpc>
+            </a:pPr>
+            <a:r>
+              <a:rPr lang="ru-RU" sz="2300" dirty="0">
+                <a:solidFill>
+                  <a:schemeClr val="tx1"/>
+                </a:solidFill>
+                <a:effectLst/>
+                <a:latin typeface="Arial" panose="020B0604020202020204" pitchFamily="34" charset="0"/>
+                <a:ea typeface="Times New Roman" panose="02020603050405020304" pitchFamily="18" charset="0"/>
+                <a:cs typeface="Arial" panose="020B0604020202020204" pitchFamily="34" charset="0"/>
+              </a:rPr>
+              <a:t>2. Доступность и актуальность данных</a:t>
+            </a:r>
+          </a:p>
+          <a:p>
+            <a:pPr indent="449580" algn="just">
+              <a:lnSpc>
+                <a:spcPct val="150000"/>
+              </a:lnSpc>
+            </a:pPr>
+            <a:r>
+              <a:rPr lang="ru-RU" sz="2300" dirty="0">
+                <a:solidFill>
+                  <a:schemeClr val="tx1"/>
+                </a:solidFill>
+                <a:effectLst/>
+                <a:latin typeface="Arial" panose="020B0604020202020204" pitchFamily="34" charset="0"/>
+                <a:ea typeface="Times New Roman" panose="02020603050405020304" pitchFamily="18" charset="0"/>
+                <a:cs typeface="Arial" panose="020B0604020202020204" pitchFamily="34" charset="0"/>
+              </a:rPr>
+              <a:t>3. Возможности фильтрации и сортировки</a:t>
+            </a:r>
+          </a:p>
+          <a:p>
+            <a:pPr indent="449580" algn="just">
+              <a:lnSpc>
+                <a:spcPct val="150000"/>
+              </a:lnSpc>
+            </a:pPr>
+            <a:r>
+              <a:rPr lang="ru-RU" sz="2300" dirty="0">
+                <a:solidFill>
+                  <a:schemeClr val="tx1"/>
+                </a:solidFill>
+                <a:effectLst/>
+                <a:latin typeface="Arial" panose="020B0604020202020204" pitchFamily="34" charset="0"/>
+                <a:ea typeface="Times New Roman" panose="02020603050405020304" pitchFamily="18" charset="0"/>
+                <a:cs typeface="Arial" panose="020B0604020202020204" pitchFamily="34" charset="0"/>
+              </a:rPr>
+              <a:t>4. Возможность оставлять отзывы и ставить рейтинги</a:t>
+            </a:r>
+          </a:p>
+          <a:p>
+            <a:pPr indent="449580" algn="just">
+              <a:lnSpc>
+                <a:spcPct val="150000"/>
+              </a:lnSpc>
+            </a:pPr>
+            <a:r>
+              <a:rPr lang="ru-RU" sz="2300" dirty="0">
+                <a:solidFill>
+                  <a:schemeClr val="tx1"/>
+                </a:solidFill>
+                <a:effectLst/>
+                <a:latin typeface="Arial" panose="020B0604020202020204" pitchFamily="34" charset="0"/>
+                <a:ea typeface="Times New Roman" panose="02020603050405020304" pitchFamily="18" charset="0"/>
+                <a:cs typeface="Arial" panose="020B0604020202020204" pitchFamily="34" charset="0"/>
+              </a:rPr>
+              <a:t>5. Качество отзывов и рейтингов:</a:t>
+            </a:r>
+          </a:p>
+          <a:p>
+            <a:pPr indent="449580" algn="just">
+              <a:lnSpc>
+                <a:spcPct val="150000"/>
+              </a:lnSpc>
+            </a:pPr>
+            <a:r>
+              <a:rPr lang="ru-RU" sz="2300" dirty="0">
+                <a:solidFill>
+                  <a:schemeClr val="tx1"/>
+                </a:solidFill>
+                <a:latin typeface="Arial" panose="020B0604020202020204" pitchFamily="34" charset="0"/>
+                <a:ea typeface="Times New Roman" panose="02020603050405020304" pitchFamily="18" charset="0"/>
+                <a:cs typeface="Arial" panose="020B0604020202020204" pitchFamily="34" charset="0"/>
+              </a:rPr>
+              <a:t>6</a:t>
+            </a:r>
+            <a:r>
+              <a:rPr lang="ru-RU" sz="2300" dirty="0">
+                <a:solidFill>
+                  <a:schemeClr val="tx1"/>
+                </a:solidFill>
+                <a:effectLst/>
+                <a:latin typeface="Arial" panose="020B0604020202020204" pitchFamily="34" charset="0"/>
+                <a:ea typeface="Times New Roman" panose="02020603050405020304" pitchFamily="18" charset="0"/>
+                <a:cs typeface="Arial" panose="020B0604020202020204" pitchFamily="34" charset="0"/>
+              </a:rPr>
+              <a:t>. Геолокационные функции</a:t>
+            </a:r>
+          </a:p>
+          <a:p>
+            <a:pPr indent="449580" algn="just">
+              <a:lnSpc>
+                <a:spcPct val="150000"/>
+              </a:lnSpc>
+            </a:pPr>
+            <a:r>
+              <a:rPr lang="ru-RU" sz="2300" dirty="0">
+                <a:solidFill>
+                  <a:schemeClr val="tx1"/>
+                </a:solidFill>
+                <a:latin typeface="Arial" panose="020B0604020202020204" pitchFamily="34" charset="0"/>
+                <a:ea typeface="Times New Roman" panose="02020603050405020304" pitchFamily="18" charset="0"/>
+                <a:cs typeface="Arial" panose="020B0604020202020204" pitchFamily="34" charset="0"/>
+              </a:rPr>
+              <a:t>7</a:t>
+            </a:r>
+            <a:r>
+              <a:rPr lang="ru-RU" sz="2300" dirty="0">
+                <a:solidFill>
+                  <a:schemeClr val="tx1"/>
+                </a:solidFill>
+                <a:effectLst/>
+                <a:latin typeface="Arial" panose="020B0604020202020204" pitchFamily="34" charset="0"/>
+                <a:ea typeface="Times New Roman" panose="02020603050405020304" pitchFamily="18" charset="0"/>
+                <a:cs typeface="Arial" panose="020B0604020202020204" pitchFamily="34" charset="0"/>
+              </a:rPr>
+              <a:t>. Сравнение рейтингов</a:t>
+            </a:r>
+          </a:p>
+          <a:p>
+            <a:endParaRPr lang="ru-RU" dirty="0">
+              <a:solidFill>
+                <a:schemeClr val="tx1"/>
+              </a:solidFill>
+            </a:endParaRPr>
+          </a:p>
+          <a:p>
+            <a:pPr algn="l"/>
+            <a:endParaRPr lang="ru-RU" sz="2800" dirty="0">
+              <a:solidFill>
+                <a:schemeClr val="tx1"/>
+              </a:solidFill>
+            </a:endParaRPr>
+          </a:p>
+        </p:txBody>
+      </p:sp>
+      <p:sp>
+        <p:nvSpPr>
+          <p:cNvPr id="4" name="Номер слайда 3">
+            <a:extLst>
+              <a:ext uri="{FF2B5EF4-FFF2-40B4-BE49-F238E27FC236}">
+                <a16:creationId xmlns:a16="http://schemas.microsoft.com/office/drawing/2014/main" id="{4398602D-2EB0-23B2-ADA0-A1E7FC157E1C}"/>
+              </a:ext>
+            </a:extLst>
+          </p:cNvPr>
+          <p:cNvSpPr>
+            <a:spLocks noGrp="1"/>
+          </p:cNvSpPr>
+          <p:nvPr>
+            <p:ph type="sldNum" sz="quarter" idx="12"/>
+          </p:nvPr>
+        </p:nvSpPr>
+        <p:spPr/>
+        <p:txBody>
+          <a:bodyPr/>
+          <a:lstStyle/>
+          <a:p>
+            <a:fld id="{A8D4CE12-0AFA-4111-B533-B38A2B9BBD8D}" type="slidenum">
+              <a:rPr lang="ru-RU" smtClean="0"/>
+              <a:t>11</a:t>
+            </a:fld>
+            <a:endParaRPr lang="ru-RU"/>
+          </a:p>
+        </p:txBody>
+      </p:sp>
+    </p:spTree>
+    <p:extLst>
+      <p:ext uri="{BB962C8B-B14F-4D97-AF65-F5344CB8AC3E}">
+        <p14:creationId xmlns:p14="http://schemas.microsoft.com/office/powerpoint/2010/main" val="3213516774"/>
+      </p:ext>
+    </p:extLst>
+  </p:cSld>
+  <p:clrMapOvr>
+    <a:masterClrMapping/>
+  </p:clrMapOvr>
+</p:sld>
+</file>
+
+<file path=ppt/slides/slide12.xml><?xml version="1.0" encoding="utf-8"?>
 <p:sld xmlns:a="http://schemas.openxmlformats.org/drawingml/2006/main" xmlns:r="http://schemas.openxmlformats.org/officeDocument/2006/relationships" xmlns:p="http://schemas.openxmlformats.org/presentationml/2006/main">
   <p:cSld>
     <p:spTree>
@@ -4676,7 +5156,7 @@
           <a:p>
             <a:fld id="{A8D4CE12-0AFA-4111-B533-B38A2B9BBD8D}" type="slidenum">
               <a:rPr lang="ru-RU" smtClean="0"/>
-              <a:t>10</a:t>
+              <a:t>12</a:t>
             </a:fld>
             <a:endParaRPr lang="ru-RU"/>
           </a:p>
@@ -4695,7 +5175,7 @@
 </p:sld>
 </file>
 
-<file path=ppt/slides/slide11.xml><?xml version="1.0" encoding="utf-8"?>
+<file path=ppt/slides/slide13.xml><?xml version="1.0" encoding="utf-8"?>
 <p:sld xmlns:a="http://schemas.openxmlformats.org/drawingml/2006/main" xmlns:r="http://schemas.openxmlformats.org/officeDocument/2006/relationships" xmlns:p="http://schemas.openxmlformats.org/presentationml/2006/main">
   <p:cSld>
     <p:spTree>
@@ -4829,7 +5309,7 @@
           <a:p>
             <a:fld id="{A8D4CE12-0AFA-4111-B533-B38A2B9BBD8D}" type="slidenum">
               <a:rPr lang="ru-RU" smtClean="0"/>
-              <a:t>11</a:t>
+              <a:t>13</a:t>
             </a:fld>
             <a:endParaRPr lang="ru-RU"/>
           </a:p>
@@ -4848,7 +5328,7 @@
 </p:sld>
 </file>
 
-<file path=ppt/slides/slide12.xml><?xml version="1.0" encoding="utf-8"?>
+<file path=ppt/slides/slide14.xml><?xml version="1.0" encoding="utf-8"?>
 <p:sld xmlns:a="http://schemas.openxmlformats.org/drawingml/2006/main" xmlns:r="http://schemas.openxmlformats.org/officeDocument/2006/relationships" xmlns:p="http://schemas.openxmlformats.org/presentationml/2006/main">
   <p:cSld>
     <p:spTree>
@@ -5062,7 +5542,7 @@
           <a:p>
             <a:fld id="{A8D4CE12-0AFA-4111-B533-B38A2B9BBD8D}" type="slidenum">
               <a:rPr lang="ru-RU" smtClean="0"/>
-              <a:t>12</a:t>
+              <a:t>14</a:t>
             </a:fld>
             <a:endParaRPr lang="ru-RU"/>
           </a:p>
@@ -5081,7 +5561,7 @@
 </p:sld>
 </file>
 
-<file path=ppt/slides/slide13.xml><?xml version="1.0" encoding="utf-8"?>
+<file path=ppt/slides/slide15.xml><?xml version="1.0" encoding="utf-8"?>
 <p:sld xmlns:a="http://schemas.openxmlformats.org/drawingml/2006/main" xmlns:r="http://schemas.openxmlformats.org/officeDocument/2006/relationships" xmlns:p="http://schemas.openxmlformats.org/presentationml/2006/main">
   <p:cSld>
     <p:spTree>
@@ -5230,7 +5710,7 @@
           <a:p>
             <a:fld id="{A8D4CE12-0AFA-4111-B533-B38A2B9BBD8D}" type="slidenum">
               <a:rPr lang="ru-RU" smtClean="0"/>
-              <a:t>13</a:t>
+              <a:t>15</a:t>
             </a:fld>
             <a:endParaRPr lang="ru-RU"/>
           </a:p>
@@ -5249,7 +5729,7 @@
 </p:sld>
 </file>
 
-<file path=ppt/slides/slide14.xml><?xml version="1.0" encoding="utf-8"?>
+<file path=ppt/slides/slide16.xml><?xml version="1.0" encoding="utf-8"?>
 <p:sld xmlns:a="http://schemas.openxmlformats.org/drawingml/2006/main" xmlns:r="http://schemas.openxmlformats.org/officeDocument/2006/relationships" xmlns:p="http://schemas.openxmlformats.org/presentationml/2006/main">
   <p:cSld>
     <p:spTree>
@@ -5393,7 +5873,7 @@
           <a:p>
             <a:fld id="{A8D4CE12-0AFA-4111-B533-B38A2B9BBD8D}" type="slidenum">
               <a:rPr lang="ru-RU" smtClean="0"/>
-              <a:t>14</a:t>
+              <a:t>16</a:t>
             </a:fld>
             <a:endParaRPr lang="ru-RU"/>
           </a:p>
@@ -5412,7 +5892,7 @@
 </p:sld>
 </file>
 
-<file path=ppt/slides/slide15.xml><?xml version="1.0" encoding="utf-8"?>
+<file path=ppt/slides/slide17.xml><?xml version="1.0" encoding="utf-8"?>
 <p:sld xmlns:a="http://schemas.openxmlformats.org/drawingml/2006/main" xmlns:r="http://schemas.openxmlformats.org/officeDocument/2006/relationships" xmlns:p="http://schemas.openxmlformats.org/presentationml/2006/main">
   <p:cSld>
     <p:spTree>
@@ -5564,7 +6044,7 @@
           <a:p>
             <a:fld id="{A8D4CE12-0AFA-4111-B533-B38A2B9BBD8D}" type="slidenum">
               <a:rPr lang="ru-RU" smtClean="0"/>
-              <a:t>15</a:t>
+              <a:t>17</a:t>
             </a:fld>
             <a:endParaRPr lang="ru-RU"/>
           </a:p>
@@ -5583,7 +6063,7 @@
 </p:sld>
 </file>
 
-<file path=ppt/slides/slide16.xml><?xml version="1.0" encoding="utf-8"?>
+<file path=ppt/slides/slide18.xml><?xml version="1.0" encoding="utf-8"?>
 <p:sld xmlns:a="http://schemas.openxmlformats.org/drawingml/2006/main" xmlns:r="http://schemas.openxmlformats.org/officeDocument/2006/relationships" xmlns:p="http://schemas.openxmlformats.org/presentationml/2006/main">
   <p:cSld>
     <p:spTree>
@@ -5652,7 +6132,7 @@
           <a:p>
             <a:fld id="{A8D4CE12-0AFA-4111-B533-B38A2B9BBD8D}" type="slidenum">
               <a:rPr lang="ru-RU" smtClean="0"/>
-              <a:t>16</a:t>
+              <a:t>18</a:t>
             </a:fld>
             <a:endParaRPr lang="ru-RU"/>
           </a:p>
@@ -5726,7 +6206,7 @@
 </p:sld>
 </file>
 
-<file path=ppt/slides/slide17.xml><?xml version="1.0" encoding="utf-8"?>
+<file path=ppt/slides/slide19.xml><?xml version="1.0" encoding="utf-8"?>
 <p:sld xmlns:a="http://schemas.openxmlformats.org/drawingml/2006/main" xmlns:r="http://schemas.openxmlformats.org/officeDocument/2006/relationships" xmlns:p="http://schemas.openxmlformats.org/presentationml/2006/main">
   <p:cSld>
     <p:spTree>
@@ -5795,7 +6275,7 @@
           <a:p>
             <a:fld id="{A8D4CE12-0AFA-4111-B533-B38A2B9BBD8D}" type="slidenum">
               <a:rPr lang="ru-RU" smtClean="0"/>
-              <a:t>17</a:t>
+              <a:t>19</a:t>
             </a:fld>
             <a:endParaRPr lang="ru-RU"/>
           </a:p>
@@ -5869,7 +6349,7 @@
 </p:sld>
 </file>
 
-<file path=ppt/slides/slide18.xml><?xml version="1.0" encoding="utf-8"?>
+<file path=ppt/slides/slide2.xml><?xml version="1.0" encoding="utf-8"?>
 <p:sld xmlns:a="http://schemas.openxmlformats.org/drawingml/2006/main" xmlns:r="http://schemas.openxmlformats.org/officeDocument/2006/relationships" xmlns:p="http://schemas.openxmlformats.org/presentationml/2006/main">
   <p:cSld>
     <p:spTree>
@@ -5898,6 +6378,299 @@
         </p:nvSpPr>
         <p:spPr>
           <a:xfrm>
+            <a:off x="683568" y="188640"/>
+            <a:ext cx="7772400" cy="648071"/>
+          </a:xfrm>
+        </p:spPr>
+        <p:txBody>
+          <a:bodyPr>
+            <a:normAutofit/>
+          </a:bodyPr>
+          <a:lstStyle/>
+          <a:p>
+            <a:r>
+              <a:rPr lang="ru-RU" sz="3600" dirty="0"/>
+              <a:t>Актуальность работы</a:t>
+            </a:r>
+          </a:p>
+        </p:txBody>
+      </p:sp>
+      <p:sp>
+        <p:nvSpPr>
+          <p:cNvPr id="3" name="Подзаголовок 2"/>
+          <p:cNvSpPr>
+            <a:spLocks noGrp="1"/>
+          </p:cNvSpPr>
+          <p:nvPr>
+            <p:ph type="subTitle" idx="1"/>
+          </p:nvPr>
+        </p:nvSpPr>
+        <p:spPr>
+          <a:xfrm>
+            <a:off x="498190" y="1340768"/>
+            <a:ext cx="8106258" cy="4896544"/>
+          </a:xfrm>
+        </p:spPr>
+        <p:txBody>
+          <a:bodyPr anchor="ctr">
+            <a:normAutofit/>
+          </a:bodyPr>
+          <a:lstStyle/>
+          <a:p>
+            <a:pPr algn="l">
+              <a:lnSpc>
+                <a:spcPct val="120000"/>
+              </a:lnSpc>
+              <a:spcBef>
+                <a:spcPts val="600"/>
+              </a:spcBef>
+            </a:pPr>
+            <a:r>
+              <a:rPr lang="ru-RU" sz="2000" b="1" dirty="0">
+                <a:solidFill>
+                  <a:schemeClr val="tx1"/>
+                </a:solidFill>
+                <a:latin typeface="Arial" panose="020B0604020202020204" pitchFamily="34" charset="0"/>
+                <a:cs typeface="Arial" panose="020B0604020202020204" pitchFamily="34" charset="0"/>
+              </a:rPr>
+              <a:t>Разработка веб-сервиса обусловлена:</a:t>
+            </a:r>
+          </a:p>
+          <a:p>
+            <a:pPr marL="457200" indent="-457200" algn="l">
+              <a:lnSpc>
+                <a:spcPct val="120000"/>
+              </a:lnSpc>
+              <a:spcBef>
+                <a:spcPts val="600"/>
+              </a:spcBef>
+              <a:buFont typeface="Arial" panose="020B0604020202020204" pitchFamily="34" charset="0"/>
+              <a:buChar char="•"/>
+            </a:pPr>
+            <a:r>
+              <a:rPr lang="ru-RU" sz="2000" dirty="0">
+                <a:solidFill>
+                  <a:schemeClr val="tx1"/>
+                </a:solidFill>
+                <a:effectLst/>
+                <a:latin typeface="Arial" panose="020B0604020202020204" pitchFamily="34" charset="0"/>
+                <a:ea typeface="Times New Roman" panose="02020603050405020304" pitchFamily="18" charset="0"/>
+                <a:cs typeface="Arial" panose="020B0604020202020204" pitchFamily="34" charset="0"/>
+              </a:rPr>
+              <a:t>растущим спросом на качественное автообслуживание</a:t>
+            </a:r>
+          </a:p>
+          <a:p>
+            <a:pPr marL="457200" indent="-457200" algn="l">
+              <a:lnSpc>
+                <a:spcPct val="120000"/>
+              </a:lnSpc>
+              <a:spcBef>
+                <a:spcPts val="600"/>
+              </a:spcBef>
+              <a:buFont typeface="Arial" panose="020B0604020202020204" pitchFamily="34" charset="0"/>
+              <a:buChar char="•"/>
+            </a:pPr>
+            <a:r>
+              <a:rPr lang="ru-RU" sz="2000" dirty="0">
+                <a:solidFill>
+                  <a:schemeClr val="tx1"/>
+                </a:solidFill>
+                <a:effectLst/>
+                <a:latin typeface="Arial" panose="020B0604020202020204" pitchFamily="34" charset="0"/>
+                <a:ea typeface="Times New Roman" panose="02020603050405020304" pitchFamily="18" charset="0"/>
+                <a:cs typeface="Arial" panose="020B0604020202020204" pitchFamily="34" charset="0"/>
+              </a:rPr>
+              <a:t>повышенной конкуренцией среди автосервисов</a:t>
+            </a:r>
+          </a:p>
+          <a:p>
+            <a:pPr marL="457200" indent="-457200" algn="l">
+              <a:lnSpc>
+                <a:spcPct val="120000"/>
+              </a:lnSpc>
+              <a:spcBef>
+                <a:spcPts val="600"/>
+              </a:spcBef>
+              <a:buFont typeface="Arial" panose="020B0604020202020204" pitchFamily="34" charset="0"/>
+              <a:buChar char="•"/>
+            </a:pPr>
+            <a:r>
+              <a:rPr lang="ru-RU" sz="2000" dirty="0">
+                <a:solidFill>
+                  <a:schemeClr val="tx1"/>
+                </a:solidFill>
+                <a:latin typeface="Arial" panose="020B0604020202020204" pitchFamily="34" charset="0"/>
+                <a:ea typeface="Times New Roman" panose="02020603050405020304" pitchFamily="18" charset="0"/>
+                <a:cs typeface="Arial" panose="020B0604020202020204" pitchFamily="34" charset="0"/>
+              </a:rPr>
+              <a:t>с</a:t>
+            </a:r>
+            <a:r>
+              <a:rPr lang="ru-RU" sz="2000" dirty="0">
+                <a:solidFill>
+                  <a:schemeClr val="tx1"/>
+                </a:solidFill>
+                <a:effectLst/>
+                <a:latin typeface="Arial" panose="020B0604020202020204" pitchFamily="34" charset="0"/>
+                <a:ea typeface="Times New Roman" panose="02020603050405020304" pitchFamily="18" charset="0"/>
+                <a:cs typeface="Arial" panose="020B0604020202020204" pitchFamily="34" charset="0"/>
+              </a:rPr>
+              <a:t>тремлением потребителей получить услуги по оптимальным ценам</a:t>
+            </a:r>
+            <a:endParaRPr lang="en-US" sz="2000" dirty="0">
+              <a:solidFill>
+                <a:schemeClr val="tx1"/>
+              </a:solidFill>
+              <a:effectLst/>
+              <a:latin typeface="Arial" panose="020B0604020202020204" pitchFamily="34" charset="0"/>
+              <a:ea typeface="Times New Roman" panose="02020603050405020304" pitchFamily="18" charset="0"/>
+              <a:cs typeface="Arial" panose="020B0604020202020204" pitchFamily="34" charset="0"/>
+            </a:endParaRPr>
+          </a:p>
+          <a:p>
+            <a:pPr marL="457200" indent="-457200" algn="l">
+              <a:lnSpc>
+                <a:spcPct val="120000"/>
+              </a:lnSpc>
+              <a:spcBef>
+                <a:spcPts val="600"/>
+              </a:spcBef>
+              <a:buFont typeface="Arial" panose="020B0604020202020204" pitchFamily="34" charset="0"/>
+              <a:buChar char="•"/>
+            </a:pPr>
+            <a:r>
+              <a:rPr lang="ru-RU" sz="2000" dirty="0">
+                <a:solidFill>
+                  <a:schemeClr val="tx1"/>
+                </a:solidFill>
+                <a:latin typeface="Arial" panose="020B0604020202020204" pitchFamily="34" charset="0"/>
+                <a:ea typeface="Times New Roman" panose="02020603050405020304" pitchFamily="18" charset="0"/>
+                <a:cs typeface="Arial" panose="020B0604020202020204" pitchFamily="34" charset="0"/>
+              </a:rPr>
+              <a:t>о</a:t>
+            </a:r>
+            <a:r>
+              <a:rPr lang="ru-RU" sz="2000" dirty="0">
+                <a:solidFill>
+                  <a:schemeClr val="tx1"/>
+                </a:solidFill>
+                <a:effectLst/>
+                <a:latin typeface="Arial" panose="020B0604020202020204" pitchFamily="34" charset="0"/>
+                <a:ea typeface="Times New Roman" panose="02020603050405020304" pitchFamily="18" charset="0"/>
+                <a:cs typeface="Arial" panose="020B0604020202020204" pitchFamily="34" charset="0"/>
+              </a:rPr>
+              <a:t>тсутствием уверенности потребителей в достоверности информации об автосервисах</a:t>
+            </a:r>
+          </a:p>
+          <a:p>
+            <a:pPr marL="457200" indent="-457200" algn="l">
+              <a:lnSpc>
+                <a:spcPct val="120000"/>
+              </a:lnSpc>
+              <a:spcBef>
+                <a:spcPts val="600"/>
+              </a:spcBef>
+              <a:buFont typeface="Arial" panose="020B0604020202020204" pitchFamily="34" charset="0"/>
+              <a:buChar char="•"/>
+            </a:pPr>
+            <a:r>
+              <a:rPr lang="ru-RU" sz="2000" dirty="0">
+                <a:solidFill>
+                  <a:schemeClr val="tx1"/>
+                </a:solidFill>
+                <a:latin typeface="Arial" panose="020B0604020202020204" pitchFamily="34" charset="0"/>
+                <a:ea typeface="Times New Roman" panose="02020603050405020304" pitchFamily="18" charset="0"/>
+                <a:cs typeface="Arial" panose="020B0604020202020204" pitchFamily="34" charset="0"/>
+              </a:rPr>
+              <a:t>п</a:t>
+            </a:r>
+            <a:r>
+              <a:rPr lang="ru-RU" sz="2000" dirty="0">
+                <a:solidFill>
+                  <a:schemeClr val="tx1"/>
+                </a:solidFill>
+                <a:effectLst/>
+                <a:latin typeface="Arial" panose="020B0604020202020204" pitchFamily="34" charset="0"/>
+                <a:ea typeface="Times New Roman" panose="02020603050405020304" pitchFamily="18" charset="0"/>
+                <a:cs typeface="Arial" panose="020B0604020202020204" pitchFamily="34" charset="0"/>
+              </a:rPr>
+              <a:t>отребностью потребителей в понятном интерфейсе, адаптированном для различных устройств</a:t>
+            </a:r>
+          </a:p>
+        </p:txBody>
+      </p:sp>
+      <p:sp>
+        <p:nvSpPr>
+          <p:cNvPr id="4" name="Номер слайда 3">
+            <a:extLst>
+              <a:ext uri="{FF2B5EF4-FFF2-40B4-BE49-F238E27FC236}">
+                <a16:creationId xmlns:a16="http://schemas.microsoft.com/office/drawing/2014/main" id="{61DA0F22-A181-B99E-BF69-21A68DF94B38}"/>
+              </a:ext>
+            </a:extLst>
+          </p:cNvPr>
+          <p:cNvSpPr>
+            <a:spLocks noGrp="1"/>
+          </p:cNvSpPr>
+          <p:nvPr>
+            <p:ph type="sldNum" sz="quarter" idx="12"/>
+          </p:nvPr>
+        </p:nvSpPr>
+        <p:spPr/>
+        <p:txBody>
+          <a:bodyPr/>
+          <a:lstStyle/>
+          <a:p>
+            <a:fld id="{A8D4CE12-0AFA-4111-B533-B38A2B9BBD8D}" type="slidenum">
+              <a:rPr lang="ru-RU" smtClean="0"/>
+              <a:t>2</a:t>
+            </a:fld>
+            <a:endParaRPr lang="ru-RU"/>
+          </a:p>
+        </p:txBody>
+      </p:sp>
+    </p:spTree>
+    <p:extLst>
+      <p:ext uri="{BB962C8B-B14F-4D97-AF65-F5344CB8AC3E}">
+        <p14:creationId xmlns:p14="http://schemas.microsoft.com/office/powerpoint/2010/main" val="1053462166"/>
+      </p:ext>
+    </p:extLst>
+  </p:cSld>
+  <p:clrMapOvr>
+    <a:masterClrMapping/>
+  </p:clrMapOvr>
+</p:sld>
+</file>
+
+<file path=ppt/slides/slide20.xml><?xml version="1.0" encoding="utf-8"?>
+<p:sld xmlns:a="http://schemas.openxmlformats.org/drawingml/2006/main" xmlns:r="http://schemas.openxmlformats.org/officeDocument/2006/relationships" xmlns:p="http://schemas.openxmlformats.org/presentationml/2006/main">
+  <p:cSld>
+    <p:spTree>
+      <p:nvGrpSpPr>
+        <p:cNvPr id="1" name=""/>
+        <p:cNvGrpSpPr/>
+        <p:nvPr/>
+      </p:nvGrpSpPr>
+      <p:grpSpPr>
+        <a:xfrm>
+          <a:off x="0" y="0"/>
+          <a:ext cx="0" cy="0"/>
+          <a:chOff x="0" y="0"/>
+          <a:chExt cx="0" cy="0"/>
+        </a:xfrm>
+      </p:grpSpPr>
+      <p:sp>
+        <p:nvSpPr>
+          <p:cNvPr id="2" name="Заголовок 1"/>
+          <p:cNvSpPr>
+            <a:spLocks noGrp="1"/>
+          </p:cNvSpPr>
+          <p:nvPr>
+            <p:ph type="ctrTitle"/>
+          </p:nvPr>
+        </p:nvSpPr>
+        <p:spPr>
+          <a:xfrm>
             <a:off x="467544" y="188640"/>
             <a:ext cx="8136904" cy="504056"/>
           </a:xfrm>
@@ -5938,7 +6711,7 @@
           <a:p>
             <a:fld id="{A8D4CE12-0AFA-4111-B533-B38A2B9BBD8D}" type="slidenum">
               <a:rPr lang="ru-RU" smtClean="0"/>
-              <a:t>18</a:t>
+              <a:t>20</a:t>
             </a:fld>
             <a:endParaRPr lang="ru-RU"/>
           </a:p>
@@ -6012,7 +6785,7 @@
 </p:sld>
 </file>
 
-<file path=ppt/slides/slide19.xml><?xml version="1.0" encoding="utf-8"?>
+<file path=ppt/slides/slide21.xml><?xml version="1.0" encoding="utf-8"?>
 <p:sld xmlns:a="http://schemas.openxmlformats.org/drawingml/2006/main" xmlns:r="http://schemas.openxmlformats.org/officeDocument/2006/relationships" xmlns:p="http://schemas.openxmlformats.org/presentationml/2006/main">
   <p:cSld>
     <p:spTree>
@@ -6081,7 +6854,7 @@
           <a:p>
             <a:fld id="{A8D4CE12-0AFA-4111-B533-B38A2B9BBD8D}" type="slidenum">
               <a:rPr lang="ru-RU" smtClean="0"/>
-              <a:t>19</a:t>
+              <a:t>21</a:t>
             </a:fld>
             <a:endParaRPr lang="ru-RU"/>
           </a:p>
@@ -6155,7 +6928,7 @@
 </p:sld>
 </file>
 
-<file path=ppt/slides/slide2.xml><?xml version="1.0" encoding="utf-8"?>
+<file path=ppt/slides/slide22.xml><?xml version="1.0" encoding="utf-8"?>
 <p:sld xmlns:a="http://schemas.openxmlformats.org/drawingml/2006/main" xmlns:r="http://schemas.openxmlformats.org/officeDocument/2006/relationships" xmlns:p="http://schemas.openxmlformats.org/presentationml/2006/main">
   <p:cSld>
     <p:spTree>
@@ -6174,255 +6947,6 @@
       </p:grpSpPr>
       <p:sp>
         <p:nvSpPr>
-          <p:cNvPr id="2" name="Заголовок 1"/>
-          <p:cNvSpPr>
-            <a:spLocks noGrp="1"/>
-          </p:cNvSpPr>
-          <p:nvPr>
-            <p:ph type="ctrTitle"/>
-          </p:nvPr>
-        </p:nvSpPr>
-        <p:spPr>
-          <a:xfrm>
-            <a:off x="683568" y="188640"/>
-            <a:ext cx="7772400" cy="648071"/>
-          </a:xfrm>
-        </p:spPr>
-        <p:txBody>
-          <a:bodyPr>
-            <a:normAutofit/>
-          </a:bodyPr>
-          <a:lstStyle/>
-          <a:p>
-            <a:r>
-              <a:rPr lang="ru-RU" sz="3600" dirty="0"/>
-              <a:t>Актуальность работы</a:t>
-            </a:r>
-          </a:p>
-        </p:txBody>
-      </p:sp>
-      <p:sp>
-        <p:nvSpPr>
-          <p:cNvPr id="3" name="Подзаголовок 2"/>
-          <p:cNvSpPr>
-            <a:spLocks noGrp="1"/>
-          </p:cNvSpPr>
-          <p:nvPr>
-            <p:ph type="subTitle" idx="1"/>
-          </p:nvPr>
-        </p:nvSpPr>
-        <p:spPr>
-          <a:xfrm>
-            <a:off x="498190" y="1340768"/>
-            <a:ext cx="8106258" cy="4896544"/>
-          </a:xfrm>
-        </p:spPr>
-        <p:txBody>
-          <a:bodyPr anchor="ctr">
-            <a:normAutofit/>
-          </a:bodyPr>
-          <a:lstStyle/>
-          <a:p>
-            <a:pPr algn="l">
-              <a:lnSpc>
-                <a:spcPct val="120000"/>
-              </a:lnSpc>
-              <a:spcBef>
-                <a:spcPts val="600"/>
-              </a:spcBef>
-            </a:pPr>
-            <a:r>
-              <a:rPr lang="ru-RU" sz="2000" b="1" dirty="0">
-                <a:solidFill>
-                  <a:schemeClr val="tx1"/>
-                </a:solidFill>
-                <a:latin typeface="Arial" panose="020B0604020202020204" pitchFamily="34" charset="0"/>
-                <a:cs typeface="Arial" panose="020B0604020202020204" pitchFamily="34" charset="0"/>
-              </a:rPr>
-              <a:t>Разработка веб-сервиса обусловлена:</a:t>
-            </a:r>
-          </a:p>
-          <a:p>
-            <a:pPr marL="457200" indent="-457200" algn="l">
-              <a:lnSpc>
-                <a:spcPct val="120000"/>
-              </a:lnSpc>
-              <a:spcBef>
-                <a:spcPts val="600"/>
-              </a:spcBef>
-              <a:buFont typeface="Arial" panose="020B0604020202020204" pitchFamily="34" charset="0"/>
-              <a:buChar char="•"/>
-            </a:pPr>
-            <a:r>
-              <a:rPr lang="ru-RU" sz="2000" dirty="0">
-                <a:solidFill>
-                  <a:schemeClr val="tx1"/>
-                </a:solidFill>
-                <a:effectLst/>
-                <a:latin typeface="Arial" panose="020B0604020202020204" pitchFamily="34" charset="0"/>
-                <a:ea typeface="Times New Roman" panose="02020603050405020304" pitchFamily="18" charset="0"/>
-                <a:cs typeface="Arial" panose="020B0604020202020204" pitchFamily="34" charset="0"/>
-              </a:rPr>
-              <a:t>растущим спросом на качественное автообслуживание</a:t>
-            </a:r>
-          </a:p>
-          <a:p>
-            <a:pPr marL="457200" indent="-457200" algn="l">
-              <a:lnSpc>
-                <a:spcPct val="120000"/>
-              </a:lnSpc>
-              <a:spcBef>
-                <a:spcPts val="600"/>
-              </a:spcBef>
-              <a:buFont typeface="Arial" panose="020B0604020202020204" pitchFamily="34" charset="0"/>
-              <a:buChar char="•"/>
-            </a:pPr>
-            <a:r>
-              <a:rPr lang="ru-RU" sz="2000" dirty="0">
-                <a:solidFill>
-                  <a:schemeClr val="tx1"/>
-                </a:solidFill>
-                <a:effectLst/>
-                <a:latin typeface="Arial" panose="020B0604020202020204" pitchFamily="34" charset="0"/>
-                <a:ea typeface="Times New Roman" panose="02020603050405020304" pitchFamily="18" charset="0"/>
-                <a:cs typeface="Arial" panose="020B0604020202020204" pitchFamily="34" charset="0"/>
-              </a:rPr>
-              <a:t>повышенной конкуренцией среди автосервисов</a:t>
-            </a:r>
-          </a:p>
-          <a:p>
-            <a:pPr marL="457200" indent="-457200" algn="l">
-              <a:lnSpc>
-                <a:spcPct val="120000"/>
-              </a:lnSpc>
-              <a:spcBef>
-                <a:spcPts val="600"/>
-              </a:spcBef>
-              <a:buFont typeface="Arial" panose="020B0604020202020204" pitchFamily="34" charset="0"/>
-              <a:buChar char="•"/>
-            </a:pPr>
-            <a:r>
-              <a:rPr lang="ru-RU" sz="2000" dirty="0">
-                <a:solidFill>
-                  <a:schemeClr val="tx1"/>
-                </a:solidFill>
-                <a:latin typeface="Arial" panose="020B0604020202020204" pitchFamily="34" charset="0"/>
-                <a:ea typeface="Times New Roman" panose="02020603050405020304" pitchFamily="18" charset="0"/>
-                <a:cs typeface="Arial" panose="020B0604020202020204" pitchFamily="34" charset="0"/>
-              </a:rPr>
-              <a:t>с</a:t>
-            </a:r>
-            <a:r>
-              <a:rPr lang="ru-RU" sz="2000" dirty="0">
-                <a:solidFill>
-                  <a:schemeClr val="tx1"/>
-                </a:solidFill>
-                <a:effectLst/>
-                <a:latin typeface="Arial" panose="020B0604020202020204" pitchFamily="34" charset="0"/>
-                <a:ea typeface="Times New Roman" panose="02020603050405020304" pitchFamily="18" charset="0"/>
-                <a:cs typeface="Arial" panose="020B0604020202020204" pitchFamily="34" charset="0"/>
-              </a:rPr>
-              <a:t>тремлением потребителей получить услуги по оптимальным ценам</a:t>
-            </a:r>
-          </a:p>
-          <a:p>
-            <a:pPr marL="457200" indent="-457200" algn="l">
-              <a:lnSpc>
-                <a:spcPct val="120000"/>
-              </a:lnSpc>
-              <a:spcBef>
-                <a:spcPts val="600"/>
-              </a:spcBef>
-              <a:buFont typeface="Arial" panose="020B0604020202020204" pitchFamily="34" charset="0"/>
-              <a:buChar char="•"/>
-            </a:pPr>
-            <a:r>
-              <a:rPr lang="ru-RU" sz="2000" dirty="0">
-                <a:solidFill>
-                  <a:schemeClr val="tx1"/>
-                </a:solidFill>
-                <a:latin typeface="Arial" panose="020B0604020202020204" pitchFamily="34" charset="0"/>
-                <a:ea typeface="Times New Roman" panose="02020603050405020304" pitchFamily="18" charset="0"/>
-                <a:cs typeface="Arial" panose="020B0604020202020204" pitchFamily="34" charset="0"/>
-              </a:rPr>
-              <a:t>п</a:t>
-            </a:r>
-            <a:r>
-              <a:rPr lang="ru-RU" sz="2000" dirty="0">
-                <a:solidFill>
-                  <a:schemeClr val="tx1"/>
-                </a:solidFill>
-                <a:effectLst/>
-                <a:latin typeface="Arial" panose="020B0604020202020204" pitchFamily="34" charset="0"/>
-                <a:ea typeface="Times New Roman" panose="02020603050405020304" pitchFamily="18" charset="0"/>
-                <a:cs typeface="Arial" panose="020B0604020202020204" pitchFamily="34" charset="0"/>
-              </a:rPr>
-              <a:t>отребностью потребителей в понятном интерфейсе, адаптированном для различных устройств</a:t>
-            </a:r>
-          </a:p>
-        </p:txBody>
-      </p:sp>
-      <p:sp>
-        <p:nvSpPr>
-          <p:cNvPr id="4" name="Номер слайда 3">
-            <a:extLst>
-              <a:ext uri="{FF2B5EF4-FFF2-40B4-BE49-F238E27FC236}">
-                <a16:creationId xmlns:a16="http://schemas.microsoft.com/office/drawing/2014/main" id="{61DA0F22-A181-B99E-BF69-21A68DF94B38}"/>
-              </a:ext>
-            </a:extLst>
-          </p:cNvPr>
-          <p:cNvSpPr>
-            <a:spLocks noGrp="1"/>
-          </p:cNvSpPr>
-          <p:nvPr>
-            <p:ph type="sldNum" sz="quarter" idx="12"/>
-          </p:nvPr>
-        </p:nvSpPr>
-        <p:spPr/>
-        <p:txBody>
-          <a:bodyPr/>
-          <a:lstStyle/>
-          <a:p>
-            <a:fld id="{A8D4CE12-0AFA-4111-B533-B38A2B9BBD8D}" type="slidenum">
-              <a:rPr lang="ru-RU" smtClean="0"/>
-              <a:t>2</a:t>
-            </a:fld>
-            <a:endParaRPr lang="ru-RU"/>
-          </a:p>
-        </p:txBody>
-      </p:sp>
-    </p:spTree>
-    <p:extLst>
-      <p:ext uri="{BB962C8B-B14F-4D97-AF65-F5344CB8AC3E}">
-        <p14:creationId xmlns:p14="http://schemas.microsoft.com/office/powerpoint/2010/main" val="1053462166"/>
-      </p:ext>
-    </p:extLst>
-  </p:cSld>
-  <p:clrMapOvr>
-    <a:masterClrMapping/>
-  </p:clrMapOvr>
-</p:sld>
-</file>
-
-<file path=ppt/slides/slide20.xml><?xml version="1.0" encoding="utf-8"?>
-<p:sld xmlns:a="http://schemas.openxmlformats.org/drawingml/2006/main" xmlns:r="http://schemas.openxmlformats.org/officeDocument/2006/relationships" xmlns:p="http://schemas.openxmlformats.org/presentationml/2006/main">
-  <p:cSld>
-    <p:spTree>
-      <p:nvGrpSpPr>
-        <p:cNvPr id="1" name=""/>
-        <p:cNvGrpSpPr/>
-        <p:nvPr/>
-      </p:nvGrpSpPr>
-      <p:grpSpPr>
-        <a:xfrm>
-          <a:off x="0" y="0"/>
-          <a:ext cx="0" cy="0"/>
-          <a:chOff x="0" y="0"/>
-          <a:chExt cx="0" cy="0"/>
-        </a:xfrm>
-      </p:grpSpPr>
-      <p:sp>
-        <p:nvSpPr>
           <p:cNvPr id="2" name="Заголовок 1">
             <a:extLst>
               <a:ext uri="{FF2B5EF4-FFF2-40B4-BE49-F238E27FC236}">
@@ -6631,7 +7155,7 @@
           <a:p>
             <a:fld id="{A8D4CE12-0AFA-4111-B533-B38A2B9BBD8D}" type="slidenum">
               <a:rPr lang="ru-RU" smtClean="0"/>
-              <a:t>20</a:t>
+              <a:t>22</a:t>
             </a:fld>
             <a:endParaRPr lang="ru-RU"/>
           </a:p>
@@ -6760,8 +7284,37 @@
                 <a:latin typeface="Arial" panose="020B0604020202020204" pitchFamily="34" charset="0"/>
                 <a:cs typeface="Arial" panose="020B0604020202020204" pitchFamily="34" charset="0"/>
               </a:rPr>
-              <a:t>	Отсутствие такой функции значительно увеличивает время, затрачиваемое на поиск подходящего варианта.</a:t>
-            </a:r>
+              <a:t>	</a:t>
+            </a:r>
+            <a:r>
+              <a:rPr lang="ru-RU" sz="2400" dirty="0">
+                <a:solidFill>
+                  <a:srgbClr val="000000"/>
+                </a:solidFill>
+                <a:latin typeface="Arial" panose="020B0604020202020204" pitchFamily="34" charset="0"/>
+                <a:cs typeface="Arial" panose="020B0604020202020204" pitchFamily="34" charset="0"/>
+              </a:rPr>
+              <a:t>М</a:t>
+            </a:r>
+            <a:r>
+              <a:rPr lang="ru-RU" sz="2400" b="0" i="0" dirty="0">
+                <a:solidFill>
+                  <a:srgbClr val="000000"/>
+                </a:solidFill>
+                <a:effectLst/>
+                <a:latin typeface="Arial" panose="020B0604020202020204" pitchFamily="34" charset="0"/>
+                <a:cs typeface="Arial" panose="020B0604020202020204" pitchFamily="34" charset="0"/>
+              </a:rPr>
+              <a:t>ногие владельцы автосервисов могут создавать фейковые отзывы или платить третьим лицам за написание положительных отзывов о своих услугах.</a:t>
+            </a:r>
+            <a:endParaRPr lang="en-US" sz="2400" b="0" i="0" dirty="0">
+              <a:solidFill>
+                <a:srgbClr val="000000"/>
+              </a:solidFill>
+              <a:effectLst/>
+              <a:latin typeface="Arial" panose="020B0604020202020204" pitchFamily="34" charset="0"/>
+              <a:cs typeface="Arial" panose="020B0604020202020204" pitchFamily="34" charset="0"/>
+            </a:endParaRPr>
           </a:p>
         </p:txBody>
       </p:sp>
@@ -7351,7 +7904,7 @@
                 <a:latin typeface="Arial" panose="020B0604020202020204" pitchFamily="34" charset="0"/>
                 <a:cs typeface="Arial" panose="020B0604020202020204" pitchFamily="34" charset="0"/>
               </a:rPr>
-              <a:t>еб-сервис предоставит пользователям удобный инструмент для поиска и </a:t>
+              <a:t>еб-сервис предоставит пользователям удобный и надежный инструмент для поиска и </a:t>
             </a:r>
             <a:r>
               <a:rPr lang="ru-RU" sz="2000" dirty="0">
@@ -7403,7 +7956,17 @@
                 <a:latin typeface="Arial" panose="020B0604020202020204" pitchFamily="34" charset="0"/>
                 <a:cs typeface="Arial" panose="020B0604020202020204" pitchFamily="34" charset="0"/>
               </a:rPr>
-              <a:t>ов России</a:t>
+              <a:t>ов</a:t>
+            </a:r>
+            <a:r>
+              <a:rPr lang="en-US" sz="2000" dirty="0">
+                <a:solidFill>
+                  <a:schemeClr val="tx1"/>
+                </a:solidFill>
+                <a:latin typeface="Arial" panose="020B0604020202020204" pitchFamily="34" charset="0"/>
+                <a:cs typeface="Arial" panose="020B0604020202020204" pitchFamily="34" charset="0"/>
+              </a:rPr>
+              <a:t>,</a:t>
             </a:r>
             <a:r>
               <a:rPr lang="ru-RU" sz="2000" b="0" i="0" dirty="0">
@@ -7414,10 +7977,20 @@
                 <a:latin typeface="Arial" panose="020B0604020202020204" pitchFamily="34" charset="0"/>
                 <a:cs typeface="Arial" panose="020B0604020202020204" pitchFamily="34" charset="0"/>
               </a:rPr>
-              <a:t>. Это позволит потребителям экономить время на поиск и сравнение информации об автосервисах и</a:t>
-            </a:r>
-            <a:r>
-              <a:rPr lang="en-US" sz="2000" b="0" i="0" dirty="0">
+              <a:t> их качестве и надежности. Это позволит потребителям экономить время и</a:t>
+            </a:r>
+            <a:r>
+              <a:rPr lang="ru-RU" sz="2000" dirty="0">
+                <a:solidFill>
+                  <a:schemeClr val="tx1"/>
+                </a:solidFill>
+                <a:latin typeface="Arial" panose="020B0604020202020204" pitchFamily="34" charset="0"/>
+                <a:cs typeface="Arial" panose="020B0604020202020204" pitchFamily="34" charset="0"/>
+              </a:rPr>
+              <a:t> </a:t>
+            </a:r>
+            <a:r>
+              <a:rPr lang="ru-RU" sz="2000" b="0" i="0" dirty="0">
                 <a:solidFill>
                   <a:schemeClr val="tx1"/>
                 </a:solidFill>
@@ -7425,64 +7998,9 @@
                 <a:latin typeface="Arial" panose="020B0604020202020204" pitchFamily="34" charset="0"/>
                 <a:cs typeface="Arial" panose="020B0604020202020204" pitchFamily="34" charset="0"/>
               </a:rPr>
-              <a:t>, </a:t>
-            </a:r>
-            <a:r>
-              <a:rPr lang="ru-RU" sz="2000" b="0" i="0" dirty="0">
-                <a:solidFill>
-                  <a:schemeClr val="tx1"/>
-                </a:solidFill>
-                <a:effectLst/>
-                <a:latin typeface="Arial" panose="020B0604020202020204" pitchFamily="34" charset="0"/>
-                <a:cs typeface="Arial" panose="020B0604020202020204" pitchFamily="34" charset="0"/>
-              </a:rPr>
-              <a:t>основываясь на</a:t>
-            </a:r>
-            <a:r>
-              <a:rPr lang="en-US" sz="2000" b="0" i="0" dirty="0">
-                <a:solidFill>
-                  <a:schemeClr val="tx1"/>
-                </a:solidFill>
-                <a:effectLst/>
-                <a:latin typeface="Arial" panose="020B0604020202020204" pitchFamily="34" charset="0"/>
-                <a:cs typeface="Arial" panose="020B0604020202020204" pitchFamily="34" charset="0"/>
-              </a:rPr>
-              <a:t> </a:t>
-            </a:r>
-            <a:r>
-              <a:rPr lang="ru-RU" sz="2000" b="0" i="0" dirty="0">
-                <a:solidFill>
-                  <a:schemeClr val="tx1"/>
-                </a:solidFill>
-                <a:effectLst/>
-                <a:latin typeface="Arial" panose="020B0604020202020204" pitchFamily="34" charset="0"/>
-                <a:cs typeface="Arial" panose="020B0604020202020204" pitchFamily="34" charset="0"/>
-              </a:rPr>
-              <a:t>этом</a:t>
-            </a:r>
-            <a:r>
-              <a:rPr lang="en-US" sz="2000" b="0" i="0" dirty="0">
-                <a:solidFill>
-                  <a:schemeClr val="tx1"/>
-                </a:solidFill>
-                <a:effectLst/>
-                <a:latin typeface="Arial" panose="020B0604020202020204" pitchFamily="34" charset="0"/>
-                <a:cs typeface="Arial" panose="020B0604020202020204" pitchFamily="34" charset="0"/>
-              </a:rPr>
-              <a:t>, </a:t>
-            </a:r>
-            <a:r>
-              <a:rPr lang="ru-RU" sz="2000" b="0" i="0" dirty="0">
-                <a:solidFill>
-                  <a:schemeClr val="tx1"/>
-                </a:solidFill>
-                <a:effectLst/>
-                <a:latin typeface="Arial" panose="020B0604020202020204" pitchFamily="34" charset="0"/>
-                <a:cs typeface="Arial" panose="020B0604020202020204" pitchFamily="34" charset="0"/>
-              </a:rPr>
-              <a:t>принимать более обоснованные решения при выборе приоритетного.</a:t>
-            </a:r>
-            <a:endParaRPr lang="ru-RU" sz="3600" dirty="0">
+              <a:t>принимать более обоснованные решения при выборе сервиса, основываясь на реальных отзывах и оценках других клиентов.</a:t>
+            </a:r>
+            <a:endParaRPr lang="ru-RU" sz="2000" dirty="0">
               <a:solidFill>
                 <a:schemeClr val="tx1"/>
               </a:solidFill>
@@ -7566,7 +8084,7 @@
         <p:spPr>
           <a:xfrm>
             <a:off x="467544" y="188640"/>
-            <a:ext cx="8136904" cy="648071"/>
+            <a:ext cx="8136904" cy="1271166"/>
           </a:xfrm>
         </p:spPr>
         <p:txBody>
@@ -7577,7 +8095,7 @@
           <a:p>
             <a:r>
               <a:rPr lang="ru-RU" dirty="0"/>
-              <a:t>Как ранее решалась проблема</a:t>
+              <a:t>Как ранее решалась проблема (Выбор приоритетного автосервиса)</a:t>
             </a:r>
           </a:p>
         </p:txBody>
@@ -7604,7 +8122,7 @@
         </p:blipFill>
         <p:spPr>
           <a:xfrm>
-            <a:off x="518871" y="980728"/>
+            <a:off x="518871" y="1459806"/>
             <a:ext cx="8106258" cy="4896544"/>
           </a:xfrm>
           <a:prstGeom prst="rect">
@@ -7684,7 +8202,7 @@
         <p:spPr>
           <a:xfrm>
             <a:off x="467544" y="188640"/>
-            <a:ext cx="8136904" cy="648071"/>
+            <a:ext cx="8136904" cy="1440160"/>
           </a:xfrm>
         </p:spPr>
         <p:txBody>
@@ -7696,6 +8214,13 @@
             <a:r>
               <a:rPr lang="ru-RU" dirty="0"/>
               <a:t>Предлагаемое решение</a:t>
+            </a:r>
+            <a:br>
+              <a:rPr lang="ru-RU" dirty="0"/>
+            </a:br>
+            <a:r>
+              <a:rPr lang="ru-RU" dirty="0"/>
+              <a:t>(Выбор приоритетного автосервиса)</a:t>
             </a:r>
           </a:p>
         </p:txBody>
@@ -7722,7 +8247,7 @@
         </p:blipFill>
         <p:spPr>
           <a:xfrm>
-            <a:off x="518871" y="1340768"/>
+            <a:off x="518871" y="1733550"/>
             <a:ext cx="8106258" cy="3390900"/>
           </a:xfrm>
           <a:prstGeom prst="rect">
@@ -7802,225 +8327,19 @@
         <p:spPr>
           <a:xfrm>
             <a:off x="467544" y="188640"/>
-            <a:ext cx="8136904" cy="648071"/>
+            <a:ext cx="8136904" cy="1271166"/>
           </a:xfrm>
         </p:spPr>
         <p:txBody>
           <a:bodyPr>
-            <a:normAutofit/>
+            <a:normAutofit fontScale="90000"/>
           </a:bodyPr>
           <a:lstStyle/>
           <a:p>
             <a:r>
-              <a:rPr lang="ru-RU" sz="3600" dirty="0"/>
-              <a:t>Обзор аналогов</a:t>
-            </a:r>
-          </a:p>
-        </p:txBody>
-      </p:sp>
-      <p:sp>
-        <p:nvSpPr>
-          <p:cNvPr id="3" name="Подзаголовок 2"/>
-          <p:cNvSpPr>
-            <a:spLocks noGrp="1"/>
-          </p:cNvSpPr>
-          <p:nvPr>
-            <p:ph type="subTitle" idx="1"/>
-          </p:nvPr>
-        </p:nvSpPr>
-        <p:spPr>
-          <a:xfrm>
-            <a:off x="498190" y="1340768"/>
-            <a:ext cx="8106258" cy="4896544"/>
-          </a:xfrm>
-        </p:spPr>
-        <p:txBody>
-          <a:bodyPr anchor="t">
-            <a:normAutofit/>
-          </a:bodyPr>
-          <a:lstStyle/>
-          <a:p>
-            <a:pPr algn="l"/>
-            <a:r>
-              <a:rPr lang="ru-RU" sz="2300" dirty="0">
-                <a:solidFill>
-                  <a:schemeClr val="tx1"/>
-                </a:solidFill>
-                <a:latin typeface="Arial" panose="020B0604020202020204" pitchFamily="34" charset="0"/>
-                <a:cs typeface="Arial" panose="020B0604020202020204" pitchFamily="34" charset="0"/>
-              </a:rPr>
-              <a:t>Критерии сравнения:</a:t>
-            </a:r>
-          </a:p>
-          <a:p>
-            <a:pPr indent="449580" algn="just">
-              <a:lnSpc>
-                <a:spcPct val="150000"/>
-              </a:lnSpc>
-            </a:pPr>
-            <a:r>
-              <a:rPr lang="ru-RU" sz="2300" dirty="0">
-                <a:solidFill>
-                  <a:schemeClr val="tx1"/>
-                </a:solidFill>
-                <a:effectLst/>
-                <a:latin typeface="Arial" panose="020B0604020202020204" pitchFamily="34" charset="0"/>
-                <a:ea typeface="Times New Roman" panose="02020603050405020304" pitchFamily="18" charset="0"/>
-                <a:cs typeface="Arial" panose="020B0604020202020204" pitchFamily="34" charset="0"/>
-              </a:rPr>
-              <a:t>1. Удобство использования</a:t>
-            </a:r>
-          </a:p>
-          <a:p>
-            <a:pPr indent="449580" algn="just">
-              <a:lnSpc>
-                <a:spcPct val="150000"/>
-              </a:lnSpc>
-            </a:pPr>
-            <a:r>
-              <a:rPr lang="ru-RU" sz="2300" dirty="0">
-                <a:solidFill>
-                  <a:schemeClr val="tx1"/>
-                </a:solidFill>
-                <a:effectLst/>
-                <a:latin typeface="Arial" panose="020B0604020202020204" pitchFamily="34" charset="0"/>
-                <a:ea typeface="Times New Roman" panose="02020603050405020304" pitchFamily="18" charset="0"/>
-                <a:cs typeface="Arial" panose="020B0604020202020204" pitchFamily="34" charset="0"/>
-              </a:rPr>
-              <a:t>2. Доступность и актуальность данных</a:t>
-            </a:r>
-          </a:p>
-          <a:p>
-            <a:pPr indent="449580" algn="just">
-              <a:lnSpc>
-                <a:spcPct val="150000"/>
-              </a:lnSpc>
-            </a:pPr>
-            <a:r>
-              <a:rPr lang="ru-RU" sz="2300" dirty="0">
-                <a:solidFill>
-                  <a:schemeClr val="tx1"/>
-                </a:solidFill>
-                <a:effectLst/>
-                <a:latin typeface="Arial" panose="020B0604020202020204" pitchFamily="34" charset="0"/>
-                <a:ea typeface="Times New Roman" panose="02020603050405020304" pitchFamily="18" charset="0"/>
-                <a:cs typeface="Arial" panose="020B0604020202020204" pitchFamily="34" charset="0"/>
-              </a:rPr>
-              <a:t>3. Возможности фильтрации и сортировки</a:t>
-            </a:r>
-          </a:p>
-          <a:p>
-            <a:pPr indent="449580" algn="just">
-              <a:lnSpc>
-                <a:spcPct val="150000"/>
-              </a:lnSpc>
-            </a:pPr>
-            <a:r>
-              <a:rPr lang="ru-RU" sz="2300" dirty="0">
-                <a:solidFill>
-                  <a:schemeClr val="tx1"/>
-                </a:solidFill>
-                <a:effectLst/>
-                <a:latin typeface="Arial" panose="020B0604020202020204" pitchFamily="34" charset="0"/>
-                <a:ea typeface="Times New Roman" panose="02020603050405020304" pitchFamily="18" charset="0"/>
-                <a:cs typeface="Arial" panose="020B0604020202020204" pitchFamily="34" charset="0"/>
-              </a:rPr>
-              <a:t>4. Возможность оставлять отзывы и ставить рейтинги</a:t>
-            </a:r>
-          </a:p>
-          <a:p>
-            <a:pPr indent="449580" algn="just">
-              <a:lnSpc>
-                <a:spcPct val="150000"/>
-              </a:lnSpc>
-            </a:pPr>
-            <a:r>
-              <a:rPr lang="ru-RU" sz="2300" dirty="0">
-                <a:solidFill>
-                  <a:schemeClr val="tx1"/>
-                </a:solidFill>
-                <a:effectLst/>
-                <a:latin typeface="Arial" panose="020B0604020202020204" pitchFamily="34" charset="0"/>
-                <a:ea typeface="Times New Roman" panose="02020603050405020304" pitchFamily="18" charset="0"/>
-                <a:cs typeface="Arial" panose="020B0604020202020204" pitchFamily="34" charset="0"/>
-              </a:rPr>
-              <a:t>5. Качество отзывов и рейтингов:</a:t>
-            </a:r>
-          </a:p>
-          <a:p>
-            <a:pPr indent="449580" algn="just">
-              <a:lnSpc>
-                <a:spcPct val="150000"/>
-              </a:lnSpc>
-            </a:pPr>
-            <a:r>
-              <a:rPr lang="ru-RU" sz="2300" dirty="0">
-                <a:solidFill>
-                  <a:schemeClr val="tx1"/>
-                </a:solidFill>
-                <a:latin typeface="Arial" panose="020B0604020202020204" pitchFamily="34" charset="0"/>
-                <a:ea typeface="Times New Roman" panose="02020603050405020304" pitchFamily="18" charset="0"/>
-                <a:cs typeface="Arial" panose="020B0604020202020204" pitchFamily="34" charset="0"/>
-              </a:rPr>
-              <a:t>6</a:t>
-            </a:r>
-            <a:r>
-              <a:rPr lang="ru-RU" sz="2300" dirty="0">
-                <a:solidFill>
-                  <a:schemeClr val="tx1"/>
-                </a:solidFill>
-                <a:effectLst/>
-                <a:latin typeface="Arial" panose="020B0604020202020204" pitchFamily="34" charset="0"/>
-                <a:ea typeface="Times New Roman" panose="02020603050405020304" pitchFamily="18" charset="0"/>
-                <a:cs typeface="Arial" panose="020B0604020202020204" pitchFamily="34" charset="0"/>
-              </a:rPr>
-              <a:t>. Геолокационные функции</a:t>
-            </a:r>
-          </a:p>
-          <a:p>
-            <a:pPr indent="449580" algn="just">
-              <a:lnSpc>
-                <a:spcPct val="150000"/>
-              </a:lnSpc>
-            </a:pPr>
-            <a:r>
-              <a:rPr lang="ru-RU" sz="2300" dirty="0">
-                <a:solidFill>
-                  <a:schemeClr val="tx1"/>
-                </a:solidFill>
-                <a:latin typeface="Arial" panose="020B0604020202020204" pitchFamily="34" charset="0"/>
-                <a:ea typeface="Times New Roman" panose="02020603050405020304" pitchFamily="18" charset="0"/>
-                <a:cs typeface="Arial" panose="020B0604020202020204" pitchFamily="34" charset="0"/>
-              </a:rPr>
-              <a:t>7</a:t>
-            </a:r>
-            <a:r>
-              <a:rPr lang="ru-RU" sz="2300" dirty="0">
-                <a:solidFill>
-                  <a:schemeClr val="tx1"/>
-                </a:solidFill>
-                <a:effectLst/>
-                <a:latin typeface="Arial" panose="020B0604020202020204" pitchFamily="34" charset="0"/>
-                <a:ea typeface="Times New Roman" panose="02020603050405020304" pitchFamily="18" charset="0"/>
-                <a:cs typeface="Arial" panose="020B0604020202020204" pitchFamily="34" charset="0"/>
-              </a:rPr>
-              <a:t>. Сравнение рейтингов</a:t>
-            </a:r>
-          </a:p>
-          <a:p>
-            <a:endParaRPr lang="ru-RU" dirty="0">
-              <a:solidFill>
-                <a:schemeClr val="tx1"/>
-              </a:solidFill>
-            </a:endParaRPr>
-          </a:p>
-          <a:p>
-            <a:pPr algn="l"/>
-            <a:endParaRPr lang="ru-RU" sz="2800" dirty="0">
-              <a:solidFill>
-                <a:schemeClr val="tx1"/>
-              </a:solidFill>
-            </a:endParaRPr>
+              <a:rPr lang="ru-RU" dirty="0"/>
+              <a:t>Как ранее решалась проблема (Ложные отзывы)</a:t>
+            </a:r>
           </a:p>
         </p:txBody>
       </p:sp>
@@ -8029,7 +8348,7 @@
           <p:cNvPr id="4" name="Номер слайда 3">
             <a:extLst>
               <a:ext uri="{FF2B5EF4-FFF2-40B4-BE49-F238E27FC236}">
-                <a16:creationId xmlns:a16="http://schemas.microsoft.com/office/drawing/2014/main" id="{4398602D-2EB0-23B2-ADA0-A1E7FC157E1C}"/>
+                <a16:creationId xmlns:a16="http://schemas.microsoft.com/office/drawing/2014/main" id="{7A5EFE40-2619-D73C-CFCD-2EF14A132EA0}"/>
               </a:ext>
             </a:extLst>
           </p:cNvPr>
@@ -8053,10 +8372,108 @@
           </a:p>
         </p:txBody>
       </p:sp>
+      <p:sp>
+        <p:nvSpPr>
+          <p:cNvPr id="8" name="TextBox 7">
+            <a:extLst>
+              <a:ext uri="{FF2B5EF4-FFF2-40B4-BE49-F238E27FC236}">
+                <a16:creationId xmlns:a16="http://schemas.microsoft.com/office/drawing/2014/main" id="{860E942F-160B-452B-6643-6ECFF995C529}"/>
+              </a:ext>
+            </a:extLst>
+          </p:cNvPr>
+          <p:cNvSpPr txBox="1"/>
+          <p:nvPr/>
+        </p:nvSpPr>
+        <p:spPr>
+          <a:xfrm>
+            <a:off x="1619672" y="2348880"/>
+            <a:ext cx="5832648" cy="1881990"/>
+          </a:xfrm>
+          <a:prstGeom prst="rect">
+            <a:avLst/>
+          </a:prstGeom>
+          <a:noFill/>
+        </p:spPr>
+        <p:txBody>
+          <a:bodyPr wrap="square">
+            <a:spAutoFit/>
+          </a:bodyPr>
+          <a:lstStyle/>
+          <a:p>
+            <a:pPr>
+              <a:lnSpc>
+                <a:spcPct val="150000"/>
+              </a:lnSpc>
+            </a:pPr>
+            <a:r>
+              <a:rPr lang="ru-RU" sz="2000" i="0" dirty="0">
+                <a:solidFill>
+                  <a:srgbClr val="0D0D0D"/>
+                </a:solidFill>
+                <a:effectLst/>
+                <a:highlight>
+                  <a:srgbClr val="FFFFFF"/>
+                </a:highlight>
+                <a:latin typeface="Arial" panose="020B0604020202020204" pitchFamily="34" charset="0"/>
+                <a:cs typeface="Arial" panose="020B0604020202020204" pitchFamily="34" charset="0"/>
+              </a:rPr>
+              <a:t>1) Анализ текста отзыва с помощью искусственного интеллекта</a:t>
+            </a:r>
+            <a:endParaRPr lang="en-US" sz="2000" i="0" dirty="0">
+              <a:solidFill>
+                <a:srgbClr val="0D0D0D"/>
+              </a:solidFill>
+              <a:effectLst/>
+              <a:highlight>
+                <a:srgbClr val="FFFFFF"/>
+              </a:highlight>
+              <a:latin typeface="Arial" panose="020B0604020202020204" pitchFamily="34" charset="0"/>
+              <a:cs typeface="Arial" panose="020B0604020202020204" pitchFamily="34" charset="0"/>
+            </a:endParaRPr>
+          </a:p>
+          <a:p>
+            <a:pPr>
+              <a:lnSpc>
+                <a:spcPct val="150000"/>
+              </a:lnSpc>
+            </a:pPr>
+            <a:r>
+              <a:rPr lang="en-US" sz="2000" dirty="0">
+                <a:solidFill>
+                  <a:srgbClr val="0D0D0D"/>
+                </a:solidFill>
+                <a:highlight>
+                  <a:srgbClr val="FFFFFF"/>
+                </a:highlight>
+                <a:latin typeface="Arial" panose="020B0604020202020204" pitchFamily="34" charset="0"/>
+                <a:cs typeface="Arial" panose="020B0604020202020204" pitchFamily="34" charset="0"/>
+              </a:rPr>
+              <a:t>2) </a:t>
+            </a:r>
+            <a:r>
+              <a:rPr lang="ru-RU" sz="2000" dirty="0">
+                <a:solidFill>
+                  <a:srgbClr val="0D0D0D"/>
+                </a:solidFill>
+                <a:highlight>
+                  <a:srgbClr val="FFFFFF"/>
+                </a:highlight>
+                <a:latin typeface="Arial" panose="020B0604020202020204" pitchFamily="34" charset="0"/>
+                <a:cs typeface="Arial" panose="020B0604020202020204" pitchFamily="34" charset="0"/>
+              </a:rPr>
+              <a:t>Проверка содержания отзывов командой модераторов</a:t>
+            </a:r>
+            <a:endParaRPr lang="ru-RU" sz="2000" dirty="0">
+              <a:latin typeface="Arial" panose="020B0604020202020204" pitchFamily="34" charset="0"/>
+              <a:cs typeface="Arial" panose="020B0604020202020204" pitchFamily="34" charset="0"/>
+            </a:endParaRPr>
+          </a:p>
+        </p:txBody>
+      </p:sp>
     </p:spTree>
     <p:extLst>
       <p:ext uri="{BB962C8B-B14F-4D97-AF65-F5344CB8AC3E}">
-        <p14:creationId xmlns:p14="http://schemas.microsoft.com/office/powerpoint/2010/main" val="3213516774"/>
+        <p14:creationId xmlns:p14="http://schemas.microsoft.com/office/powerpoint/2010/main" val="932366863"/>
       </p:ext>
     </p:extLst>
   </p:cSld>

--- a/Documentation/My documentation/Predzashita_Gailevich.pptx
+++ b/Documentation/My documentation/Predzashita_Gailevich.pptx
@@ -229,7 +229,7 @@
           <a:p>
             <a:fld id="{4539BD2C-A011-4B13-A99B-1190B3A8E9C6}" type="datetimeFigureOut">
               <a:rPr lang="ru-RU" smtClean="0"/>
-              <a:t>23.05.2024</a:t>
+              <a:t>28.05.2024</a:t>
             </a:fld>
             <a:endParaRPr lang="ru-RU"/>
           </a:p>
@@ -675,7 +675,7 @@
           <a:p>
             <a:fld id="{129333C3-4B11-44A5-8A4A-6D7E7173F684}" type="datetime1">
               <a:rPr lang="ru-RU" smtClean="0"/>
-              <a:t>23.05.2024</a:t>
+              <a:t>28.05.2024</a:t>
             </a:fld>
             <a:endParaRPr lang="ru-RU"/>
           </a:p>
@@ -843,7 +843,7 @@
           <a:p>
             <a:fld id="{210AC199-A282-4778-940C-0471E1202C45}" type="datetime1">
               <a:rPr lang="ru-RU" smtClean="0"/>
-              <a:t>23.05.2024</a:t>
+              <a:t>28.05.2024</a:t>
             </a:fld>
             <a:endParaRPr lang="ru-RU"/>
           </a:p>
@@ -1021,7 +1021,7 @@
           <a:p>
             <a:fld id="{2ED81F8E-0F52-4441-92DB-189F221F18AD}" type="datetime1">
               <a:rPr lang="ru-RU" smtClean="0"/>
-              <a:t>23.05.2024</a:t>
+              <a:t>28.05.2024</a:t>
             </a:fld>
             <a:endParaRPr lang="ru-RU"/>
           </a:p>
@@ -1189,7 +1189,7 @@
           <a:p>
             <a:fld id="{A32B4E19-BDBF-4459-BD64-082AF5CBAC81}" type="datetime1">
               <a:rPr lang="ru-RU" smtClean="0"/>
-              <a:t>23.05.2024</a:t>
+              <a:t>28.05.2024</a:t>
             </a:fld>
             <a:endParaRPr lang="ru-RU"/>
           </a:p>
@@ -1434,7 +1434,7 @@
           <a:p>
             <a:fld id="{F0FB4C45-CDF1-43EA-973D-051E1CAD298A}" type="datetime1">
               <a:rPr lang="ru-RU" smtClean="0"/>
-              <a:t>23.05.2024</a:t>
+              <a:t>28.05.2024</a:t>
             </a:fld>
             <a:endParaRPr lang="ru-RU"/>
           </a:p>
@@ -1719,7 +1719,7 @@
           <a:p>
             <a:fld id="{08512D6B-C3B1-4408-AFE4-47400481D2AF}" type="datetime1">
               <a:rPr lang="ru-RU" smtClean="0"/>
-              <a:t>23.05.2024</a:t>
+              <a:t>28.05.2024</a:t>
             </a:fld>
             <a:endParaRPr lang="ru-RU"/>
           </a:p>
@@ -2138,7 +2138,7 @@
           <a:p>
             <a:fld id="{8393DAA4-D2BA-41BC-BB46-C75EBC7897D2}" type="datetime1">
               <a:rPr lang="ru-RU" smtClean="0"/>
-              <a:t>23.05.2024</a:t>
+              <a:t>28.05.2024</a:t>
             </a:fld>
             <a:endParaRPr lang="ru-RU"/>
           </a:p>
@@ -2255,7 +2255,7 @@
           <a:p>
             <a:fld id="{CA8D47CD-05FF-4CCE-ADBB-9D4F9CDA3A02}" type="datetime1">
               <a:rPr lang="ru-RU" smtClean="0"/>
-              <a:t>23.05.2024</a:t>
+              <a:t>28.05.2024</a:t>
             </a:fld>
             <a:endParaRPr lang="ru-RU"/>
           </a:p>
@@ -2350,7 +2350,7 @@
           <a:p>
             <a:fld id="{D43B1656-6DDD-4CAA-81F6-6641D0DA7017}" type="datetime1">
               <a:rPr lang="ru-RU" smtClean="0"/>
-              <a:t>23.05.2024</a:t>
+              <a:t>28.05.2024</a:t>
             </a:fld>
             <a:endParaRPr lang="ru-RU"/>
           </a:p>
@@ -2625,7 +2625,7 @@
           <a:p>
             <a:fld id="{59C2894B-9625-430F-9B9A-BF36AFAE0B5B}" type="datetime1">
               <a:rPr lang="ru-RU" smtClean="0"/>
-              <a:t>23.05.2024</a:t>
+              <a:t>28.05.2024</a:t>
             </a:fld>
             <a:endParaRPr lang="ru-RU"/>
           </a:p>
@@ -2877,7 +2877,7 @@
           <a:p>
             <a:fld id="{9F0BE669-6AE7-4F1D-BAF5-71C18E7D1E10}" type="datetime1">
               <a:rPr lang="ru-RU" smtClean="0"/>
-              <a:t>23.05.2024</a:t>
+              <a:t>28.05.2024</a:t>
             </a:fld>
             <a:endParaRPr lang="ru-RU"/>
           </a:p>
@@ -3088,7 +3088,7 @@
           <a:p>
             <a:fld id="{FD3FB48F-75F0-47D3-910B-20E7BE5531C2}" type="datetime1">
               <a:rPr lang="ru-RU" smtClean="0"/>
-              <a:t>23.05.2024</a:t>
+              <a:t>28.05.2024</a:t>
             </a:fld>
             <a:endParaRPr lang="ru-RU"/>
           </a:p>
@@ -4035,7 +4035,30 @@
                 <a:ea typeface="Times New Roman" panose="02020603050405020304" pitchFamily="18" charset="0"/>
                 <a:cs typeface="Arial" panose="020B0604020202020204" pitchFamily="34" charset="0"/>
               </a:rPr>
-              <a:t>5. Качество отзывов и рейтингов:</a:t>
+              <a:t>5. </a:t>
+            </a:r>
+            <a:r>
+              <a:rPr lang="ru-RU" sz="2300" dirty="0">
+                <a:solidFill>
+                  <a:schemeClr val="tx1"/>
+                </a:solidFill>
+                <a:latin typeface="Arial" panose="020B0604020202020204" pitchFamily="34" charset="0"/>
+                <a:ea typeface="Times New Roman" panose="02020603050405020304" pitchFamily="18" charset="0"/>
+                <a:cs typeface="Arial" panose="020B0604020202020204" pitchFamily="34" charset="0"/>
+              </a:rPr>
+              <a:t>Надежность</a:t>
+            </a:r>
+            <a:r>
+              <a:rPr lang="ru-RU" sz="2300" dirty="0">
+                <a:solidFill>
+                  <a:schemeClr val="tx1"/>
+                </a:solidFill>
+                <a:effectLst/>
+                <a:latin typeface="Arial" panose="020B0604020202020204" pitchFamily="34" charset="0"/>
+                <a:ea typeface="Times New Roman" panose="02020603050405020304" pitchFamily="18" charset="0"/>
+                <a:cs typeface="Arial" panose="020B0604020202020204" pitchFamily="34" charset="0"/>
+              </a:rPr>
+              <a:t> отзывов и рейтингов:</a:t>
             </a:r>
           </a:p>
           <a:p>
@@ -5228,40 +5251,39 @@
       </p:sp>
       <p:sp>
         <p:nvSpPr>
-          <p:cNvPr id="3" name="Подзаголовок 2"/>
-          <p:cNvSpPr>
-            <a:spLocks noGrp="1"/>
-          </p:cNvSpPr>
-          <p:nvPr>
-            <p:ph type="subTitle" idx="1"/>
-          </p:nvPr>
-        </p:nvSpPr>
-        <p:spPr>
-          <a:xfrm>
-            <a:off x="498190" y="1340768"/>
-            <a:ext cx="8106258" cy="4896544"/>
-          </a:xfrm>
-        </p:spPr>
-        <p:txBody>
-          <a:bodyPr numCol="1" anchor="ctr">
-            <a:normAutofit/>
-          </a:bodyPr>
-          <a:lstStyle/>
-          <a:p>
-            <a:pPr algn="l"/>
-            <a:endParaRPr lang="ru-RU" dirty="0">
-              <a:latin typeface="Arial" panose="020B0604020202020204" pitchFamily="34" charset="0"/>
-              <a:cs typeface="Arial" panose="020B0604020202020204" pitchFamily="34" charset="0"/>
-            </a:endParaRPr>
+          <p:cNvPr id="4" name="Номер слайда 3">
+            <a:extLst>
+              <a:ext uri="{FF2B5EF4-FFF2-40B4-BE49-F238E27FC236}">
+                <a16:creationId xmlns:a16="http://schemas.microsoft.com/office/drawing/2014/main" id="{3F526A2B-6092-E89C-3C80-41B5E09468EB}"/>
+              </a:ext>
+            </a:extLst>
+          </p:cNvPr>
+          <p:cNvSpPr>
+            <a:spLocks noGrp="1"/>
+          </p:cNvSpPr>
+          <p:nvPr>
+            <p:ph type="sldNum" sz="quarter" idx="12"/>
+          </p:nvPr>
+        </p:nvSpPr>
+        <p:spPr/>
+        <p:txBody>
+          <a:bodyPr/>
+          <a:lstStyle/>
+          <a:p>
+            <a:fld id="{A8D4CE12-0AFA-4111-B533-B38A2B9BBD8D}" type="slidenum">
+              <a:rPr lang="ru-RU" smtClean="0"/>
+              <a:t>13</a:t>
+            </a:fld>
+            <a:endParaRPr lang="ru-RU"/>
           </a:p>
         </p:txBody>
       </p:sp>
       <p:pic>
         <p:nvPicPr>
-          <p:cNvPr id="7" name="Рисунок 6">
+          <p:cNvPr id="6" name="Рисунок 5">
             <a:extLst>
               <a:ext uri="{FF2B5EF4-FFF2-40B4-BE49-F238E27FC236}">
-                <a16:creationId xmlns:a16="http://schemas.microsoft.com/office/drawing/2014/main" id="{7939D6EE-EA0A-D5C3-BFA8-918A9A8A8E41}"/>
+                <a16:creationId xmlns:a16="http://schemas.microsoft.com/office/drawing/2014/main" id="{4D8420C5-9625-84C7-7CF7-7579AACE1DD6}"/>
               </a:ext>
             </a:extLst>
           </p:cNvPr>
@@ -5278,43 +5300,14 @@
         </p:blipFill>
         <p:spPr>
           <a:xfrm>
-            <a:off x="557808" y="1056527"/>
-            <a:ext cx="8028384" cy="5612833"/>
+            <a:off x="971600" y="836711"/>
+            <a:ext cx="6984776" cy="5691299"/>
           </a:xfrm>
           <a:prstGeom prst="rect">
             <a:avLst/>
           </a:prstGeom>
         </p:spPr>
       </p:pic>
-      <p:sp>
-        <p:nvSpPr>
-          <p:cNvPr id="4" name="Номер слайда 3">
-            <a:extLst>
-              <a:ext uri="{FF2B5EF4-FFF2-40B4-BE49-F238E27FC236}">
-                <a16:creationId xmlns:a16="http://schemas.microsoft.com/office/drawing/2014/main" id="{3F526A2B-6092-E89C-3C80-41B5E09468EB}"/>
-              </a:ext>
-            </a:extLst>
-          </p:cNvPr>
-          <p:cNvSpPr>
-            <a:spLocks noGrp="1"/>
-          </p:cNvSpPr>
-          <p:nvPr>
-            <p:ph type="sldNum" sz="quarter" idx="12"/>
-          </p:nvPr>
-        </p:nvSpPr>
-        <p:spPr/>
-        <p:txBody>
-          <a:bodyPr/>
-          <a:lstStyle/>
-          <a:p>
-            <a:fld id="{A8D4CE12-0AFA-4111-B533-B38A2B9BBD8D}" type="slidenum">
-              <a:rPr lang="ru-RU" smtClean="0"/>
-              <a:t>13</a:t>
-            </a:fld>
-            <a:endParaRPr lang="ru-RU"/>
-          </a:p>
-        </p:txBody>
-      </p:sp>
     </p:spTree>
     <p:extLst>
       <p:ext uri="{BB962C8B-B14F-4D97-AF65-F5344CB8AC3E}">
@@ -7935,10 +7928,20 @@
                 <a:latin typeface="Arial" panose="020B0604020202020204" pitchFamily="34" charset="0"/>
                 <a:cs typeface="Arial" panose="020B0604020202020204" pitchFamily="34" charset="0"/>
               </a:rPr>
-              <a:t> различных</a:t>
-            </a:r>
-            <a:r>
-              <a:rPr lang="ru-RU" sz="2000" b="0" i="0" dirty="0">
+              <a:t> </a:t>
+            </a:r>
+            <a:r>
+              <a:rPr lang="ru-RU" sz="2000">
+                <a:solidFill>
+                  <a:schemeClr val="tx1"/>
+                </a:solidFill>
+                <a:latin typeface="Arial" panose="020B0604020202020204" pitchFamily="34" charset="0"/>
+                <a:cs typeface="Arial" panose="020B0604020202020204" pitchFamily="34" charset="0"/>
+              </a:rPr>
+              <a:t>различных</a:t>
+            </a:r>
+            <a:r>
+              <a:rPr lang="ru-RU" sz="2000" b="0" i="0">
                 <a:solidFill>
                   <a:schemeClr val="tx1"/>
                 </a:solidFill>
@@ -7949,17 +7952,17 @@
               <a:t> автосервис</a:t>
             </a:r>
             <a:r>
-              <a:rPr lang="ru-RU" sz="2000" dirty="0">
+              <a:rPr lang="ru-RU" sz="2000">
                 <a:solidFill>
                   <a:schemeClr val="tx1"/>
                 </a:solidFill>
                 <a:latin typeface="Arial" panose="020B0604020202020204" pitchFamily="34" charset="0"/>
                 <a:cs typeface="Arial" panose="020B0604020202020204" pitchFamily="34" charset="0"/>
               </a:rPr>
-              <a:t>ов</a:t>
-            </a:r>
-            <a:r>
-              <a:rPr lang="en-US" sz="2000" dirty="0">
+              <a:t>ах</a:t>
+            </a:r>
+            <a:r>
+              <a:rPr lang="en-US" sz="2000">
                 <a:solidFill>
                   <a:schemeClr val="tx1"/>
                 </a:solidFill>

--- a/Documentation/My documentation/Predzashita_Gailevich.pptx
+++ b/Documentation/My documentation/Predzashita_Gailevich.pptx
@@ -229,7 +229,7 @@
           <a:p>
             <a:fld id="{4539BD2C-A011-4B13-A99B-1190B3A8E9C6}" type="datetimeFigureOut">
               <a:rPr lang="ru-RU" smtClean="0"/>
-              <a:t>28.05.2024</a:t>
+              <a:t>30.05.2024</a:t>
             </a:fld>
             <a:endParaRPr lang="ru-RU"/>
           </a:p>
@@ -675,7 +675,7 @@
           <a:p>
             <a:fld id="{129333C3-4B11-44A5-8A4A-6D7E7173F684}" type="datetime1">
               <a:rPr lang="ru-RU" smtClean="0"/>
-              <a:t>28.05.2024</a:t>
+              <a:t>30.05.2024</a:t>
             </a:fld>
             <a:endParaRPr lang="ru-RU"/>
           </a:p>
@@ -843,7 +843,7 @@
           <a:p>
             <a:fld id="{210AC199-A282-4778-940C-0471E1202C45}" type="datetime1">
               <a:rPr lang="ru-RU" smtClean="0"/>
-              <a:t>28.05.2024</a:t>
+              <a:t>30.05.2024</a:t>
             </a:fld>
             <a:endParaRPr lang="ru-RU"/>
           </a:p>
@@ -1021,7 +1021,7 @@
           <a:p>
             <a:fld id="{2ED81F8E-0F52-4441-92DB-189F221F18AD}" type="datetime1">
               <a:rPr lang="ru-RU" smtClean="0"/>
-              <a:t>28.05.2024</a:t>
+              <a:t>30.05.2024</a:t>
             </a:fld>
             <a:endParaRPr lang="ru-RU"/>
           </a:p>
@@ -1189,7 +1189,7 @@
           <a:p>
             <a:fld id="{A32B4E19-BDBF-4459-BD64-082AF5CBAC81}" type="datetime1">
               <a:rPr lang="ru-RU" smtClean="0"/>
-              <a:t>28.05.2024</a:t>
+              <a:t>30.05.2024</a:t>
             </a:fld>
             <a:endParaRPr lang="ru-RU"/>
           </a:p>
@@ -1434,7 +1434,7 @@
           <a:p>
             <a:fld id="{F0FB4C45-CDF1-43EA-973D-051E1CAD298A}" type="datetime1">
               <a:rPr lang="ru-RU" smtClean="0"/>
-              <a:t>28.05.2024</a:t>
+              <a:t>30.05.2024</a:t>
             </a:fld>
             <a:endParaRPr lang="ru-RU"/>
           </a:p>
@@ -1719,7 +1719,7 @@
           <a:p>
             <a:fld id="{08512D6B-C3B1-4408-AFE4-47400481D2AF}" type="datetime1">
               <a:rPr lang="ru-RU" smtClean="0"/>
-              <a:t>28.05.2024</a:t>
+              <a:t>30.05.2024</a:t>
             </a:fld>
             <a:endParaRPr lang="ru-RU"/>
           </a:p>
@@ -2138,7 +2138,7 @@
           <a:p>
             <a:fld id="{8393DAA4-D2BA-41BC-BB46-C75EBC7897D2}" type="datetime1">
               <a:rPr lang="ru-RU" smtClean="0"/>
-              <a:t>28.05.2024</a:t>
+              <a:t>30.05.2024</a:t>
             </a:fld>
             <a:endParaRPr lang="ru-RU"/>
           </a:p>
@@ -2255,7 +2255,7 @@
           <a:p>
             <a:fld id="{CA8D47CD-05FF-4CCE-ADBB-9D4F9CDA3A02}" type="datetime1">
               <a:rPr lang="ru-RU" smtClean="0"/>
-              <a:t>28.05.2024</a:t>
+              <a:t>30.05.2024</a:t>
             </a:fld>
             <a:endParaRPr lang="ru-RU"/>
           </a:p>
@@ -2350,7 +2350,7 @@
           <a:p>
             <a:fld id="{D43B1656-6DDD-4CAA-81F6-6641D0DA7017}" type="datetime1">
               <a:rPr lang="ru-RU" smtClean="0"/>
-              <a:t>28.05.2024</a:t>
+              <a:t>30.05.2024</a:t>
             </a:fld>
             <a:endParaRPr lang="ru-RU"/>
           </a:p>
@@ -2625,7 +2625,7 @@
           <a:p>
             <a:fld id="{59C2894B-9625-430F-9B9A-BF36AFAE0B5B}" type="datetime1">
               <a:rPr lang="ru-RU" smtClean="0"/>
-              <a:t>28.05.2024</a:t>
+              <a:t>30.05.2024</a:t>
             </a:fld>
             <a:endParaRPr lang="ru-RU"/>
           </a:p>
@@ -2877,7 +2877,7 @@
           <a:p>
             <a:fld id="{9F0BE669-6AE7-4F1D-BAF5-71C18E7D1E10}" type="datetime1">
               <a:rPr lang="ru-RU" smtClean="0"/>
-              <a:t>28.05.2024</a:t>
+              <a:t>30.05.2024</a:t>
             </a:fld>
             <a:endParaRPr lang="ru-RU"/>
           </a:p>
@@ -3088,7 +3088,7 @@
           <a:p>
             <a:fld id="{FD3FB48F-75F0-47D3-910B-20E7BE5531C2}" type="datetime1">
               <a:rPr lang="ru-RU" smtClean="0"/>
-              <a:t>28.05.2024</a:t>
+              <a:t>30.05.2024</a:t>
             </a:fld>
             <a:endParaRPr lang="ru-RU"/>
           </a:p>
@@ -5956,7 +5956,7 @@
         </p:nvSpPr>
         <p:spPr>
           <a:xfrm>
-            <a:off x="498190" y="5589240"/>
+            <a:off x="482867" y="5983861"/>
             <a:ext cx="8106258" cy="648072"/>
           </a:xfrm>
         </p:spPr>
@@ -5984,12 +5984,41 @@
           </a:p>
         </p:txBody>
       </p:sp>
+      <p:sp>
+        <p:nvSpPr>
+          <p:cNvPr id="4" name="Номер слайда 3">
+            <a:extLst>
+              <a:ext uri="{FF2B5EF4-FFF2-40B4-BE49-F238E27FC236}">
+                <a16:creationId xmlns:a16="http://schemas.microsoft.com/office/drawing/2014/main" id="{CCEDE2ED-2AE6-D58C-35F2-C35BB03F68DB}"/>
+              </a:ext>
+            </a:extLst>
+          </p:cNvPr>
+          <p:cNvSpPr>
+            <a:spLocks noGrp="1"/>
+          </p:cNvSpPr>
+          <p:nvPr>
+            <p:ph type="sldNum" sz="quarter" idx="12"/>
+          </p:nvPr>
+        </p:nvSpPr>
+        <p:spPr/>
+        <p:txBody>
+          <a:bodyPr/>
+          <a:lstStyle/>
+          <a:p>
+            <a:fld id="{A8D4CE12-0AFA-4111-B533-B38A2B9BBD8D}" type="slidenum">
+              <a:rPr lang="ru-RU" smtClean="0"/>
+              <a:t>17</a:t>
+            </a:fld>
+            <a:endParaRPr lang="ru-RU"/>
+          </a:p>
+        </p:txBody>
+      </p:sp>
       <p:pic>
         <p:nvPicPr>
-          <p:cNvPr id="7" name="Рисунок 6">
+          <p:cNvPr id="11" name="Рисунок 10">
             <a:extLst>
               <a:ext uri="{FF2B5EF4-FFF2-40B4-BE49-F238E27FC236}">
-                <a16:creationId xmlns:a16="http://schemas.microsoft.com/office/drawing/2014/main" id="{87258A1F-4722-D171-0BE8-7CDC62E2C6F1}"/>
+                <a16:creationId xmlns:a16="http://schemas.microsoft.com/office/drawing/2014/main" id="{6ED76088-66FF-9D9E-39B7-D3C890E1599C}"/>
               </a:ext>
             </a:extLst>
           </p:cNvPr>
@@ -6006,43 +6035,14 @@
         </p:blipFill>
         <p:spPr>
           <a:xfrm>
-            <a:off x="1448453" y="1009585"/>
-            <a:ext cx="6247094" cy="4542801"/>
+            <a:off x="1115617" y="914701"/>
+            <a:ext cx="6840760" cy="5069159"/>
           </a:xfrm>
           <a:prstGeom prst="rect">
             <a:avLst/>
           </a:prstGeom>
         </p:spPr>
       </p:pic>
-      <p:sp>
-        <p:nvSpPr>
-          <p:cNvPr id="4" name="Номер слайда 3">
-            <a:extLst>
-              <a:ext uri="{FF2B5EF4-FFF2-40B4-BE49-F238E27FC236}">
-                <a16:creationId xmlns:a16="http://schemas.microsoft.com/office/drawing/2014/main" id="{CCEDE2ED-2AE6-D58C-35F2-C35BB03F68DB}"/>
-              </a:ext>
-            </a:extLst>
-          </p:cNvPr>
-          <p:cNvSpPr>
-            <a:spLocks noGrp="1"/>
-          </p:cNvSpPr>
-          <p:nvPr>
-            <p:ph type="sldNum" sz="quarter" idx="12"/>
-          </p:nvPr>
-        </p:nvSpPr>
-        <p:spPr/>
-        <p:txBody>
-          <a:bodyPr/>
-          <a:lstStyle/>
-          <a:p>
-            <a:fld id="{A8D4CE12-0AFA-4111-B533-B38A2B9BBD8D}" type="slidenum">
-              <a:rPr lang="ru-RU" smtClean="0"/>
-              <a:t>17</a:t>
-            </a:fld>
-            <a:endParaRPr lang="ru-RU"/>
-          </a:p>
-        </p:txBody>
-      </p:sp>
     </p:spTree>
     <p:extLst>
       <p:ext uri="{BB962C8B-B14F-4D97-AF65-F5344CB8AC3E}">

--- a/Documentation/My documentation/Predzashita_Gailevich.pptx
+++ b/Documentation/My documentation/Predzashita_Gailevich.pptx
@@ -229,7 +229,7 @@
           <a:p>
             <a:fld id="{4539BD2C-A011-4B13-A99B-1190B3A8E9C6}" type="datetimeFigureOut">
               <a:rPr lang="ru-RU" smtClean="0"/>
-              <a:t>30.05.2024</a:t>
+              <a:t>02.06.2024</a:t>
             </a:fld>
             <a:endParaRPr lang="ru-RU"/>
           </a:p>
@@ -675,7 +675,7 @@
           <a:p>
             <a:fld id="{129333C3-4B11-44A5-8A4A-6D7E7173F684}" type="datetime1">
               <a:rPr lang="ru-RU" smtClean="0"/>
-              <a:t>30.05.2024</a:t>
+              <a:t>02.06.2024</a:t>
             </a:fld>
             <a:endParaRPr lang="ru-RU"/>
           </a:p>
@@ -843,7 +843,7 @@
           <a:p>
             <a:fld id="{210AC199-A282-4778-940C-0471E1202C45}" type="datetime1">
               <a:rPr lang="ru-RU" smtClean="0"/>
-              <a:t>30.05.2024</a:t>
+              <a:t>02.06.2024</a:t>
             </a:fld>
             <a:endParaRPr lang="ru-RU"/>
           </a:p>
@@ -1021,7 +1021,7 @@
           <a:p>
             <a:fld id="{2ED81F8E-0F52-4441-92DB-189F221F18AD}" type="datetime1">
               <a:rPr lang="ru-RU" smtClean="0"/>
-              <a:t>30.05.2024</a:t>
+              <a:t>02.06.2024</a:t>
             </a:fld>
             <a:endParaRPr lang="ru-RU"/>
           </a:p>
@@ -1189,7 +1189,7 @@
           <a:p>
             <a:fld id="{A32B4E19-BDBF-4459-BD64-082AF5CBAC81}" type="datetime1">
               <a:rPr lang="ru-RU" smtClean="0"/>
-              <a:t>30.05.2024</a:t>
+              <a:t>02.06.2024</a:t>
             </a:fld>
             <a:endParaRPr lang="ru-RU"/>
           </a:p>
@@ -1434,7 +1434,7 @@
           <a:p>
             <a:fld id="{F0FB4C45-CDF1-43EA-973D-051E1CAD298A}" type="datetime1">
               <a:rPr lang="ru-RU" smtClean="0"/>
-              <a:t>30.05.2024</a:t>
+              <a:t>02.06.2024</a:t>
             </a:fld>
             <a:endParaRPr lang="ru-RU"/>
           </a:p>
@@ -1719,7 +1719,7 @@
           <a:p>
             <a:fld id="{08512D6B-C3B1-4408-AFE4-47400481D2AF}" type="datetime1">
               <a:rPr lang="ru-RU" smtClean="0"/>
-              <a:t>30.05.2024</a:t>
+              <a:t>02.06.2024</a:t>
             </a:fld>
             <a:endParaRPr lang="ru-RU"/>
           </a:p>
@@ -2138,7 +2138,7 @@
           <a:p>
             <a:fld id="{8393DAA4-D2BA-41BC-BB46-C75EBC7897D2}" type="datetime1">
               <a:rPr lang="ru-RU" smtClean="0"/>
-              <a:t>30.05.2024</a:t>
+              <a:t>02.06.2024</a:t>
             </a:fld>
             <a:endParaRPr lang="ru-RU"/>
           </a:p>
@@ -2255,7 +2255,7 @@
           <a:p>
             <a:fld id="{CA8D47CD-05FF-4CCE-ADBB-9D4F9CDA3A02}" type="datetime1">
               <a:rPr lang="ru-RU" smtClean="0"/>
-              <a:t>30.05.2024</a:t>
+              <a:t>02.06.2024</a:t>
             </a:fld>
             <a:endParaRPr lang="ru-RU"/>
           </a:p>
@@ -2350,7 +2350,7 @@
           <a:p>
             <a:fld id="{D43B1656-6DDD-4CAA-81F6-6641D0DA7017}" type="datetime1">
               <a:rPr lang="ru-RU" smtClean="0"/>
-              <a:t>30.05.2024</a:t>
+              <a:t>02.06.2024</a:t>
             </a:fld>
             <a:endParaRPr lang="ru-RU"/>
           </a:p>
@@ -2625,7 +2625,7 @@
           <a:p>
             <a:fld id="{59C2894B-9625-430F-9B9A-BF36AFAE0B5B}" type="datetime1">
               <a:rPr lang="ru-RU" smtClean="0"/>
-              <a:t>30.05.2024</a:t>
+              <a:t>02.06.2024</a:t>
             </a:fld>
             <a:endParaRPr lang="ru-RU"/>
           </a:p>
@@ -2877,7 +2877,7 @@
           <a:p>
             <a:fld id="{9F0BE669-6AE7-4F1D-BAF5-71C18E7D1E10}" type="datetime1">
               <a:rPr lang="ru-RU" smtClean="0"/>
-              <a:t>30.05.2024</a:t>
+              <a:t>02.06.2024</a:t>
             </a:fld>
             <a:endParaRPr lang="ru-RU"/>
           </a:p>
@@ -3088,7 +3088,7 @@
           <a:p>
             <a:fld id="{FD3FB48F-75F0-47D3-910B-20E7BE5531C2}" type="datetime1">
               <a:rPr lang="ru-RU" smtClean="0"/>
-              <a:t>30.05.2024</a:t>
+              <a:t>02.06.2024</a:t>
             </a:fld>
             <a:endParaRPr lang="ru-RU"/>
           </a:p>
@@ -5280,10 +5280,10 @@
       </p:sp>
       <p:pic>
         <p:nvPicPr>
-          <p:cNvPr id="6" name="Рисунок 5">
+          <p:cNvPr id="5" name="Рисунок 4">
             <a:extLst>
               <a:ext uri="{FF2B5EF4-FFF2-40B4-BE49-F238E27FC236}">
-                <a16:creationId xmlns:a16="http://schemas.microsoft.com/office/drawing/2014/main" id="{4D8420C5-9625-84C7-7CF7-7579AACE1DD6}"/>
+                <a16:creationId xmlns:a16="http://schemas.microsoft.com/office/drawing/2014/main" id="{7122B0D1-C861-C781-F101-968DABF06D71}"/>
               </a:ext>
             </a:extLst>
           </p:cNvPr>
@@ -5300,8 +5300,8 @@
         </p:blipFill>
         <p:spPr>
           <a:xfrm>
-            <a:off x="971600" y="836711"/>
-            <a:ext cx="6984776" cy="5691299"/>
+            <a:off x="1366617" y="836711"/>
+            <a:ext cx="6338757" cy="5365361"/>
           </a:xfrm>
           <a:prstGeom prst="rect">
             <a:avLst/>

--- a/Documentation/My documentation/Predzashita_Gailevich.pptx
+++ b/Documentation/My documentation/Predzashita_Gailevich.pptx
@@ -229,7 +229,7 @@
           <a:p>
             <a:fld id="{4539BD2C-A011-4B13-A99B-1190B3A8E9C6}" type="datetimeFigureOut">
               <a:rPr lang="ru-RU" smtClean="0"/>
-              <a:t>02.06.2024</a:t>
+              <a:t>03.06.2024</a:t>
             </a:fld>
             <a:endParaRPr lang="ru-RU"/>
           </a:p>
@@ -675,7 +675,7 @@
           <a:p>
             <a:fld id="{129333C3-4B11-44A5-8A4A-6D7E7173F684}" type="datetime1">
               <a:rPr lang="ru-RU" smtClean="0"/>
-              <a:t>02.06.2024</a:t>
+              <a:t>03.06.2024</a:t>
             </a:fld>
             <a:endParaRPr lang="ru-RU"/>
           </a:p>
@@ -843,7 +843,7 @@
           <a:p>
             <a:fld id="{210AC199-A282-4778-940C-0471E1202C45}" type="datetime1">
               <a:rPr lang="ru-RU" smtClean="0"/>
-              <a:t>02.06.2024</a:t>
+              <a:t>03.06.2024</a:t>
             </a:fld>
             <a:endParaRPr lang="ru-RU"/>
           </a:p>
@@ -1021,7 +1021,7 @@
           <a:p>
             <a:fld id="{2ED81F8E-0F52-4441-92DB-189F221F18AD}" type="datetime1">
               <a:rPr lang="ru-RU" smtClean="0"/>
-              <a:t>02.06.2024</a:t>
+              <a:t>03.06.2024</a:t>
             </a:fld>
             <a:endParaRPr lang="ru-RU"/>
           </a:p>
@@ -1189,7 +1189,7 @@
           <a:p>
             <a:fld id="{A32B4E19-BDBF-4459-BD64-082AF5CBAC81}" type="datetime1">
               <a:rPr lang="ru-RU" smtClean="0"/>
-              <a:t>02.06.2024</a:t>
+              <a:t>03.06.2024</a:t>
             </a:fld>
             <a:endParaRPr lang="ru-RU"/>
           </a:p>
@@ -1434,7 +1434,7 @@
           <a:p>
             <a:fld id="{F0FB4C45-CDF1-43EA-973D-051E1CAD298A}" type="datetime1">
               <a:rPr lang="ru-RU" smtClean="0"/>
-              <a:t>02.06.2024</a:t>
+              <a:t>03.06.2024</a:t>
             </a:fld>
             <a:endParaRPr lang="ru-RU"/>
           </a:p>
@@ -1719,7 +1719,7 @@
           <a:p>
             <a:fld id="{08512D6B-C3B1-4408-AFE4-47400481D2AF}" type="datetime1">
               <a:rPr lang="ru-RU" smtClean="0"/>
-              <a:t>02.06.2024</a:t>
+              <a:t>03.06.2024</a:t>
             </a:fld>
             <a:endParaRPr lang="ru-RU"/>
           </a:p>
@@ -2138,7 +2138,7 @@
           <a:p>
             <a:fld id="{8393DAA4-D2BA-41BC-BB46-C75EBC7897D2}" type="datetime1">
               <a:rPr lang="ru-RU" smtClean="0"/>
-              <a:t>02.06.2024</a:t>
+              <a:t>03.06.2024</a:t>
             </a:fld>
             <a:endParaRPr lang="ru-RU"/>
           </a:p>
@@ -2255,7 +2255,7 @@
           <a:p>
             <a:fld id="{CA8D47CD-05FF-4CCE-ADBB-9D4F9CDA3A02}" type="datetime1">
               <a:rPr lang="ru-RU" smtClean="0"/>
-              <a:t>02.06.2024</a:t>
+              <a:t>03.06.2024</a:t>
             </a:fld>
             <a:endParaRPr lang="ru-RU"/>
           </a:p>
@@ -2350,7 +2350,7 @@
           <a:p>
             <a:fld id="{D43B1656-6DDD-4CAA-81F6-6641D0DA7017}" type="datetime1">
               <a:rPr lang="ru-RU" smtClean="0"/>
-              <a:t>02.06.2024</a:t>
+              <a:t>03.06.2024</a:t>
             </a:fld>
             <a:endParaRPr lang="ru-RU"/>
           </a:p>
@@ -2625,7 +2625,7 @@
           <a:p>
             <a:fld id="{59C2894B-9625-430F-9B9A-BF36AFAE0B5B}" type="datetime1">
               <a:rPr lang="ru-RU" smtClean="0"/>
-              <a:t>02.06.2024</a:t>
+              <a:t>03.06.2024</a:t>
             </a:fld>
             <a:endParaRPr lang="ru-RU"/>
           </a:p>
@@ -2877,7 +2877,7 @@
           <a:p>
             <a:fld id="{9F0BE669-6AE7-4F1D-BAF5-71C18E7D1E10}" type="datetime1">
               <a:rPr lang="ru-RU" smtClean="0"/>
-              <a:t>02.06.2024</a:t>
+              <a:t>03.06.2024</a:t>
             </a:fld>
             <a:endParaRPr lang="ru-RU"/>
           </a:p>
@@ -3088,7 +3088,7 @@
           <a:p>
             <a:fld id="{FD3FB48F-75F0-47D3-910B-20E7BE5531C2}" type="datetime1">
               <a:rPr lang="ru-RU" smtClean="0"/>
-              <a:t>02.06.2024</a:t>
+              <a:t>03.06.2024</a:t>
             </a:fld>
             <a:endParaRPr lang="ru-RU"/>
           </a:p>
@@ -4269,14 +4269,14 @@
           <p:nvPr>
             <p:extLst>
               <p:ext uri="{D42A27DB-BD31-4B8C-83A1-F6EECF244321}">
-                <p14:modId xmlns:p14="http://schemas.microsoft.com/office/powerpoint/2010/main" val="3945290861"/>
+                <p14:modId xmlns:p14="http://schemas.microsoft.com/office/powerpoint/2010/main" val="3995330930"/>
               </p:ext>
             </p:extLst>
           </p:nvPr>
         </p:nvGraphicFramePr>
         <p:xfrm>
-          <a:off x="518870" y="1341008"/>
-          <a:ext cx="8106259" cy="4580500"/>
+          <a:off x="539552" y="1341008"/>
+          <a:ext cx="8085577" cy="4580500"/>
         </p:xfrm>
         <a:graphic>
           <a:graphicData uri="http://schemas.openxmlformats.org/drawingml/2006/table">
@@ -4285,7 +4285,7 @@
                 <a:tableStyleId>{D7AC3CCA-C797-4891-BE02-D94E43425B78}</a:tableStyleId>
               </a:tblPr>
               <a:tblGrid>
-                <a:gridCol w="1265498">
+                <a:gridCol w="1244816">
                   <a:extLst>
                     <a:ext uri="{9D8B030D-6E8A-4147-A177-3AD203B41FA5}">
                       <a16:colId xmlns:a16="http://schemas.microsoft.com/office/drawing/2014/main" val="2769539365"/>
